--- a/Presentation.pptx
+++ b/Presentation.pptx
@@ -4,11 +4,28 @@
   <p:sldMasterIdLst>
     <p:sldMasterId id="2147483648" r:id="rId1"/>
   </p:sldMasterIdLst>
+  <p:notesMasterIdLst>
+    <p:notesMasterId r:id="rId20"/>
+  </p:notesMasterIdLst>
   <p:sldIdLst>
     <p:sldId id="256" r:id="rId2"/>
     <p:sldId id="257" r:id="rId3"/>
     <p:sldId id="258" r:id="rId4"/>
-    <p:sldId id="259" r:id="rId5"/>
+    <p:sldId id="260" r:id="rId5"/>
+    <p:sldId id="261" r:id="rId6"/>
+    <p:sldId id="263" r:id="rId7"/>
+    <p:sldId id="262" r:id="rId8"/>
+    <p:sldId id="264" r:id="rId9"/>
+    <p:sldId id="265" r:id="rId10"/>
+    <p:sldId id="266" r:id="rId11"/>
+    <p:sldId id="267" r:id="rId12"/>
+    <p:sldId id="268" r:id="rId13"/>
+    <p:sldId id="269" r:id="rId14"/>
+    <p:sldId id="270" r:id="rId15"/>
+    <p:sldId id="271" r:id="rId16"/>
+    <p:sldId id="272" r:id="rId17"/>
+    <p:sldId id="273" r:id="rId18"/>
+    <p:sldId id="259" r:id="rId19"/>
   </p:sldIdLst>
   <p:sldSz cx="12192000" cy="6858000"/>
   <p:notesSz cx="6858000" cy="9144000"/>
@@ -108,6 +125,356 @@
     </a:lvl9pPr>
   </p:defaultTextStyle>
 </p:presentation>
+</file>
+
+<file path=ppt/notesMasters/notesMaster1.xml><?xml version="1.0" encoding="utf-8"?>
+<p:notesMaster xmlns:a="http://schemas.openxmlformats.org/drawingml/2006/main" xmlns:r="http://schemas.openxmlformats.org/officeDocument/2006/relationships" xmlns:p="http://schemas.openxmlformats.org/presentationml/2006/main">
+  <p:cSld>
+    <p:bg>
+      <p:bgRef idx="1001">
+        <a:schemeClr val="bg1"/>
+      </p:bgRef>
+    </p:bg>
+    <p:spTree>
+      <p:nvGrpSpPr>
+        <p:cNvPr id="1" name=""/>
+        <p:cNvGrpSpPr/>
+        <p:nvPr/>
+      </p:nvGrpSpPr>
+      <p:grpSpPr>
+        <a:xfrm>
+          <a:off x="0" y="0"/>
+          <a:ext cx="0" cy="0"/>
+          <a:chOff x="0" y="0"/>
+          <a:chExt cx="0" cy="0"/>
+        </a:xfrm>
+      </p:grpSpPr>
+      <p:sp>
+        <p:nvSpPr>
+          <p:cNvPr id="2" name="Header Placeholder 1"/>
+          <p:cNvSpPr>
+            <a:spLocks noGrp="1"/>
+          </p:cNvSpPr>
+          <p:nvPr>
+            <p:ph type="hdr" sz="quarter"/>
+          </p:nvPr>
+        </p:nvSpPr>
+        <p:spPr>
+          <a:xfrm>
+            <a:off x="0" y="0"/>
+            <a:ext cx="2971800" cy="458788"/>
+          </a:xfrm>
+          <a:prstGeom prst="rect">
+            <a:avLst/>
+          </a:prstGeom>
+        </p:spPr>
+        <p:txBody>
+          <a:bodyPr vert="horz" lIns="91440" tIns="45720" rIns="91440" bIns="45720" rtlCol="0"/>
+          <a:lstStyle>
+            <a:lvl1pPr algn="l">
+              <a:defRPr sz="1200"/>
+            </a:lvl1pPr>
+          </a:lstStyle>
+          <a:p>
+            <a:endParaRPr lang="en-US"/>
+          </a:p>
+        </p:txBody>
+      </p:sp>
+      <p:sp>
+        <p:nvSpPr>
+          <p:cNvPr id="3" name="Date Placeholder 2"/>
+          <p:cNvSpPr>
+            <a:spLocks noGrp="1"/>
+          </p:cNvSpPr>
+          <p:nvPr>
+            <p:ph type="dt" idx="1"/>
+          </p:nvPr>
+        </p:nvSpPr>
+        <p:spPr>
+          <a:xfrm>
+            <a:off x="3884613" y="0"/>
+            <a:ext cx="2971800" cy="458788"/>
+          </a:xfrm>
+          <a:prstGeom prst="rect">
+            <a:avLst/>
+          </a:prstGeom>
+        </p:spPr>
+        <p:txBody>
+          <a:bodyPr vert="horz" lIns="91440" tIns="45720" rIns="91440" bIns="45720" rtlCol="0"/>
+          <a:lstStyle>
+            <a:lvl1pPr algn="r">
+              <a:defRPr sz="1200"/>
+            </a:lvl1pPr>
+          </a:lstStyle>
+          <a:p>
+            <a:fld id="{B0CFBA8D-7A05-8645-AA36-59B01D9BF3EA}" type="datetimeFigureOut">
+              <a:rPr lang="en-US" smtClean="0"/>
+              <a:t>6/7/17</a:t>
+            </a:fld>
+            <a:endParaRPr lang="en-US"/>
+          </a:p>
+        </p:txBody>
+      </p:sp>
+      <p:sp>
+        <p:nvSpPr>
+          <p:cNvPr id="4" name="Slide Image Placeholder 3"/>
+          <p:cNvSpPr>
+            <a:spLocks noGrp="1" noRot="1" noChangeAspect="1"/>
+          </p:cNvSpPr>
+          <p:nvPr>
+            <p:ph type="sldImg" idx="2"/>
+          </p:nvPr>
+        </p:nvSpPr>
+        <p:spPr>
+          <a:xfrm>
+            <a:off x="685800" y="1143000"/>
+            <a:ext cx="5486400" cy="3086100"/>
+          </a:xfrm>
+          <a:prstGeom prst="rect">
+            <a:avLst/>
+          </a:prstGeom>
+          <a:noFill/>
+          <a:ln w="12700">
+            <a:solidFill>
+              <a:prstClr val="black"/>
+            </a:solidFill>
+          </a:ln>
+        </p:spPr>
+        <p:txBody>
+          <a:bodyPr vert="horz" lIns="91440" tIns="45720" rIns="91440" bIns="45720" rtlCol="0" anchor="ctr"/>
+          <a:lstStyle/>
+          <a:p>
+            <a:endParaRPr lang="en-US"/>
+          </a:p>
+        </p:txBody>
+      </p:sp>
+      <p:sp>
+        <p:nvSpPr>
+          <p:cNvPr id="5" name="Notes Placeholder 4"/>
+          <p:cNvSpPr>
+            <a:spLocks noGrp="1"/>
+          </p:cNvSpPr>
+          <p:nvPr>
+            <p:ph type="body" sz="quarter" idx="3"/>
+          </p:nvPr>
+        </p:nvSpPr>
+        <p:spPr>
+          <a:xfrm>
+            <a:off x="685800" y="4400550"/>
+            <a:ext cx="5486400" cy="3600450"/>
+          </a:xfrm>
+          <a:prstGeom prst="rect">
+            <a:avLst/>
+          </a:prstGeom>
+        </p:spPr>
+        <p:txBody>
+          <a:bodyPr vert="horz" lIns="91440" tIns="45720" rIns="91440" bIns="45720" rtlCol="0"/>
+          <a:lstStyle/>
+          <a:p>
+            <a:pPr lvl="0"/>
+            <a:r>
+              <a:rPr lang="en-US" smtClean="0"/>
+              <a:t>Click to edit Master text styles</a:t>
+            </a:r>
+          </a:p>
+          <a:p>
+            <a:pPr lvl="1"/>
+            <a:r>
+              <a:rPr lang="en-US" smtClean="0"/>
+              <a:t>Second level</a:t>
+            </a:r>
+          </a:p>
+          <a:p>
+            <a:pPr lvl="2"/>
+            <a:r>
+              <a:rPr lang="en-US" smtClean="0"/>
+              <a:t>Third level</a:t>
+            </a:r>
+          </a:p>
+          <a:p>
+            <a:pPr lvl="3"/>
+            <a:r>
+              <a:rPr lang="en-US" smtClean="0"/>
+              <a:t>Fourth level</a:t>
+            </a:r>
+          </a:p>
+          <a:p>
+            <a:pPr lvl="4"/>
+            <a:r>
+              <a:rPr lang="en-US" smtClean="0"/>
+              <a:t>Fifth level</a:t>
+            </a:r>
+            <a:endParaRPr lang="en-US"/>
+          </a:p>
+        </p:txBody>
+      </p:sp>
+      <p:sp>
+        <p:nvSpPr>
+          <p:cNvPr id="6" name="Footer Placeholder 5"/>
+          <p:cNvSpPr>
+            <a:spLocks noGrp="1"/>
+          </p:cNvSpPr>
+          <p:nvPr>
+            <p:ph type="ftr" sz="quarter" idx="4"/>
+          </p:nvPr>
+        </p:nvSpPr>
+        <p:spPr>
+          <a:xfrm>
+            <a:off x="0" y="8685213"/>
+            <a:ext cx="2971800" cy="458787"/>
+          </a:xfrm>
+          <a:prstGeom prst="rect">
+            <a:avLst/>
+          </a:prstGeom>
+        </p:spPr>
+        <p:txBody>
+          <a:bodyPr vert="horz" lIns="91440" tIns="45720" rIns="91440" bIns="45720" rtlCol="0" anchor="b"/>
+          <a:lstStyle>
+            <a:lvl1pPr algn="l">
+              <a:defRPr sz="1200"/>
+            </a:lvl1pPr>
+          </a:lstStyle>
+          <a:p>
+            <a:endParaRPr lang="en-US"/>
+          </a:p>
+        </p:txBody>
+      </p:sp>
+      <p:sp>
+        <p:nvSpPr>
+          <p:cNvPr id="7" name="Slide Number Placeholder 6"/>
+          <p:cNvSpPr>
+            <a:spLocks noGrp="1"/>
+          </p:cNvSpPr>
+          <p:nvPr>
+            <p:ph type="sldNum" sz="quarter" idx="5"/>
+          </p:nvPr>
+        </p:nvSpPr>
+        <p:spPr>
+          <a:xfrm>
+            <a:off x="3884613" y="8685213"/>
+            <a:ext cx="2971800" cy="458787"/>
+          </a:xfrm>
+          <a:prstGeom prst="rect">
+            <a:avLst/>
+          </a:prstGeom>
+        </p:spPr>
+        <p:txBody>
+          <a:bodyPr vert="horz" lIns="91440" tIns="45720" rIns="91440" bIns="45720" rtlCol="0" anchor="b"/>
+          <a:lstStyle>
+            <a:lvl1pPr algn="r">
+              <a:defRPr sz="1200"/>
+            </a:lvl1pPr>
+          </a:lstStyle>
+          <a:p>
+            <a:fld id="{DD1C8BD1-DF55-6149-982E-BBA2F698108F}" type="slidenum">
+              <a:rPr lang="en-US" smtClean="0"/>
+              <a:t>‹#›</a:t>
+            </a:fld>
+            <a:endParaRPr lang="en-US"/>
+          </a:p>
+        </p:txBody>
+      </p:sp>
+    </p:spTree>
+    <p:extLst>
+      <p:ext uri="{BB962C8B-B14F-4D97-AF65-F5344CB8AC3E}">
+        <p14:creationId xmlns:p14="http://schemas.microsoft.com/office/powerpoint/2010/main" val="1405634131"/>
+      </p:ext>
+    </p:extLst>
+  </p:cSld>
+  <p:clrMap bg1="lt1" tx1="dk1" bg2="lt2" tx2="dk2" accent1="accent1" accent2="accent2" accent3="accent3" accent4="accent4" accent5="accent5" accent6="accent6" hlink="hlink" folHlink="folHlink"/>
+  <p:notesStyle>
+    <a:lvl1pPr marL="0" algn="l" defTabSz="914400" rtl="0" eaLnBrk="1" latinLnBrk="0" hangingPunct="1">
+      <a:defRPr sz="1200" kern="1200">
+        <a:solidFill>
+          <a:schemeClr val="tx1"/>
+        </a:solidFill>
+        <a:latin typeface="+mn-lt"/>
+        <a:ea typeface="+mn-ea"/>
+        <a:cs typeface="+mn-cs"/>
+      </a:defRPr>
+    </a:lvl1pPr>
+    <a:lvl2pPr marL="457200" algn="l" defTabSz="914400" rtl="0" eaLnBrk="1" latinLnBrk="0" hangingPunct="1">
+      <a:defRPr sz="1200" kern="1200">
+        <a:solidFill>
+          <a:schemeClr val="tx1"/>
+        </a:solidFill>
+        <a:latin typeface="+mn-lt"/>
+        <a:ea typeface="+mn-ea"/>
+        <a:cs typeface="+mn-cs"/>
+      </a:defRPr>
+    </a:lvl2pPr>
+    <a:lvl3pPr marL="914400" algn="l" defTabSz="914400" rtl="0" eaLnBrk="1" latinLnBrk="0" hangingPunct="1">
+      <a:defRPr sz="1200" kern="1200">
+        <a:solidFill>
+          <a:schemeClr val="tx1"/>
+        </a:solidFill>
+        <a:latin typeface="+mn-lt"/>
+        <a:ea typeface="+mn-ea"/>
+        <a:cs typeface="+mn-cs"/>
+      </a:defRPr>
+    </a:lvl3pPr>
+    <a:lvl4pPr marL="1371600" algn="l" defTabSz="914400" rtl="0" eaLnBrk="1" latinLnBrk="0" hangingPunct="1">
+      <a:defRPr sz="1200" kern="1200">
+        <a:solidFill>
+          <a:schemeClr val="tx1"/>
+        </a:solidFill>
+        <a:latin typeface="+mn-lt"/>
+        <a:ea typeface="+mn-ea"/>
+        <a:cs typeface="+mn-cs"/>
+      </a:defRPr>
+    </a:lvl4pPr>
+    <a:lvl5pPr marL="1828800" algn="l" defTabSz="914400" rtl="0" eaLnBrk="1" latinLnBrk="0" hangingPunct="1">
+      <a:defRPr sz="1200" kern="1200">
+        <a:solidFill>
+          <a:schemeClr val="tx1"/>
+        </a:solidFill>
+        <a:latin typeface="+mn-lt"/>
+        <a:ea typeface="+mn-ea"/>
+        <a:cs typeface="+mn-cs"/>
+      </a:defRPr>
+    </a:lvl5pPr>
+    <a:lvl6pPr marL="2286000" algn="l" defTabSz="914400" rtl="0" eaLnBrk="1" latinLnBrk="0" hangingPunct="1">
+      <a:defRPr sz="1200" kern="1200">
+        <a:solidFill>
+          <a:schemeClr val="tx1"/>
+        </a:solidFill>
+        <a:latin typeface="+mn-lt"/>
+        <a:ea typeface="+mn-ea"/>
+        <a:cs typeface="+mn-cs"/>
+      </a:defRPr>
+    </a:lvl6pPr>
+    <a:lvl7pPr marL="2743200" algn="l" defTabSz="914400" rtl="0" eaLnBrk="1" latinLnBrk="0" hangingPunct="1">
+      <a:defRPr sz="1200" kern="1200">
+        <a:solidFill>
+          <a:schemeClr val="tx1"/>
+        </a:solidFill>
+        <a:latin typeface="+mn-lt"/>
+        <a:ea typeface="+mn-ea"/>
+        <a:cs typeface="+mn-cs"/>
+      </a:defRPr>
+    </a:lvl7pPr>
+    <a:lvl8pPr marL="3200400" algn="l" defTabSz="914400" rtl="0" eaLnBrk="1" latinLnBrk="0" hangingPunct="1">
+      <a:defRPr sz="1200" kern="1200">
+        <a:solidFill>
+          <a:schemeClr val="tx1"/>
+        </a:solidFill>
+        <a:latin typeface="+mn-lt"/>
+        <a:ea typeface="+mn-ea"/>
+        <a:cs typeface="+mn-cs"/>
+      </a:defRPr>
+    </a:lvl8pPr>
+    <a:lvl9pPr marL="3657600" algn="l" defTabSz="914400" rtl="0" eaLnBrk="1" latinLnBrk="0" hangingPunct="1">
+      <a:defRPr sz="1200" kern="1200">
+        <a:solidFill>
+          <a:schemeClr val="tx1"/>
+        </a:solidFill>
+        <a:latin typeface="+mn-lt"/>
+        <a:ea typeface="+mn-ea"/>
+        <a:cs typeface="+mn-cs"/>
+      </a:defRPr>
+    </a:lvl9pPr>
+  </p:notesStyle>
+</p:notesMaster>
 </file>
 
 <file path=ppt/slideLayouts/slideLayout1.xml><?xml version="1.0" encoding="utf-8"?>
@@ -5414,6 +5781,809 @@
 </p:sld>
 </file>
 
+<file path=ppt/slides/slide10.xml><?xml version="1.0" encoding="utf-8"?>
+<p:sld xmlns:a="http://schemas.openxmlformats.org/drawingml/2006/main" xmlns:r="http://schemas.openxmlformats.org/officeDocument/2006/relationships" xmlns:p="http://schemas.openxmlformats.org/presentationml/2006/main">
+  <p:cSld>
+    <p:spTree>
+      <p:nvGrpSpPr>
+        <p:cNvPr id="1" name=""/>
+        <p:cNvGrpSpPr/>
+        <p:nvPr/>
+      </p:nvGrpSpPr>
+      <p:grpSpPr>
+        <a:xfrm>
+          <a:off x="0" y="0"/>
+          <a:ext cx="0" cy="0"/>
+          <a:chOff x="0" y="0"/>
+          <a:chExt cx="0" cy="0"/>
+        </a:xfrm>
+      </p:grpSpPr>
+      <p:sp>
+        <p:nvSpPr>
+          <p:cNvPr id="2" name="Title 1"/>
+          <p:cNvSpPr>
+            <a:spLocks noGrp="1"/>
+          </p:cNvSpPr>
+          <p:nvPr>
+            <p:ph type="title"/>
+          </p:nvPr>
+        </p:nvSpPr>
+        <p:spPr/>
+        <p:txBody>
+          <a:bodyPr/>
+          <a:lstStyle/>
+          <a:p>
+            <a:r>
+              <a:rPr lang="en-US" dirty="0" smtClean="0"/>
+              <a:t>Design </a:t>
+            </a:r>
+            <a:r>
+              <a:rPr lang="mr-IN" dirty="0" smtClean="0"/>
+              <a:t>–</a:t>
+            </a:r>
+            <a:r>
+              <a:rPr lang="en-US" dirty="0" smtClean="0"/>
+              <a:t> Logic Design</a:t>
+            </a:r>
+            <a:endParaRPr lang="en-US" dirty="0"/>
+          </a:p>
+        </p:txBody>
+      </p:sp>
+      <p:sp>
+        <p:nvSpPr>
+          <p:cNvPr id="3" name="Content Placeholder 2"/>
+          <p:cNvSpPr>
+            <a:spLocks noGrp="1"/>
+          </p:cNvSpPr>
+          <p:nvPr>
+            <p:ph idx="1"/>
+          </p:nvPr>
+        </p:nvSpPr>
+        <p:spPr/>
+        <p:txBody>
+          <a:bodyPr/>
+          <a:lstStyle/>
+          <a:p>
+            <a:r>
+              <a:rPr lang="en-US" dirty="0" smtClean="0"/>
+              <a:t>Public functions:</a:t>
+            </a:r>
+          </a:p>
+          <a:p>
+            <a:r>
+              <a:rPr lang="en-US" dirty="0" err="1" smtClean="0"/>
+              <a:t>startListen</a:t>
+            </a:r>
+            <a:r>
+              <a:rPr lang="en-US" dirty="0" smtClean="0"/>
+              <a:t>() / </a:t>
+            </a:r>
+            <a:r>
+              <a:rPr lang="en-US" dirty="0" err="1" smtClean="0"/>
+              <a:t>stopListen</a:t>
+            </a:r>
+            <a:r>
+              <a:rPr lang="en-US" dirty="0" smtClean="0"/>
+              <a:t>()</a:t>
+            </a:r>
+          </a:p>
+          <a:p>
+            <a:r>
+              <a:rPr lang="en-US" dirty="0" smtClean="0"/>
+              <a:t>connect() </a:t>
+            </a:r>
+            <a:r>
+              <a:rPr lang="en-US" smtClean="0"/>
+              <a:t>/ disconnect()</a:t>
+            </a:r>
+            <a:endParaRPr lang="en-US" dirty="0"/>
+          </a:p>
+        </p:txBody>
+      </p:sp>
+    </p:spTree>
+    <p:extLst>
+      <p:ext uri="{BB962C8B-B14F-4D97-AF65-F5344CB8AC3E}">
+        <p14:creationId xmlns:p14="http://schemas.microsoft.com/office/powerpoint/2010/main" val="1895486630"/>
+      </p:ext>
+    </p:extLst>
+  </p:cSld>
+  <p:clrMapOvr>
+    <a:masterClrMapping/>
+  </p:clrMapOvr>
+</p:sld>
+</file>
+
+<file path=ppt/slides/slide11.xml><?xml version="1.0" encoding="utf-8"?>
+<p:sld xmlns:a="http://schemas.openxmlformats.org/drawingml/2006/main" xmlns:r="http://schemas.openxmlformats.org/officeDocument/2006/relationships" xmlns:p="http://schemas.openxmlformats.org/presentationml/2006/main">
+  <p:cSld>
+    <p:spTree>
+      <p:nvGrpSpPr>
+        <p:cNvPr id="1" name=""/>
+        <p:cNvGrpSpPr/>
+        <p:nvPr/>
+      </p:nvGrpSpPr>
+      <p:grpSpPr>
+        <a:xfrm>
+          <a:off x="0" y="0"/>
+          <a:ext cx="0" cy="0"/>
+          <a:chOff x="0" y="0"/>
+          <a:chExt cx="0" cy="0"/>
+        </a:xfrm>
+      </p:grpSpPr>
+      <p:sp>
+        <p:nvSpPr>
+          <p:cNvPr id="2" name="Title 1"/>
+          <p:cNvSpPr>
+            <a:spLocks noGrp="1"/>
+          </p:cNvSpPr>
+          <p:nvPr>
+            <p:ph type="title"/>
+          </p:nvPr>
+        </p:nvSpPr>
+        <p:spPr/>
+        <p:txBody>
+          <a:bodyPr/>
+          <a:lstStyle/>
+          <a:p>
+            <a:r>
+              <a:rPr lang="en-US" dirty="0" smtClean="0"/>
+              <a:t>Design </a:t>
+            </a:r>
+            <a:r>
+              <a:rPr lang="mr-IN" dirty="0" smtClean="0"/>
+              <a:t>–</a:t>
+            </a:r>
+            <a:r>
+              <a:rPr lang="en-US" dirty="0" smtClean="0"/>
+              <a:t> Logic Design</a:t>
+            </a:r>
+            <a:endParaRPr lang="en-US" dirty="0"/>
+          </a:p>
+        </p:txBody>
+      </p:sp>
+      <p:sp>
+        <p:nvSpPr>
+          <p:cNvPr id="3" name="Content Placeholder 2"/>
+          <p:cNvSpPr>
+            <a:spLocks noGrp="1"/>
+          </p:cNvSpPr>
+          <p:nvPr>
+            <p:ph idx="1"/>
+          </p:nvPr>
+        </p:nvSpPr>
+        <p:spPr/>
+        <p:txBody>
+          <a:bodyPr/>
+          <a:lstStyle/>
+          <a:p>
+            <a:endParaRPr lang="en-US" dirty="0"/>
+          </a:p>
+        </p:txBody>
+      </p:sp>
+    </p:spTree>
+    <p:extLst>
+      <p:ext uri="{BB962C8B-B14F-4D97-AF65-F5344CB8AC3E}">
+        <p14:creationId xmlns:p14="http://schemas.microsoft.com/office/powerpoint/2010/main" val="1671370812"/>
+      </p:ext>
+    </p:extLst>
+  </p:cSld>
+  <p:clrMapOvr>
+    <a:masterClrMapping/>
+  </p:clrMapOvr>
+</p:sld>
+</file>
+
+<file path=ppt/slides/slide12.xml><?xml version="1.0" encoding="utf-8"?>
+<p:sld xmlns:a="http://schemas.openxmlformats.org/drawingml/2006/main" xmlns:r="http://schemas.openxmlformats.org/officeDocument/2006/relationships" xmlns:p="http://schemas.openxmlformats.org/presentationml/2006/main">
+  <p:cSld>
+    <p:spTree>
+      <p:nvGrpSpPr>
+        <p:cNvPr id="1" name=""/>
+        <p:cNvGrpSpPr/>
+        <p:nvPr/>
+      </p:nvGrpSpPr>
+      <p:grpSpPr>
+        <a:xfrm>
+          <a:off x="0" y="0"/>
+          <a:ext cx="0" cy="0"/>
+          <a:chOff x="0" y="0"/>
+          <a:chExt cx="0" cy="0"/>
+        </a:xfrm>
+      </p:grpSpPr>
+      <p:sp>
+        <p:nvSpPr>
+          <p:cNvPr id="2" name="Title 1"/>
+          <p:cNvSpPr>
+            <a:spLocks noGrp="1"/>
+          </p:cNvSpPr>
+          <p:nvPr>
+            <p:ph type="title"/>
+          </p:nvPr>
+        </p:nvSpPr>
+        <p:spPr/>
+        <p:txBody>
+          <a:bodyPr/>
+          <a:lstStyle/>
+          <a:p>
+            <a:r>
+              <a:rPr lang="en-US" dirty="0" smtClean="0"/>
+              <a:t>Design </a:t>
+            </a:r>
+            <a:r>
+              <a:rPr lang="mr-IN" dirty="0" smtClean="0"/>
+              <a:t>–</a:t>
+            </a:r>
+            <a:r>
+              <a:rPr lang="en-US" dirty="0" smtClean="0"/>
+              <a:t> Logic Design</a:t>
+            </a:r>
+            <a:endParaRPr lang="en-US" dirty="0"/>
+          </a:p>
+        </p:txBody>
+      </p:sp>
+      <p:sp>
+        <p:nvSpPr>
+          <p:cNvPr id="3" name="Content Placeholder 2"/>
+          <p:cNvSpPr>
+            <a:spLocks noGrp="1"/>
+          </p:cNvSpPr>
+          <p:nvPr>
+            <p:ph idx="1"/>
+          </p:nvPr>
+        </p:nvSpPr>
+        <p:spPr/>
+        <p:txBody>
+          <a:bodyPr/>
+          <a:lstStyle/>
+          <a:p>
+            <a:endParaRPr lang="en-US" dirty="0"/>
+          </a:p>
+        </p:txBody>
+      </p:sp>
+    </p:spTree>
+    <p:extLst>
+      <p:ext uri="{BB962C8B-B14F-4D97-AF65-F5344CB8AC3E}">
+        <p14:creationId xmlns:p14="http://schemas.microsoft.com/office/powerpoint/2010/main" val="1643134524"/>
+      </p:ext>
+    </p:extLst>
+  </p:cSld>
+  <p:clrMapOvr>
+    <a:masterClrMapping/>
+  </p:clrMapOvr>
+</p:sld>
+</file>
+
+<file path=ppt/slides/slide13.xml><?xml version="1.0" encoding="utf-8"?>
+<p:sld xmlns:a="http://schemas.openxmlformats.org/drawingml/2006/main" xmlns:r="http://schemas.openxmlformats.org/officeDocument/2006/relationships" xmlns:p="http://schemas.openxmlformats.org/presentationml/2006/main">
+  <p:cSld>
+    <p:spTree>
+      <p:nvGrpSpPr>
+        <p:cNvPr id="1" name=""/>
+        <p:cNvGrpSpPr/>
+        <p:nvPr/>
+      </p:nvGrpSpPr>
+      <p:grpSpPr>
+        <a:xfrm>
+          <a:off x="0" y="0"/>
+          <a:ext cx="0" cy="0"/>
+          <a:chOff x="0" y="0"/>
+          <a:chExt cx="0" cy="0"/>
+        </a:xfrm>
+      </p:grpSpPr>
+      <p:sp>
+        <p:nvSpPr>
+          <p:cNvPr id="2" name="Title 1"/>
+          <p:cNvSpPr>
+            <a:spLocks noGrp="1"/>
+          </p:cNvSpPr>
+          <p:nvPr>
+            <p:ph type="title"/>
+          </p:nvPr>
+        </p:nvSpPr>
+        <p:spPr/>
+        <p:txBody>
+          <a:bodyPr/>
+          <a:lstStyle/>
+          <a:p>
+            <a:r>
+              <a:rPr lang="en-US" dirty="0" smtClean="0"/>
+              <a:t>Design </a:t>
+            </a:r>
+            <a:r>
+              <a:rPr lang="mr-IN" dirty="0" smtClean="0"/>
+              <a:t>–</a:t>
+            </a:r>
+            <a:r>
+              <a:rPr lang="en-US" dirty="0" smtClean="0"/>
+              <a:t> Logic Design</a:t>
+            </a:r>
+            <a:endParaRPr lang="en-US" dirty="0"/>
+          </a:p>
+        </p:txBody>
+      </p:sp>
+      <p:sp>
+        <p:nvSpPr>
+          <p:cNvPr id="3" name="Content Placeholder 2"/>
+          <p:cNvSpPr>
+            <a:spLocks noGrp="1"/>
+          </p:cNvSpPr>
+          <p:nvPr>
+            <p:ph idx="1"/>
+          </p:nvPr>
+        </p:nvSpPr>
+        <p:spPr/>
+        <p:txBody>
+          <a:bodyPr/>
+          <a:lstStyle/>
+          <a:p>
+            <a:endParaRPr lang="en-US" dirty="0"/>
+          </a:p>
+        </p:txBody>
+      </p:sp>
+    </p:spTree>
+    <p:extLst>
+      <p:ext uri="{BB962C8B-B14F-4D97-AF65-F5344CB8AC3E}">
+        <p14:creationId xmlns:p14="http://schemas.microsoft.com/office/powerpoint/2010/main" val="1669728095"/>
+      </p:ext>
+    </p:extLst>
+  </p:cSld>
+  <p:clrMapOvr>
+    <a:masterClrMapping/>
+  </p:clrMapOvr>
+</p:sld>
+</file>
+
+<file path=ppt/slides/slide14.xml><?xml version="1.0" encoding="utf-8"?>
+<p:sld xmlns:a="http://schemas.openxmlformats.org/drawingml/2006/main" xmlns:r="http://schemas.openxmlformats.org/officeDocument/2006/relationships" xmlns:p="http://schemas.openxmlformats.org/presentationml/2006/main">
+  <p:cSld>
+    <p:spTree>
+      <p:nvGrpSpPr>
+        <p:cNvPr id="1" name=""/>
+        <p:cNvGrpSpPr/>
+        <p:nvPr/>
+      </p:nvGrpSpPr>
+      <p:grpSpPr>
+        <a:xfrm>
+          <a:off x="0" y="0"/>
+          <a:ext cx="0" cy="0"/>
+          <a:chOff x="0" y="0"/>
+          <a:chExt cx="0" cy="0"/>
+        </a:xfrm>
+      </p:grpSpPr>
+      <p:sp>
+        <p:nvSpPr>
+          <p:cNvPr id="2" name="Title 1"/>
+          <p:cNvSpPr>
+            <a:spLocks noGrp="1"/>
+          </p:cNvSpPr>
+          <p:nvPr>
+            <p:ph type="title"/>
+          </p:nvPr>
+        </p:nvSpPr>
+        <p:spPr/>
+        <p:txBody>
+          <a:bodyPr/>
+          <a:lstStyle/>
+          <a:p>
+            <a:r>
+              <a:rPr lang="en-US" dirty="0" smtClean="0"/>
+              <a:t>Design </a:t>
+            </a:r>
+            <a:r>
+              <a:rPr lang="mr-IN" dirty="0" smtClean="0"/>
+              <a:t>–</a:t>
+            </a:r>
+            <a:r>
+              <a:rPr lang="en-US" dirty="0" smtClean="0"/>
+              <a:t> Logic Design</a:t>
+            </a:r>
+            <a:endParaRPr lang="en-US" dirty="0"/>
+          </a:p>
+        </p:txBody>
+      </p:sp>
+      <p:sp>
+        <p:nvSpPr>
+          <p:cNvPr id="3" name="Content Placeholder 2"/>
+          <p:cNvSpPr>
+            <a:spLocks noGrp="1"/>
+          </p:cNvSpPr>
+          <p:nvPr>
+            <p:ph idx="1"/>
+          </p:nvPr>
+        </p:nvSpPr>
+        <p:spPr/>
+        <p:txBody>
+          <a:bodyPr/>
+          <a:lstStyle/>
+          <a:p>
+            <a:endParaRPr lang="en-US" dirty="0"/>
+          </a:p>
+        </p:txBody>
+      </p:sp>
+    </p:spTree>
+    <p:extLst>
+      <p:ext uri="{BB962C8B-B14F-4D97-AF65-F5344CB8AC3E}">
+        <p14:creationId xmlns:p14="http://schemas.microsoft.com/office/powerpoint/2010/main" val="1951277316"/>
+      </p:ext>
+    </p:extLst>
+  </p:cSld>
+  <p:clrMapOvr>
+    <a:masterClrMapping/>
+  </p:clrMapOvr>
+</p:sld>
+</file>
+
+<file path=ppt/slides/slide15.xml><?xml version="1.0" encoding="utf-8"?>
+<p:sld xmlns:a="http://schemas.openxmlformats.org/drawingml/2006/main" xmlns:r="http://schemas.openxmlformats.org/officeDocument/2006/relationships" xmlns:p="http://schemas.openxmlformats.org/presentationml/2006/main">
+  <p:cSld>
+    <p:spTree>
+      <p:nvGrpSpPr>
+        <p:cNvPr id="1" name=""/>
+        <p:cNvGrpSpPr/>
+        <p:nvPr/>
+      </p:nvGrpSpPr>
+      <p:grpSpPr>
+        <a:xfrm>
+          <a:off x="0" y="0"/>
+          <a:ext cx="0" cy="0"/>
+          <a:chOff x="0" y="0"/>
+          <a:chExt cx="0" cy="0"/>
+        </a:xfrm>
+      </p:grpSpPr>
+      <p:sp>
+        <p:nvSpPr>
+          <p:cNvPr id="2" name="Title 1"/>
+          <p:cNvSpPr>
+            <a:spLocks noGrp="1"/>
+          </p:cNvSpPr>
+          <p:nvPr>
+            <p:ph type="title"/>
+          </p:nvPr>
+        </p:nvSpPr>
+        <p:spPr/>
+        <p:txBody>
+          <a:bodyPr/>
+          <a:lstStyle/>
+          <a:p>
+            <a:r>
+              <a:rPr lang="en-US" dirty="0" smtClean="0"/>
+              <a:t>Design </a:t>
+            </a:r>
+            <a:r>
+              <a:rPr lang="mr-IN" dirty="0" smtClean="0"/>
+              <a:t>–</a:t>
+            </a:r>
+            <a:r>
+              <a:rPr lang="en-US" dirty="0" smtClean="0"/>
+              <a:t> Logic Design</a:t>
+            </a:r>
+            <a:endParaRPr lang="en-US" dirty="0"/>
+          </a:p>
+        </p:txBody>
+      </p:sp>
+      <p:sp>
+        <p:nvSpPr>
+          <p:cNvPr id="3" name="Content Placeholder 2"/>
+          <p:cNvSpPr>
+            <a:spLocks noGrp="1"/>
+          </p:cNvSpPr>
+          <p:nvPr>
+            <p:ph idx="1"/>
+          </p:nvPr>
+        </p:nvSpPr>
+        <p:spPr/>
+        <p:txBody>
+          <a:bodyPr/>
+          <a:lstStyle/>
+          <a:p>
+            <a:endParaRPr lang="en-US" dirty="0"/>
+          </a:p>
+        </p:txBody>
+      </p:sp>
+    </p:spTree>
+    <p:extLst>
+      <p:ext uri="{BB962C8B-B14F-4D97-AF65-F5344CB8AC3E}">
+        <p14:creationId xmlns:p14="http://schemas.microsoft.com/office/powerpoint/2010/main" val="895076675"/>
+      </p:ext>
+    </p:extLst>
+  </p:cSld>
+  <p:clrMapOvr>
+    <a:masterClrMapping/>
+  </p:clrMapOvr>
+</p:sld>
+</file>
+
+<file path=ppt/slides/slide16.xml><?xml version="1.0" encoding="utf-8"?>
+<p:sld xmlns:a="http://schemas.openxmlformats.org/drawingml/2006/main" xmlns:r="http://schemas.openxmlformats.org/officeDocument/2006/relationships" xmlns:p="http://schemas.openxmlformats.org/presentationml/2006/main">
+  <p:cSld>
+    <p:spTree>
+      <p:nvGrpSpPr>
+        <p:cNvPr id="1" name=""/>
+        <p:cNvGrpSpPr/>
+        <p:nvPr/>
+      </p:nvGrpSpPr>
+      <p:grpSpPr>
+        <a:xfrm>
+          <a:off x="0" y="0"/>
+          <a:ext cx="0" cy="0"/>
+          <a:chOff x="0" y="0"/>
+          <a:chExt cx="0" cy="0"/>
+        </a:xfrm>
+      </p:grpSpPr>
+      <p:sp>
+        <p:nvSpPr>
+          <p:cNvPr id="2" name="Title 1"/>
+          <p:cNvSpPr>
+            <a:spLocks noGrp="1"/>
+          </p:cNvSpPr>
+          <p:nvPr>
+            <p:ph type="title"/>
+          </p:nvPr>
+        </p:nvSpPr>
+        <p:spPr/>
+        <p:txBody>
+          <a:bodyPr/>
+          <a:lstStyle/>
+          <a:p>
+            <a:r>
+              <a:rPr lang="en-US" dirty="0" smtClean="0"/>
+              <a:t>Design </a:t>
+            </a:r>
+            <a:r>
+              <a:rPr lang="mr-IN" dirty="0" smtClean="0"/>
+              <a:t>–</a:t>
+            </a:r>
+            <a:r>
+              <a:rPr lang="en-US" dirty="0" smtClean="0"/>
+              <a:t> Logic Design</a:t>
+            </a:r>
+            <a:endParaRPr lang="en-US" dirty="0"/>
+          </a:p>
+        </p:txBody>
+      </p:sp>
+      <p:sp>
+        <p:nvSpPr>
+          <p:cNvPr id="3" name="Content Placeholder 2"/>
+          <p:cNvSpPr>
+            <a:spLocks noGrp="1"/>
+          </p:cNvSpPr>
+          <p:nvPr>
+            <p:ph idx="1"/>
+          </p:nvPr>
+        </p:nvSpPr>
+        <p:spPr/>
+        <p:txBody>
+          <a:bodyPr/>
+          <a:lstStyle/>
+          <a:p>
+            <a:endParaRPr lang="en-US" dirty="0"/>
+          </a:p>
+        </p:txBody>
+      </p:sp>
+    </p:spTree>
+    <p:extLst>
+      <p:ext uri="{BB962C8B-B14F-4D97-AF65-F5344CB8AC3E}">
+        <p14:creationId xmlns:p14="http://schemas.microsoft.com/office/powerpoint/2010/main" val="430729490"/>
+      </p:ext>
+    </p:extLst>
+  </p:cSld>
+  <p:clrMapOvr>
+    <a:masterClrMapping/>
+  </p:clrMapOvr>
+</p:sld>
+</file>
+
+<file path=ppt/slides/slide17.xml><?xml version="1.0" encoding="utf-8"?>
+<p:sld xmlns:a="http://schemas.openxmlformats.org/drawingml/2006/main" xmlns:r="http://schemas.openxmlformats.org/officeDocument/2006/relationships" xmlns:p="http://schemas.openxmlformats.org/presentationml/2006/main">
+  <p:cSld>
+    <p:spTree>
+      <p:nvGrpSpPr>
+        <p:cNvPr id="1" name=""/>
+        <p:cNvGrpSpPr/>
+        <p:nvPr/>
+      </p:nvGrpSpPr>
+      <p:grpSpPr>
+        <a:xfrm>
+          <a:off x="0" y="0"/>
+          <a:ext cx="0" cy="0"/>
+          <a:chOff x="0" y="0"/>
+          <a:chExt cx="0" cy="0"/>
+        </a:xfrm>
+      </p:grpSpPr>
+      <p:sp>
+        <p:nvSpPr>
+          <p:cNvPr id="2" name="Title 1"/>
+          <p:cNvSpPr>
+            <a:spLocks noGrp="1"/>
+          </p:cNvSpPr>
+          <p:nvPr>
+            <p:ph type="title"/>
+          </p:nvPr>
+        </p:nvSpPr>
+        <p:spPr/>
+        <p:txBody>
+          <a:bodyPr/>
+          <a:lstStyle/>
+          <a:p>
+            <a:r>
+              <a:rPr lang="en-US" dirty="0" smtClean="0"/>
+              <a:t>Design </a:t>
+            </a:r>
+            <a:r>
+              <a:rPr lang="mr-IN" dirty="0" smtClean="0"/>
+              <a:t>–</a:t>
+            </a:r>
+            <a:r>
+              <a:rPr lang="en-US" dirty="0" smtClean="0"/>
+              <a:t> Logic Design</a:t>
+            </a:r>
+            <a:endParaRPr lang="en-US" dirty="0"/>
+          </a:p>
+        </p:txBody>
+      </p:sp>
+      <p:sp>
+        <p:nvSpPr>
+          <p:cNvPr id="3" name="Content Placeholder 2"/>
+          <p:cNvSpPr>
+            <a:spLocks noGrp="1"/>
+          </p:cNvSpPr>
+          <p:nvPr>
+            <p:ph idx="1"/>
+          </p:nvPr>
+        </p:nvSpPr>
+        <p:spPr/>
+        <p:txBody>
+          <a:bodyPr/>
+          <a:lstStyle/>
+          <a:p>
+            <a:endParaRPr lang="en-US" dirty="0"/>
+          </a:p>
+        </p:txBody>
+      </p:sp>
+    </p:spTree>
+    <p:extLst>
+      <p:ext uri="{BB962C8B-B14F-4D97-AF65-F5344CB8AC3E}">
+        <p14:creationId xmlns:p14="http://schemas.microsoft.com/office/powerpoint/2010/main" val="103164393"/>
+      </p:ext>
+    </p:extLst>
+  </p:cSld>
+  <p:clrMapOvr>
+    <a:masterClrMapping/>
+  </p:clrMapOvr>
+</p:sld>
+</file>
+
+<file path=ppt/slides/slide18.xml><?xml version="1.0" encoding="utf-8"?>
+<p:sld xmlns:a="http://schemas.openxmlformats.org/drawingml/2006/main" xmlns:r="http://schemas.openxmlformats.org/officeDocument/2006/relationships" xmlns:p="http://schemas.openxmlformats.org/presentationml/2006/main">
+  <p:cSld>
+    <p:spTree>
+      <p:nvGrpSpPr>
+        <p:cNvPr id="1" name=""/>
+        <p:cNvGrpSpPr/>
+        <p:nvPr/>
+      </p:nvGrpSpPr>
+      <p:grpSpPr>
+        <a:xfrm>
+          <a:off x="0" y="0"/>
+          <a:ext cx="0" cy="0"/>
+          <a:chOff x="0" y="0"/>
+          <a:chExt cx="0" cy="0"/>
+        </a:xfrm>
+      </p:grpSpPr>
+      <p:sp>
+        <p:nvSpPr>
+          <p:cNvPr id="2" name="Title 1"/>
+          <p:cNvSpPr>
+            <a:spLocks noGrp="1"/>
+          </p:cNvSpPr>
+          <p:nvPr>
+            <p:ph type="title"/>
+          </p:nvPr>
+        </p:nvSpPr>
+        <p:spPr/>
+        <p:txBody>
+          <a:bodyPr/>
+          <a:lstStyle/>
+          <a:p>
+            <a:r>
+              <a:rPr lang="en-US" altLang="zh-CN" dirty="0" smtClean="0"/>
+              <a:t>To-dos</a:t>
+            </a:r>
+            <a:endParaRPr lang="en-US" dirty="0"/>
+          </a:p>
+        </p:txBody>
+      </p:sp>
+      <p:sp>
+        <p:nvSpPr>
+          <p:cNvPr id="3" name="Content Placeholder 2"/>
+          <p:cNvSpPr>
+            <a:spLocks noGrp="1"/>
+          </p:cNvSpPr>
+          <p:nvPr>
+            <p:ph idx="1"/>
+          </p:nvPr>
+        </p:nvSpPr>
+        <p:spPr/>
+        <p:txBody>
+          <a:bodyPr/>
+          <a:lstStyle/>
+          <a:p>
+            <a:r>
+              <a:rPr lang="en-US" altLang="zh-CN" dirty="0" smtClean="0"/>
+              <a:t>Add</a:t>
+            </a:r>
+            <a:r>
+              <a:rPr lang="zh-CN" altLang="en-US" dirty="0" smtClean="0"/>
+              <a:t> </a:t>
+            </a:r>
+            <a:r>
+              <a:rPr lang="en-US" altLang="zh-CN" dirty="0" smtClean="0"/>
+              <a:t>support</a:t>
+            </a:r>
+            <a:r>
+              <a:rPr lang="zh-CN" altLang="en-US" dirty="0" smtClean="0"/>
+              <a:t> </a:t>
+            </a:r>
+            <a:r>
+              <a:rPr lang="en-US" altLang="zh-CN" dirty="0" smtClean="0"/>
+              <a:t>for</a:t>
+            </a:r>
+            <a:r>
+              <a:rPr lang="zh-CN" altLang="en-US" dirty="0" smtClean="0"/>
+              <a:t>  </a:t>
+            </a:r>
+            <a:r>
+              <a:rPr lang="en-US" altLang="zh-CN" dirty="0" smtClean="0"/>
+              <a:t>multimedia</a:t>
+            </a:r>
+            <a:r>
+              <a:rPr lang="zh-CN" altLang="en-US" dirty="0" smtClean="0"/>
+              <a:t> </a:t>
+            </a:r>
+            <a:r>
+              <a:rPr lang="en-US" altLang="zh-CN" dirty="0" smtClean="0"/>
+              <a:t>transmission;</a:t>
+            </a:r>
+          </a:p>
+          <a:p>
+            <a:endParaRPr lang="en-US" altLang="zh-CN" dirty="0"/>
+          </a:p>
+          <a:p>
+            <a:r>
+              <a:rPr lang="en-US" altLang="zh-CN" dirty="0" smtClean="0"/>
+              <a:t>Add support for Google Photos;</a:t>
+            </a:r>
+          </a:p>
+          <a:p>
+            <a:endParaRPr lang="en-US" altLang="zh-CN" dirty="0"/>
+          </a:p>
+          <a:p>
+            <a:r>
+              <a:rPr lang="en-US" altLang="zh-CN" dirty="0" smtClean="0"/>
+              <a:t>Add support for group chat.</a:t>
+            </a:r>
+          </a:p>
+          <a:p>
+            <a:endParaRPr lang="en-US" altLang="zh-CN" dirty="0"/>
+          </a:p>
+          <a:p>
+            <a:endParaRPr lang="en-US" altLang="zh-CN" dirty="0" smtClean="0"/>
+          </a:p>
+        </p:txBody>
+      </p:sp>
+    </p:spTree>
+    <p:extLst>
+      <p:ext uri="{BB962C8B-B14F-4D97-AF65-F5344CB8AC3E}">
+        <p14:creationId xmlns:p14="http://schemas.microsoft.com/office/powerpoint/2010/main" val="1523410385"/>
+      </p:ext>
+    </p:extLst>
+  </p:cSld>
+  <p:clrMapOvr>
+    <a:masterClrMapping/>
+  </p:clrMapOvr>
+</p:sld>
+</file>
+
 <file path=ppt/slides/slide2.xml><?xml version="1.0" encoding="utf-8"?>
 <p:sld xmlns:a="http://schemas.openxmlformats.org/drawingml/2006/main" xmlns:r="http://schemas.openxmlformats.org/officeDocument/2006/relationships" xmlns:p="http://schemas.openxmlformats.org/presentationml/2006/main">
   <p:cSld>
@@ -5569,7 +6739,9 @@
         </p:nvSpPr>
         <p:spPr/>
         <p:txBody>
-          <a:bodyPr/>
+          <a:bodyPr>
+            <a:normAutofit lnSpcReduction="10000"/>
+          </a:bodyPr>
           <a:lstStyle/>
           <a:p>
             <a:r>
@@ -5585,6 +6757,23 @@
               <a:rPr lang="en-US" dirty="0" smtClean="0"/>
               <a:t>Choose customized icon for your or your friend.</a:t>
             </a:r>
+            <a:r>
+              <a:rPr lang="zh-CN" altLang="en-US" dirty="0" smtClean="0"/>
+              <a:t> </a:t>
+            </a:r>
+            <a:r>
+              <a:rPr lang="en-US" altLang="zh-CN" dirty="0" smtClean="0"/>
+              <a:t> (As a way to differentiate between multiple devices, since picture transmission is not </a:t>
+            </a:r>
+            <a:r>
+              <a:rPr lang="en-US" altLang="zh-CN" dirty="0" err="1" smtClean="0"/>
+              <a:t>implenmented</a:t>
+            </a:r>
+            <a:r>
+              <a:rPr lang="en-US" altLang="zh-CN" dirty="0" smtClean="0"/>
+              <a:t>).</a:t>
+            </a:r>
+            <a:endParaRPr lang="en-US" dirty="0" smtClean="0"/>
           </a:p>
           <a:p>
             <a:endParaRPr lang="en-US" dirty="0"/>
@@ -5593,6 +6782,15 @@
             <a:r>
               <a:rPr lang="en-US" dirty="0" smtClean="0"/>
               <a:t>Notification and vibration.</a:t>
+            </a:r>
+          </a:p>
+          <a:p>
+            <a:endParaRPr lang="en-US" dirty="0"/>
+          </a:p>
+          <a:p>
+            <a:r>
+              <a:rPr lang="en-US" dirty="0" smtClean="0"/>
+              <a:t>History will never lost after restart.</a:t>
             </a:r>
           </a:p>
           <a:p>
@@ -5653,8 +6851,16 @@
           <a:lstStyle/>
           <a:p>
             <a:r>
-              <a:rPr lang="en-US" altLang="zh-CN" dirty="0" smtClean="0"/>
-              <a:t>To-dos</a:t>
+              <a:rPr lang="en-US" dirty="0" smtClean="0"/>
+              <a:t>Design </a:t>
+            </a:r>
+            <a:r>
+              <a:rPr lang="mr-IN" dirty="0" smtClean="0"/>
+              <a:t>–</a:t>
+            </a:r>
+            <a:r>
+              <a:rPr lang="en-US" dirty="0" smtClean="0"/>
+              <a:t> Overview</a:t>
             </a:r>
             <a:endParaRPr lang="en-US" dirty="0"/>
           </a:p>
@@ -5676,72 +6882,981 @@
           <a:lstStyle/>
           <a:p>
             <a:r>
-              <a:rPr lang="en-US" altLang="zh-CN" dirty="0" smtClean="0"/>
-              <a:t>Add</a:t>
-            </a:r>
-            <a:r>
-              <a:rPr lang="zh-CN" altLang="en-US" dirty="0" smtClean="0"/>
-              <a:t> </a:t>
-            </a:r>
-            <a:r>
-              <a:rPr lang="en-US" altLang="zh-CN" dirty="0" smtClean="0"/>
-              <a:t>support</a:t>
-            </a:r>
-            <a:r>
-              <a:rPr lang="zh-CN" altLang="en-US" dirty="0" smtClean="0"/>
-              <a:t> </a:t>
-            </a:r>
-            <a:r>
-              <a:rPr lang="en-US" altLang="zh-CN" dirty="0" smtClean="0"/>
-              <a:t>for</a:t>
-            </a:r>
-            <a:r>
-              <a:rPr lang="zh-CN" altLang="en-US" dirty="0" smtClean="0"/>
-              <a:t>  </a:t>
-            </a:r>
-            <a:r>
-              <a:rPr lang="en-US" altLang="zh-CN" dirty="0" smtClean="0"/>
-              <a:t>multimedia</a:t>
-            </a:r>
-            <a:r>
-              <a:rPr lang="zh-CN" altLang="en-US" dirty="0" smtClean="0"/>
-              <a:t> </a:t>
-            </a:r>
-            <a:r>
-              <a:rPr lang="en-US" altLang="zh-CN" dirty="0" smtClean="0"/>
-              <a:t>transmission;</a:t>
-            </a:r>
-          </a:p>
-          <a:p>
-            <a:endParaRPr lang="en-US" altLang="zh-CN" dirty="0"/>
-          </a:p>
-          <a:p>
-            <a:r>
-              <a:rPr lang="en-US" altLang="zh-CN" dirty="0" smtClean="0"/>
-              <a:t>Add support for Google Photos;</a:t>
-            </a:r>
-          </a:p>
-          <a:p>
-            <a:endParaRPr lang="en-US" altLang="zh-CN" dirty="0"/>
-          </a:p>
-          <a:p>
-            <a:r>
-              <a:rPr lang="en-US" altLang="zh-CN" dirty="0" smtClean="0"/>
-              <a:t>Add support for group chat.</a:t>
-            </a:r>
-          </a:p>
-          <a:p>
-            <a:endParaRPr lang="en-US" altLang="zh-CN" dirty="0"/>
-          </a:p>
-          <a:p>
-            <a:endParaRPr lang="en-US" altLang="zh-CN" dirty="0" smtClean="0"/>
-          </a:p>
-        </p:txBody>
-      </p:sp>
+              <a:rPr lang="en-US" dirty="0" smtClean="0"/>
+              <a:t>Activities: </a:t>
+            </a:r>
+            <a:r>
+              <a:rPr lang="en-US" dirty="0" err="1" smtClean="0"/>
+              <a:t>AboutActivity</a:t>
+            </a:r>
+            <a:r>
+              <a:rPr lang="en-US" dirty="0" smtClean="0"/>
+              <a:t>, </a:t>
+            </a:r>
+            <a:r>
+              <a:rPr lang="en-US" dirty="0" err="1" smtClean="0"/>
+              <a:t>DeviceItemListActivity</a:t>
+            </a:r>
+            <a:r>
+              <a:rPr lang="en-US" dirty="0" smtClean="0"/>
+              <a:t>, </a:t>
+            </a:r>
+            <a:r>
+              <a:rPr lang="en-US" dirty="0" err="1" smtClean="0"/>
+              <a:t>AboutActivity</a:t>
+            </a:r>
+            <a:endParaRPr lang="en-US" dirty="0" smtClean="0"/>
+          </a:p>
+          <a:p>
+            <a:r>
+              <a:rPr lang="en-US" dirty="0" smtClean="0"/>
+              <a:t>Data structure: </a:t>
+            </a:r>
+            <a:r>
+              <a:rPr lang="en-US" dirty="0" err="1" smtClean="0"/>
+              <a:t>ChatMessage</a:t>
+            </a:r>
+            <a:endParaRPr lang="en-US" dirty="0" smtClean="0"/>
+          </a:p>
+          <a:p>
+            <a:r>
+              <a:rPr lang="en-US" dirty="0" smtClean="0"/>
+              <a:t>Bluetooth connection: </a:t>
+            </a:r>
+            <a:r>
+              <a:rPr lang="en-US" dirty="0" err="1" smtClean="0"/>
+              <a:t>ConnectionManager</a:t>
+            </a:r>
+            <a:endParaRPr lang="en-US" dirty="0" smtClean="0"/>
+          </a:p>
+          <a:p>
+            <a:r>
+              <a:rPr lang="en-US" dirty="0" smtClean="0"/>
+              <a:t>UI-related: </a:t>
+            </a:r>
+            <a:r>
+              <a:rPr lang="en-US" dirty="0" err="1" smtClean="0"/>
+              <a:t>MessageAdapter</a:t>
+            </a:r>
+            <a:r>
+              <a:rPr lang="en-US" dirty="0" smtClean="0"/>
+              <a:t>, </a:t>
+            </a:r>
+            <a:r>
+              <a:rPr lang="en-US" dirty="0" err="1" smtClean="0"/>
+              <a:t>DeviceItemAdapter</a:t>
+            </a:r>
+            <a:endParaRPr lang="en-US" dirty="0"/>
+          </a:p>
+        </p:txBody>
+      </p:sp>
+      <p:pic>
+        <p:nvPicPr>
+          <p:cNvPr id="4" name="Picture 3"/>
+          <p:cNvPicPr>
+            <a:picLocks noChangeAspect="1"/>
+          </p:cNvPicPr>
+          <p:nvPr/>
+        </p:nvPicPr>
+        <p:blipFill>
+          <a:blip r:embed="rId2">
+            <a:extLst>
+              <a:ext uri="{28A0092B-C50C-407E-A947-70E740481C1C}">
+                <a14:useLocalDpi xmlns:a14="http://schemas.microsoft.com/office/drawing/2010/main" val="0"/>
+              </a:ext>
+            </a:extLst>
+          </a:blip>
+          <a:stretch>
+            <a:fillRect/>
+          </a:stretch>
+        </p:blipFill>
+        <p:spPr>
+          <a:xfrm>
+            <a:off x="8146081" y="2973742"/>
+            <a:ext cx="3390900" cy="2133600"/>
+          </a:xfrm>
+          <a:prstGeom prst="rect">
+            <a:avLst/>
+          </a:prstGeom>
+        </p:spPr>
+      </p:pic>
     </p:spTree>
     <p:extLst>
       <p:ext uri="{BB962C8B-B14F-4D97-AF65-F5344CB8AC3E}">
-        <p14:creationId xmlns:p14="http://schemas.microsoft.com/office/powerpoint/2010/main" val="1523410385"/>
+        <p14:creationId xmlns:p14="http://schemas.microsoft.com/office/powerpoint/2010/main" val="25239070"/>
+      </p:ext>
+    </p:extLst>
+  </p:cSld>
+  <p:clrMapOvr>
+    <a:masterClrMapping/>
+  </p:clrMapOvr>
+</p:sld>
+</file>
+
+<file path=ppt/slides/slide5.xml><?xml version="1.0" encoding="utf-8"?>
+<p:sld xmlns:a="http://schemas.openxmlformats.org/drawingml/2006/main" xmlns:r="http://schemas.openxmlformats.org/officeDocument/2006/relationships" xmlns:p="http://schemas.openxmlformats.org/presentationml/2006/main">
+  <p:cSld>
+    <p:spTree>
+      <p:nvGrpSpPr>
+        <p:cNvPr id="1" name=""/>
+        <p:cNvGrpSpPr/>
+        <p:nvPr/>
+      </p:nvGrpSpPr>
+      <p:grpSpPr>
+        <a:xfrm>
+          <a:off x="0" y="0"/>
+          <a:ext cx="0" cy="0"/>
+          <a:chOff x="0" y="0"/>
+          <a:chExt cx="0" cy="0"/>
+        </a:xfrm>
+      </p:grpSpPr>
+      <p:sp>
+        <p:nvSpPr>
+          <p:cNvPr id="2" name="Title 1"/>
+          <p:cNvSpPr>
+            <a:spLocks noGrp="1"/>
+          </p:cNvSpPr>
+          <p:nvPr>
+            <p:ph type="title"/>
+          </p:nvPr>
+        </p:nvSpPr>
+        <p:spPr/>
+        <p:txBody>
+          <a:bodyPr/>
+          <a:lstStyle/>
+          <a:p>
+            <a:r>
+              <a:rPr lang="en-US" dirty="0" smtClean="0"/>
+              <a:t>Design </a:t>
+            </a:r>
+            <a:r>
+              <a:rPr lang="mr-IN" dirty="0" smtClean="0"/>
+              <a:t>–</a:t>
+            </a:r>
+            <a:r>
+              <a:rPr lang="en-US" dirty="0" smtClean="0"/>
+              <a:t> UI Layout</a:t>
+            </a:r>
+            <a:endParaRPr lang="en-US" dirty="0"/>
+          </a:p>
+        </p:txBody>
+      </p:sp>
+      <p:sp>
+        <p:nvSpPr>
+          <p:cNvPr id="3" name="Content Placeholder 2"/>
+          <p:cNvSpPr>
+            <a:spLocks noGrp="1"/>
+          </p:cNvSpPr>
+          <p:nvPr>
+            <p:ph idx="1"/>
+          </p:nvPr>
+        </p:nvSpPr>
+        <p:spPr/>
+        <p:txBody>
+          <a:bodyPr/>
+          <a:lstStyle/>
+          <a:p>
+            <a:r>
+              <a:rPr lang="en-US" dirty="0" smtClean="0"/>
+              <a:t>Simplicity is the best.</a:t>
+            </a:r>
+          </a:p>
+          <a:p>
+            <a:endParaRPr lang="en-US" dirty="0" smtClean="0"/>
+          </a:p>
+          <a:p>
+            <a:r>
+              <a:rPr lang="en-US" dirty="0" err="1" smtClean="0"/>
+              <a:t>EditText</a:t>
+            </a:r>
+            <a:r>
+              <a:rPr lang="en-US" dirty="0" smtClean="0"/>
+              <a:t> box is not enabled until connected.</a:t>
+            </a:r>
+          </a:p>
+          <a:p>
+            <a:endParaRPr lang="en-US" dirty="0"/>
+          </a:p>
+          <a:p>
+            <a:r>
+              <a:rPr lang="en-US" dirty="0" smtClean="0"/>
+              <a:t>Click CONNECT to connect to other devices.</a:t>
+            </a:r>
+            <a:endParaRPr lang="en-US" dirty="0"/>
+          </a:p>
+        </p:txBody>
+      </p:sp>
+      <p:pic>
+        <p:nvPicPr>
+          <p:cNvPr id="5" name="Picture 4"/>
+          <p:cNvPicPr>
+            <a:picLocks noChangeAspect="1"/>
+          </p:cNvPicPr>
+          <p:nvPr/>
+        </p:nvPicPr>
+        <p:blipFill>
+          <a:blip r:embed="rId2">
+            <a:extLst>
+              <a:ext uri="{28A0092B-C50C-407E-A947-70E740481C1C}">
+                <a14:useLocalDpi xmlns:a14="http://schemas.microsoft.com/office/drawing/2010/main" val="0"/>
+              </a:ext>
+            </a:extLst>
+          </a:blip>
+          <a:stretch>
+            <a:fillRect/>
+          </a:stretch>
+        </p:blipFill>
+        <p:spPr>
+          <a:xfrm>
+            <a:off x="8334375" y="0"/>
+            <a:ext cx="3857625" cy="6858000"/>
+          </a:xfrm>
+          <a:prstGeom prst="rect">
+            <a:avLst/>
+          </a:prstGeom>
+        </p:spPr>
+      </p:pic>
+    </p:spTree>
+    <p:extLst>
+      <p:ext uri="{BB962C8B-B14F-4D97-AF65-F5344CB8AC3E}">
+        <p14:creationId xmlns:p14="http://schemas.microsoft.com/office/powerpoint/2010/main" val="595908147"/>
+      </p:ext>
+    </p:extLst>
+  </p:cSld>
+  <p:clrMapOvr>
+    <a:masterClrMapping/>
+  </p:clrMapOvr>
+</p:sld>
+</file>
+
+<file path=ppt/slides/slide6.xml><?xml version="1.0" encoding="utf-8"?>
+<p:sld xmlns:a="http://schemas.openxmlformats.org/drawingml/2006/main" xmlns:r="http://schemas.openxmlformats.org/officeDocument/2006/relationships" xmlns:p="http://schemas.openxmlformats.org/presentationml/2006/main">
+  <p:cSld>
+    <p:spTree>
+      <p:nvGrpSpPr>
+        <p:cNvPr id="1" name=""/>
+        <p:cNvGrpSpPr/>
+        <p:nvPr/>
+      </p:nvGrpSpPr>
+      <p:grpSpPr>
+        <a:xfrm>
+          <a:off x="0" y="0"/>
+          <a:ext cx="0" cy="0"/>
+          <a:chOff x="0" y="0"/>
+          <a:chExt cx="0" cy="0"/>
+        </a:xfrm>
+      </p:grpSpPr>
+      <p:sp>
+        <p:nvSpPr>
+          <p:cNvPr id="2" name="Title 1"/>
+          <p:cNvSpPr>
+            <a:spLocks noGrp="1"/>
+          </p:cNvSpPr>
+          <p:nvPr>
+            <p:ph type="title"/>
+          </p:nvPr>
+        </p:nvSpPr>
+        <p:spPr/>
+        <p:txBody>
+          <a:bodyPr/>
+          <a:lstStyle/>
+          <a:p>
+            <a:r>
+              <a:rPr lang="en-US" dirty="0" smtClean="0"/>
+              <a:t>Design </a:t>
+            </a:r>
+            <a:r>
+              <a:rPr lang="mr-IN" dirty="0" smtClean="0"/>
+              <a:t>–</a:t>
+            </a:r>
+            <a:r>
+              <a:rPr lang="en-US" dirty="0" smtClean="0"/>
+              <a:t> UI Layout</a:t>
+            </a:r>
+            <a:endParaRPr lang="en-US" dirty="0"/>
+          </a:p>
+        </p:txBody>
+      </p:sp>
+      <p:sp>
+        <p:nvSpPr>
+          <p:cNvPr id="3" name="Content Placeholder 2"/>
+          <p:cNvSpPr>
+            <a:spLocks noGrp="1"/>
+          </p:cNvSpPr>
+          <p:nvPr>
+            <p:ph idx="1"/>
+          </p:nvPr>
+        </p:nvSpPr>
+        <p:spPr/>
+        <p:txBody>
+          <a:bodyPr/>
+          <a:lstStyle/>
+          <a:p>
+            <a:r>
+              <a:rPr lang="en-US" dirty="0" smtClean="0"/>
+              <a:t>Paired device will be always on the top.</a:t>
+            </a:r>
+          </a:p>
+          <a:p>
+            <a:endParaRPr lang="en-US" dirty="0"/>
+          </a:p>
+          <a:p>
+            <a:r>
+              <a:rPr lang="en-US" dirty="0" smtClean="0"/>
+              <a:t>With device icon (Real “BLUETOOTH!”)</a:t>
+            </a:r>
+          </a:p>
+          <a:p>
+            <a:r>
+              <a:rPr lang="en-US" dirty="0"/>
+              <a:t>C</a:t>
+            </a:r>
+            <a:r>
+              <a:rPr lang="en-US" dirty="0" smtClean="0"/>
+              <a:t>ustomized icon will be reflected)</a:t>
+            </a:r>
+          </a:p>
+          <a:p>
+            <a:endParaRPr lang="en-US" dirty="0"/>
+          </a:p>
+          <a:p>
+            <a:r>
+              <a:rPr lang="en-US" dirty="0" smtClean="0"/>
+              <a:t>Bluetooth address on the right.</a:t>
+            </a:r>
+          </a:p>
+          <a:p>
+            <a:endParaRPr lang="en-US" dirty="0"/>
+          </a:p>
+          <a:p>
+            <a:endParaRPr lang="en-US" dirty="0"/>
+          </a:p>
+        </p:txBody>
+      </p:sp>
+      <p:pic>
+        <p:nvPicPr>
+          <p:cNvPr id="4" name="Picture 3"/>
+          <p:cNvPicPr>
+            <a:picLocks noChangeAspect="1"/>
+          </p:cNvPicPr>
+          <p:nvPr/>
+        </p:nvPicPr>
+        <p:blipFill>
+          <a:blip r:embed="rId2">
+            <a:extLst>
+              <a:ext uri="{28A0092B-C50C-407E-A947-70E740481C1C}">
+                <a14:useLocalDpi xmlns:a14="http://schemas.microsoft.com/office/drawing/2010/main" val="0"/>
+              </a:ext>
+            </a:extLst>
+          </a:blip>
+          <a:stretch>
+            <a:fillRect/>
+          </a:stretch>
+        </p:blipFill>
+        <p:spPr>
+          <a:xfrm>
+            <a:off x="8334375" y="0"/>
+            <a:ext cx="3857625" cy="6858000"/>
+          </a:xfrm>
+          <a:prstGeom prst="rect">
+            <a:avLst/>
+          </a:prstGeom>
+        </p:spPr>
+      </p:pic>
+    </p:spTree>
+    <p:extLst>
+      <p:ext uri="{BB962C8B-B14F-4D97-AF65-F5344CB8AC3E}">
+        <p14:creationId xmlns:p14="http://schemas.microsoft.com/office/powerpoint/2010/main" val="1020359548"/>
+      </p:ext>
+    </p:extLst>
+  </p:cSld>
+  <p:clrMapOvr>
+    <a:masterClrMapping/>
+  </p:clrMapOvr>
+</p:sld>
+</file>
+
+<file path=ppt/slides/slide7.xml><?xml version="1.0" encoding="utf-8"?>
+<p:sld xmlns:a="http://schemas.openxmlformats.org/drawingml/2006/main" xmlns:r="http://schemas.openxmlformats.org/officeDocument/2006/relationships" xmlns:p="http://schemas.openxmlformats.org/presentationml/2006/main">
+  <p:cSld>
+    <p:spTree>
+      <p:nvGrpSpPr>
+        <p:cNvPr id="1" name=""/>
+        <p:cNvGrpSpPr/>
+        <p:nvPr/>
+      </p:nvGrpSpPr>
+      <p:grpSpPr>
+        <a:xfrm>
+          <a:off x="0" y="0"/>
+          <a:ext cx="0" cy="0"/>
+          <a:chOff x="0" y="0"/>
+          <a:chExt cx="0" cy="0"/>
+        </a:xfrm>
+      </p:grpSpPr>
+      <p:sp>
+        <p:nvSpPr>
+          <p:cNvPr id="2" name="Title 1"/>
+          <p:cNvSpPr>
+            <a:spLocks noGrp="1"/>
+          </p:cNvSpPr>
+          <p:nvPr>
+            <p:ph type="title"/>
+          </p:nvPr>
+        </p:nvSpPr>
+        <p:spPr/>
+        <p:txBody>
+          <a:bodyPr/>
+          <a:lstStyle/>
+          <a:p>
+            <a:r>
+              <a:rPr lang="en-US" dirty="0" smtClean="0"/>
+              <a:t>Design </a:t>
+            </a:r>
+            <a:r>
+              <a:rPr lang="mr-IN" dirty="0" smtClean="0"/>
+              <a:t>–</a:t>
+            </a:r>
+            <a:r>
+              <a:rPr lang="en-US" dirty="0" smtClean="0"/>
+              <a:t> UI Layout</a:t>
+            </a:r>
+            <a:endParaRPr lang="en-US" dirty="0"/>
+          </a:p>
+        </p:txBody>
+      </p:sp>
+      <p:sp>
+        <p:nvSpPr>
+          <p:cNvPr id="3" name="Content Placeholder 2"/>
+          <p:cNvSpPr>
+            <a:spLocks noGrp="1"/>
+          </p:cNvSpPr>
+          <p:nvPr>
+            <p:ph idx="1"/>
+          </p:nvPr>
+        </p:nvSpPr>
+        <p:spPr/>
+        <p:txBody>
+          <a:bodyPr/>
+          <a:lstStyle/>
+          <a:p>
+            <a:r>
+              <a:rPr lang="en-US" dirty="0" smtClean="0"/>
+              <a:t>Connected device name is on the left.</a:t>
+            </a:r>
+          </a:p>
+          <a:p>
+            <a:endParaRPr lang="en-US" dirty="0"/>
+          </a:p>
+          <a:p>
+            <a:r>
+              <a:rPr lang="en-US" dirty="0" smtClean="0"/>
+              <a:t>Chat message with default icons.</a:t>
+            </a:r>
+            <a:endParaRPr lang="en-US" dirty="0"/>
+          </a:p>
+        </p:txBody>
+      </p:sp>
+      <p:pic>
+        <p:nvPicPr>
+          <p:cNvPr id="5" name="Picture 4"/>
+          <p:cNvPicPr>
+            <a:picLocks noChangeAspect="1"/>
+          </p:cNvPicPr>
+          <p:nvPr/>
+        </p:nvPicPr>
+        <p:blipFill>
+          <a:blip r:embed="rId2">
+            <a:extLst>
+              <a:ext uri="{28A0092B-C50C-407E-A947-70E740481C1C}">
+                <a14:useLocalDpi xmlns:a14="http://schemas.microsoft.com/office/drawing/2010/main" val="0"/>
+              </a:ext>
+            </a:extLst>
+          </a:blip>
+          <a:stretch>
+            <a:fillRect/>
+          </a:stretch>
+        </p:blipFill>
+        <p:spPr>
+          <a:xfrm>
+            <a:off x="8334375" y="0"/>
+            <a:ext cx="3857625" cy="6858000"/>
+          </a:xfrm>
+          <a:prstGeom prst="rect">
+            <a:avLst/>
+          </a:prstGeom>
+        </p:spPr>
+      </p:pic>
+    </p:spTree>
+    <p:extLst>
+      <p:ext uri="{BB962C8B-B14F-4D97-AF65-F5344CB8AC3E}">
+        <p14:creationId xmlns:p14="http://schemas.microsoft.com/office/powerpoint/2010/main" val="1897364493"/>
+      </p:ext>
+    </p:extLst>
+  </p:cSld>
+  <p:clrMapOvr>
+    <a:masterClrMapping/>
+  </p:clrMapOvr>
+</p:sld>
+</file>
+
+<file path=ppt/slides/slide8.xml><?xml version="1.0" encoding="utf-8"?>
+<p:sld xmlns:a="http://schemas.openxmlformats.org/drawingml/2006/main" xmlns:r="http://schemas.openxmlformats.org/officeDocument/2006/relationships" xmlns:p="http://schemas.openxmlformats.org/presentationml/2006/main">
+  <p:cSld>
+    <p:spTree>
+      <p:nvGrpSpPr>
+        <p:cNvPr id="1" name=""/>
+        <p:cNvGrpSpPr/>
+        <p:nvPr/>
+      </p:nvGrpSpPr>
+      <p:grpSpPr>
+        <a:xfrm>
+          <a:off x="0" y="0"/>
+          <a:ext cx="0" cy="0"/>
+          <a:chOff x="0" y="0"/>
+          <a:chExt cx="0" cy="0"/>
+        </a:xfrm>
+      </p:grpSpPr>
+      <p:sp>
+        <p:nvSpPr>
+          <p:cNvPr id="2" name="Title 1"/>
+          <p:cNvSpPr>
+            <a:spLocks noGrp="1"/>
+          </p:cNvSpPr>
+          <p:nvPr>
+            <p:ph type="title"/>
+          </p:nvPr>
+        </p:nvSpPr>
+        <p:spPr/>
+        <p:txBody>
+          <a:bodyPr/>
+          <a:lstStyle/>
+          <a:p>
+            <a:r>
+              <a:rPr lang="en-US" dirty="0" smtClean="0"/>
+              <a:t>Design </a:t>
+            </a:r>
+            <a:r>
+              <a:rPr lang="mr-IN" dirty="0" smtClean="0"/>
+              <a:t>–</a:t>
+            </a:r>
+            <a:r>
+              <a:rPr lang="en-US" dirty="0" smtClean="0"/>
+              <a:t> UI Layout</a:t>
+            </a:r>
+            <a:endParaRPr lang="en-US" dirty="0"/>
+          </a:p>
+        </p:txBody>
+      </p:sp>
+      <p:pic>
+        <p:nvPicPr>
+          <p:cNvPr id="4" name="Content Placeholder 3"/>
+          <p:cNvPicPr>
+            <a:picLocks noGrp="1" noChangeAspect="1"/>
+          </p:cNvPicPr>
+          <p:nvPr>
+            <p:ph idx="1"/>
+          </p:nvPr>
+        </p:nvPicPr>
+        <p:blipFill>
+          <a:blip r:embed="rId2">
+            <a:extLst>
+              <a:ext uri="{28A0092B-C50C-407E-A947-70E740481C1C}">
+                <a14:useLocalDpi xmlns:a14="http://schemas.microsoft.com/office/drawing/2010/main" val="0"/>
+              </a:ext>
+            </a:extLst>
+          </a:blip>
+          <a:stretch>
+            <a:fillRect/>
+          </a:stretch>
+        </p:blipFill>
+        <p:spPr>
+          <a:xfrm>
+            <a:off x="8334377" y="0"/>
+            <a:ext cx="3857624" cy="6858000"/>
+          </a:xfrm>
+        </p:spPr>
+      </p:pic>
+      <p:sp>
+        <p:nvSpPr>
+          <p:cNvPr id="5" name="Content Placeholder 2"/>
+          <p:cNvSpPr txBox="1">
+            <a:spLocks/>
+          </p:cNvSpPr>
+          <p:nvPr/>
+        </p:nvSpPr>
+        <p:spPr>
+          <a:xfrm>
+            <a:off x="818712" y="2222287"/>
+            <a:ext cx="10554574" cy="3636511"/>
+          </a:xfrm>
+          <a:prstGeom prst="rect">
+            <a:avLst/>
+          </a:prstGeom>
+          <a:effectLst>
+            <a:outerShdw blurRad="50800" dir="14400000">
+              <a:srgbClr val="000000">
+                <a:alpha val="40000"/>
+              </a:srgbClr>
+            </a:outerShdw>
+          </a:effectLst>
+        </p:spPr>
+        <p:txBody>
+          <a:bodyPr vert="horz" lIns="91440" tIns="45720" rIns="91440" bIns="45720" rtlCol="0" anchor="ctr">
+            <a:normAutofit/>
+          </a:bodyPr>
+          <a:lstStyle>
+            <a:lvl1pPr marL="342900" indent="-342900" algn="l" defTabSz="457200" rtl="0" eaLnBrk="1" latinLnBrk="0" hangingPunct="1">
+              <a:spcBef>
+                <a:spcPct val="20000"/>
+              </a:spcBef>
+              <a:spcAft>
+                <a:spcPts val="600"/>
+              </a:spcAft>
+              <a:buClr>
+                <a:schemeClr val="accent1"/>
+              </a:buClr>
+              <a:buFont typeface="Wingdings 2" charset="2"/>
+              <a:buChar char=""/>
+              <a:defRPr sz="1800" kern="1200">
+                <a:solidFill>
+                  <a:schemeClr val="tx1"/>
+                </a:solidFill>
+                <a:latin typeface="+mn-lt"/>
+                <a:ea typeface="+mn-ea"/>
+                <a:cs typeface="+mn-cs"/>
+              </a:defRPr>
+            </a:lvl1pPr>
+            <a:lvl2pPr marL="742950" indent="-285750" algn="l" defTabSz="457200" rtl="0" eaLnBrk="1" latinLnBrk="0" hangingPunct="1">
+              <a:spcBef>
+                <a:spcPct val="20000"/>
+              </a:spcBef>
+              <a:spcAft>
+                <a:spcPts val="600"/>
+              </a:spcAft>
+              <a:buClr>
+                <a:schemeClr val="accent1"/>
+              </a:buClr>
+              <a:buFont typeface="Wingdings 2" charset="2"/>
+              <a:buChar char=""/>
+              <a:defRPr sz="1600" kern="1200">
+                <a:solidFill>
+                  <a:schemeClr val="tx1"/>
+                </a:solidFill>
+                <a:latin typeface="+mn-lt"/>
+                <a:ea typeface="+mn-ea"/>
+                <a:cs typeface="+mn-cs"/>
+              </a:defRPr>
+            </a:lvl2pPr>
+            <a:lvl3pPr marL="1143000" indent="-228600" algn="l" defTabSz="457200" rtl="0" eaLnBrk="1" latinLnBrk="0" hangingPunct="1">
+              <a:spcBef>
+                <a:spcPct val="20000"/>
+              </a:spcBef>
+              <a:spcAft>
+                <a:spcPts val="600"/>
+              </a:spcAft>
+              <a:buClr>
+                <a:schemeClr val="accent1"/>
+              </a:buClr>
+              <a:buFont typeface="Wingdings 2" charset="2"/>
+              <a:buChar char=""/>
+              <a:defRPr sz="1400" kern="1200">
+                <a:solidFill>
+                  <a:schemeClr val="tx1"/>
+                </a:solidFill>
+                <a:latin typeface="+mn-lt"/>
+                <a:ea typeface="+mn-ea"/>
+                <a:cs typeface="+mn-cs"/>
+              </a:defRPr>
+            </a:lvl3pPr>
+            <a:lvl4pPr marL="1600200" indent="-228600" algn="l" defTabSz="457200" rtl="0" eaLnBrk="1" latinLnBrk="0" hangingPunct="1">
+              <a:spcBef>
+                <a:spcPct val="20000"/>
+              </a:spcBef>
+              <a:spcAft>
+                <a:spcPts val="600"/>
+              </a:spcAft>
+              <a:buClr>
+                <a:schemeClr val="accent1"/>
+              </a:buClr>
+              <a:buFont typeface="Wingdings 2" charset="2"/>
+              <a:buChar char=""/>
+              <a:defRPr sz="1200" kern="1200">
+                <a:solidFill>
+                  <a:schemeClr val="tx1"/>
+                </a:solidFill>
+                <a:latin typeface="+mn-lt"/>
+                <a:ea typeface="+mn-ea"/>
+                <a:cs typeface="+mn-cs"/>
+              </a:defRPr>
+            </a:lvl4pPr>
+            <a:lvl5pPr marL="2057400" indent="-228600" algn="l" defTabSz="457200" rtl="0" eaLnBrk="1" latinLnBrk="0" hangingPunct="1">
+              <a:spcBef>
+                <a:spcPct val="20000"/>
+              </a:spcBef>
+              <a:spcAft>
+                <a:spcPts val="600"/>
+              </a:spcAft>
+              <a:buClr>
+                <a:schemeClr val="accent1"/>
+              </a:buClr>
+              <a:buFont typeface="Wingdings 2" charset="2"/>
+              <a:buChar char=""/>
+              <a:defRPr sz="1200" kern="1200">
+                <a:solidFill>
+                  <a:schemeClr val="tx1"/>
+                </a:solidFill>
+                <a:latin typeface="+mn-lt"/>
+                <a:ea typeface="+mn-ea"/>
+                <a:cs typeface="+mn-cs"/>
+              </a:defRPr>
+            </a:lvl5pPr>
+            <a:lvl6pPr marL="2400000" indent="-228600" algn="l" defTabSz="457200" rtl="0" eaLnBrk="1" latinLnBrk="0" hangingPunct="1">
+              <a:spcBef>
+                <a:spcPct val="20000"/>
+              </a:spcBef>
+              <a:spcAft>
+                <a:spcPts val="600"/>
+              </a:spcAft>
+              <a:buClr>
+                <a:schemeClr val="accent1"/>
+              </a:buClr>
+              <a:buFont typeface="Wingdings 2" charset="2"/>
+              <a:buChar char=""/>
+              <a:defRPr sz="1200" kern="1200">
+                <a:solidFill>
+                  <a:schemeClr val="tx1"/>
+                </a:solidFill>
+                <a:latin typeface="+mn-lt"/>
+                <a:ea typeface="+mn-ea"/>
+                <a:cs typeface="+mn-cs"/>
+              </a:defRPr>
+            </a:lvl6pPr>
+            <a:lvl7pPr marL="2800000" indent="-228600" algn="l" defTabSz="457200" rtl="0" eaLnBrk="1" latinLnBrk="0" hangingPunct="1">
+              <a:spcBef>
+                <a:spcPct val="20000"/>
+              </a:spcBef>
+              <a:spcAft>
+                <a:spcPts val="600"/>
+              </a:spcAft>
+              <a:buClr>
+                <a:schemeClr val="accent1"/>
+              </a:buClr>
+              <a:buFont typeface="Wingdings 2" charset="2"/>
+              <a:buChar char=""/>
+              <a:defRPr sz="1200" kern="1200">
+                <a:solidFill>
+                  <a:schemeClr val="tx1"/>
+                </a:solidFill>
+                <a:latin typeface="+mn-lt"/>
+                <a:ea typeface="+mn-ea"/>
+                <a:cs typeface="+mn-cs"/>
+              </a:defRPr>
+            </a:lvl7pPr>
+            <a:lvl8pPr marL="3200000" indent="-228600" algn="l" defTabSz="457200" rtl="0" eaLnBrk="1" latinLnBrk="0" hangingPunct="1">
+              <a:spcBef>
+                <a:spcPct val="20000"/>
+              </a:spcBef>
+              <a:spcAft>
+                <a:spcPts val="600"/>
+              </a:spcAft>
+              <a:buClr>
+                <a:schemeClr val="accent1"/>
+              </a:buClr>
+              <a:buFont typeface="Wingdings 2" charset="2"/>
+              <a:buChar char=""/>
+              <a:defRPr sz="1200" kern="1200">
+                <a:solidFill>
+                  <a:schemeClr val="tx1"/>
+                </a:solidFill>
+                <a:latin typeface="+mn-lt"/>
+                <a:ea typeface="+mn-ea"/>
+                <a:cs typeface="+mn-cs"/>
+              </a:defRPr>
+            </a:lvl8pPr>
+            <a:lvl9pPr marL="3600000" indent="-228600" algn="l" defTabSz="457200" rtl="0" eaLnBrk="1" latinLnBrk="0" hangingPunct="1">
+              <a:spcBef>
+                <a:spcPct val="20000"/>
+              </a:spcBef>
+              <a:spcAft>
+                <a:spcPts val="600"/>
+              </a:spcAft>
+              <a:buClr>
+                <a:schemeClr val="accent1"/>
+              </a:buClr>
+              <a:buFont typeface="Wingdings 2" charset="2"/>
+              <a:buChar char=""/>
+              <a:defRPr sz="1200" kern="1200">
+                <a:solidFill>
+                  <a:schemeClr val="tx1"/>
+                </a:solidFill>
+                <a:latin typeface="+mn-lt"/>
+                <a:ea typeface="+mn-ea"/>
+                <a:cs typeface="+mn-cs"/>
+              </a:defRPr>
+            </a:lvl9pPr>
+          </a:lstStyle>
+          <a:p>
+            <a:r>
+              <a:rPr lang="en-US" dirty="0" smtClean="0"/>
+              <a:t>All functions currently supported is here.</a:t>
+            </a:r>
+          </a:p>
+          <a:p>
+            <a:endParaRPr lang="en-US" dirty="0"/>
+          </a:p>
+          <a:p>
+            <a:r>
+              <a:rPr lang="en-US" dirty="0" smtClean="0"/>
+              <a:t>Chat record will be stored, also can be deleted.</a:t>
+            </a:r>
+          </a:p>
+          <a:p>
+            <a:r>
+              <a:rPr lang="en-US" dirty="0" smtClean="0"/>
+              <a:t>Upload customized icon for you or your friend.</a:t>
+            </a:r>
+          </a:p>
+          <a:p>
+            <a:r>
+              <a:rPr lang="en-US" dirty="0" smtClean="0"/>
+              <a:t>Restore the default icon for you and your friend.</a:t>
+            </a:r>
+          </a:p>
+          <a:p>
+            <a:endParaRPr lang="en-US" dirty="0"/>
+          </a:p>
+          <a:p>
+            <a:r>
+              <a:rPr lang="en-US" dirty="0" smtClean="0"/>
+              <a:t>Check author information in About section.</a:t>
+            </a:r>
+          </a:p>
+        </p:txBody>
+      </p:sp>
+    </p:spTree>
+    <p:extLst>
+      <p:ext uri="{BB962C8B-B14F-4D97-AF65-F5344CB8AC3E}">
+        <p14:creationId xmlns:p14="http://schemas.microsoft.com/office/powerpoint/2010/main" val="1526001941"/>
+      </p:ext>
+    </p:extLst>
+  </p:cSld>
+  <p:clrMapOvr>
+    <a:masterClrMapping/>
+  </p:clrMapOvr>
+</p:sld>
+</file>
+
+<file path=ppt/slides/slide9.xml><?xml version="1.0" encoding="utf-8"?>
+<p:sld xmlns:a="http://schemas.openxmlformats.org/drawingml/2006/main" xmlns:r="http://schemas.openxmlformats.org/officeDocument/2006/relationships" xmlns:p="http://schemas.openxmlformats.org/presentationml/2006/main">
+  <p:cSld>
+    <p:spTree>
+      <p:nvGrpSpPr>
+        <p:cNvPr id="1" name=""/>
+        <p:cNvGrpSpPr/>
+        <p:nvPr/>
+      </p:nvGrpSpPr>
+      <p:grpSpPr>
+        <a:xfrm>
+          <a:off x="0" y="0"/>
+          <a:ext cx="0" cy="0"/>
+          <a:chOff x="0" y="0"/>
+          <a:chExt cx="0" cy="0"/>
+        </a:xfrm>
+      </p:grpSpPr>
+      <p:sp>
+        <p:nvSpPr>
+          <p:cNvPr id="2" name="Title 1"/>
+          <p:cNvSpPr>
+            <a:spLocks noGrp="1"/>
+          </p:cNvSpPr>
+          <p:nvPr>
+            <p:ph type="title"/>
+          </p:nvPr>
+        </p:nvSpPr>
+        <p:spPr/>
+        <p:txBody>
+          <a:bodyPr/>
+          <a:lstStyle/>
+          <a:p>
+            <a:r>
+              <a:rPr lang="en-US" dirty="0" smtClean="0"/>
+              <a:t>Design </a:t>
+            </a:r>
+            <a:r>
+              <a:rPr lang="mr-IN" dirty="0" smtClean="0"/>
+              <a:t>–</a:t>
+            </a:r>
+            <a:r>
+              <a:rPr lang="en-US" dirty="0" smtClean="0"/>
+              <a:t> Logic Design</a:t>
+            </a:r>
+            <a:endParaRPr lang="en-US" dirty="0"/>
+          </a:p>
+        </p:txBody>
+      </p:sp>
+      <p:sp>
+        <p:nvSpPr>
+          <p:cNvPr id="3" name="Content Placeholder 2"/>
+          <p:cNvSpPr>
+            <a:spLocks noGrp="1"/>
+          </p:cNvSpPr>
+          <p:nvPr>
+            <p:ph idx="1"/>
+          </p:nvPr>
+        </p:nvSpPr>
+        <p:spPr/>
+        <p:txBody>
+          <a:bodyPr/>
+          <a:lstStyle/>
+          <a:p>
+            <a:r>
+              <a:rPr lang="en-US" dirty="0" smtClean="0"/>
+              <a:t>Core Component: Connection Manager.</a:t>
+            </a:r>
+          </a:p>
+          <a:p>
+            <a:endParaRPr lang="en-US" dirty="0"/>
+          </a:p>
+          <a:p>
+            <a:r>
+              <a:rPr lang="en-US" dirty="0" err="1" smtClean="0"/>
+              <a:t>AcceptThread</a:t>
+            </a:r>
+            <a:r>
+              <a:rPr lang="en-US" dirty="0" smtClean="0"/>
+              <a:t>: Listening to other devices’ connection requests.</a:t>
+            </a:r>
+          </a:p>
+          <a:p>
+            <a:r>
+              <a:rPr lang="en-US" dirty="0" err="1" smtClean="0"/>
+              <a:t>ConnectedThread</a:t>
+            </a:r>
+            <a:r>
+              <a:rPr lang="en-US" dirty="0" smtClean="0"/>
+              <a:t>: Manage input stream and output stream from Bluetooth socket.</a:t>
+            </a:r>
+          </a:p>
+          <a:p>
+            <a:endParaRPr lang="en-US" dirty="0"/>
+          </a:p>
+          <a:p>
+            <a:r>
+              <a:rPr lang="en-US" dirty="0" err="1" smtClean="0"/>
+              <a:t>ConnectionListener</a:t>
+            </a:r>
+            <a:r>
+              <a:rPr lang="en-US" dirty="0" smtClean="0"/>
+              <a:t>: An interface, for listening to the change of status and messages.</a:t>
+            </a:r>
+            <a:endParaRPr lang="en-US" dirty="0"/>
+          </a:p>
+        </p:txBody>
+      </p:sp>
+    </p:spTree>
+    <p:extLst>
+      <p:ext uri="{BB962C8B-B14F-4D97-AF65-F5344CB8AC3E}">
+        <p14:creationId xmlns:p14="http://schemas.microsoft.com/office/powerpoint/2010/main" val="117426266"/>
       </p:ext>
     </p:extLst>
   </p:cSld>
@@ -5986,4 +8101,265 @@
     </a:ext>
   </a:extLst>
 </a:theme>
+</file>
+
+<file path=ppt/theme/theme2.xml><?xml version="1.0" encoding="utf-8"?>
+<a:theme xmlns:a="http://schemas.openxmlformats.org/drawingml/2006/main" name="Office Theme">
+  <a:themeElements>
+    <a:clrScheme name="Office">
+      <a:dk1>
+        <a:sysClr val="windowText" lastClr="000000"/>
+      </a:dk1>
+      <a:lt1>
+        <a:sysClr val="window" lastClr="FFFFFF"/>
+      </a:lt1>
+      <a:dk2>
+        <a:srgbClr val="44546A"/>
+      </a:dk2>
+      <a:lt2>
+        <a:srgbClr val="E7E6E6"/>
+      </a:lt2>
+      <a:accent1>
+        <a:srgbClr val="4472C4"/>
+      </a:accent1>
+      <a:accent2>
+        <a:srgbClr val="ED7D31"/>
+      </a:accent2>
+      <a:accent3>
+        <a:srgbClr val="A5A5A5"/>
+      </a:accent3>
+      <a:accent4>
+        <a:srgbClr val="FFC000"/>
+      </a:accent4>
+      <a:accent5>
+        <a:srgbClr val="5B9BD5"/>
+      </a:accent5>
+      <a:accent6>
+        <a:srgbClr val="70AD47"/>
+      </a:accent6>
+      <a:hlink>
+        <a:srgbClr val="0563C1"/>
+      </a:hlink>
+      <a:folHlink>
+        <a:srgbClr val="954F72"/>
+      </a:folHlink>
+    </a:clrScheme>
+    <a:fontScheme name="Office">
+      <a:majorFont>
+        <a:latin typeface="Calibri Light" panose="020F0302020204030204"/>
+        <a:ea typeface=""/>
+        <a:cs typeface=""/>
+        <a:font script="Jpan" typeface="Yu Gothic Light"/>
+        <a:font script="Hang" typeface="맑은 고딕"/>
+        <a:font script="Hans" typeface="DengXian Light"/>
+        <a:font script="Hant" typeface="新細明體"/>
+        <a:font script="Arab" typeface="Times New Roman"/>
+        <a:font script="Hebr" typeface="Times New Roman"/>
+        <a:font script="Thai" typeface="Angsana New"/>
+        <a:font script="Ethi" typeface="Nyala"/>
+        <a:font script="Beng" typeface="Vrinda"/>
+        <a:font script="Gujr" typeface="Shruti"/>
+        <a:font script="Khmr" typeface="MoolBoran"/>
+        <a:font script="Knda" typeface="Tunga"/>
+        <a:font script="Guru" typeface="Raavi"/>
+        <a:font script="Cans" typeface="Euphemia"/>
+        <a:font script="Cher" typeface="Plantagenet Cherokee"/>
+        <a:font script="Yiii" typeface="Microsoft Yi Baiti"/>
+        <a:font script="Tibt" typeface="Microsoft Himalaya"/>
+        <a:font script="Thaa" typeface="MV Boli"/>
+        <a:font script="Deva" typeface="Mangal"/>
+        <a:font script="Telu" typeface="Gautami"/>
+        <a:font script="Taml" typeface="Latha"/>
+        <a:font script="Syrc" typeface="Estrangelo Edessa"/>
+        <a:font script="Orya" typeface="Kalinga"/>
+        <a:font script="Mlym" typeface="Kartika"/>
+        <a:font script="Laoo" typeface="DokChampa"/>
+        <a:font script="Sinh" typeface="Iskoola Pota"/>
+        <a:font script="Mong" typeface="Mongolian Baiti"/>
+        <a:font script="Viet" typeface="Times New Roman"/>
+        <a:font script="Uigh" typeface="Microsoft Uighur"/>
+        <a:font script="Geor" typeface="Sylfaen"/>
+      </a:majorFont>
+      <a:minorFont>
+        <a:latin typeface="Calibri" panose="020F0502020204030204"/>
+        <a:ea typeface=""/>
+        <a:cs typeface=""/>
+        <a:font script="Jpan" typeface="Yu Gothic"/>
+        <a:font script="Hang" typeface="맑은 고딕"/>
+        <a:font script="Hans" typeface="DengXian"/>
+        <a:font script="Hant" typeface="新細明體"/>
+        <a:font script="Arab" typeface="Arial"/>
+        <a:font script="Hebr" typeface="Arial"/>
+        <a:font script="Thai" typeface="Cordia New"/>
+        <a:font script="Ethi" typeface="Nyala"/>
+        <a:font script="Beng" typeface="Vrinda"/>
+        <a:font script="Gujr" typeface="Shruti"/>
+        <a:font script="Khmr" typeface="DaunPenh"/>
+        <a:font script="Knda" typeface="Tunga"/>
+        <a:font script="Guru" typeface="Raavi"/>
+        <a:font script="Cans" typeface="Euphemia"/>
+        <a:font script="Cher" typeface="Plantagenet Cherokee"/>
+        <a:font script="Yiii" typeface="Microsoft Yi Baiti"/>
+        <a:font script="Tibt" typeface="Microsoft Himalaya"/>
+        <a:font script="Thaa" typeface="MV Boli"/>
+        <a:font script="Deva" typeface="Mangal"/>
+        <a:font script="Telu" typeface="Gautami"/>
+        <a:font script="Taml" typeface="Latha"/>
+        <a:font script="Syrc" typeface="Estrangelo Edessa"/>
+        <a:font script="Orya" typeface="Kalinga"/>
+        <a:font script="Mlym" typeface="Kartika"/>
+        <a:font script="Laoo" typeface="DokChampa"/>
+        <a:font script="Sinh" typeface="Iskoola Pota"/>
+        <a:font script="Mong" typeface="Mongolian Baiti"/>
+        <a:font script="Viet" typeface="Arial"/>
+        <a:font script="Uigh" typeface="Microsoft Uighur"/>
+        <a:font script="Geor" typeface="Sylfaen"/>
+      </a:minorFont>
+    </a:fontScheme>
+    <a:fmtScheme name="Office">
+      <a:fillStyleLst>
+        <a:solidFill>
+          <a:schemeClr val="phClr"/>
+        </a:solidFill>
+        <a:gradFill rotWithShape="1">
+          <a:gsLst>
+            <a:gs pos="0">
+              <a:schemeClr val="phClr">
+                <a:lumMod val="110000"/>
+                <a:satMod val="105000"/>
+                <a:tint val="67000"/>
+              </a:schemeClr>
+            </a:gs>
+            <a:gs pos="50000">
+              <a:schemeClr val="phClr">
+                <a:lumMod val="105000"/>
+                <a:satMod val="103000"/>
+                <a:tint val="73000"/>
+              </a:schemeClr>
+            </a:gs>
+            <a:gs pos="100000">
+              <a:schemeClr val="phClr">
+                <a:lumMod val="105000"/>
+                <a:satMod val="109000"/>
+                <a:tint val="81000"/>
+              </a:schemeClr>
+            </a:gs>
+          </a:gsLst>
+          <a:lin ang="5400000" scaled="0"/>
+        </a:gradFill>
+        <a:gradFill rotWithShape="1">
+          <a:gsLst>
+            <a:gs pos="0">
+              <a:schemeClr val="phClr">
+                <a:satMod val="103000"/>
+                <a:lumMod val="102000"/>
+                <a:tint val="94000"/>
+              </a:schemeClr>
+            </a:gs>
+            <a:gs pos="50000">
+              <a:schemeClr val="phClr">
+                <a:satMod val="110000"/>
+                <a:lumMod val="100000"/>
+                <a:shade val="100000"/>
+              </a:schemeClr>
+            </a:gs>
+            <a:gs pos="100000">
+              <a:schemeClr val="phClr">
+                <a:lumMod val="99000"/>
+                <a:satMod val="120000"/>
+                <a:shade val="78000"/>
+              </a:schemeClr>
+            </a:gs>
+          </a:gsLst>
+          <a:lin ang="5400000" scaled="0"/>
+        </a:gradFill>
+      </a:fillStyleLst>
+      <a:lnStyleLst>
+        <a:ln w="6350" cap="flat" cmpd="sng" algn="ctr">
+          <a:solidFill>
+            <a:schemeClr val="phClr"/>
+          </a:solidFill>
+          <a:prstDash val="solid"/>
+          <a:miter lim="800000"/>
+        </a:ln>
+        <a:ln w="12700" cap="flat" cmpd="sng" algn="ctr">
+          <a:solidFill>
+            <a:schemeClr val="phClr"/>
+          </a:solidFill>
+          <a:prstDash val="solid"/>
+          <a:miter lim="800000"/>
+        </a:ln>
+        <a:ln w="19050" cap="flat" cmpd="sng" algn="ctr">
+          <a:solidFill>
+            <a:schemeClr val="phClr"/>
+          </a:solidFill>
+          <a:prstDash val="solid"/>
+          <a:miter lim="800000"/>
+        </a:ln>
+      </a:lnStyleLst>
+      <a:effectStyleLst>
+        <a:effectStyle>
+          <a:effectLst/>
+        </a:effectStyle>
+        <a:effectStyle>
+          <a:effectLst/>
+        </a:effectStyle>
+        <a:effectStyle>
+          <a:effectLst>
+            <a:outerShdw blurRad="57150" dist="19050" dir="5400000" algn="ctr" rotWithShape="0">
+              <a:srgbClr val="000000">
+                <a:alpha val="63000"/>
+              </a:srgbClr>
+            </a:outerShdw>
+          </a:effectLst>
+        </a:effectStyle>
+      </a:effectStyleLst>
+      <a:bgFillStyleLst>
+        <a:solidFill>
+          <a:schemeClr val="phClr"/>
+        </a:solidFill>
+        <a:solidFill>
+          <a:schemeClr val="phClr">
+            <a:tint val="95000"/>
+            <a:satMod val="170000"/>
+          </a:schemeClr>
+        </a:solidFill>
+        <a:gradFill rotWithShape="1">
+          <a:gsLst>
+            <a:gs pos="0">
+              <a:schemeClr val="phClr">
+                <a:tint val="93000"/>
+                <a:satMod val="150000"/>
+                <a:shade val="98000"/>
+                <a:lumMod val="102000"/>
+              </a:schemeClr>
+            </a:gs>
+            <a:gs pos="50000">
+              <a:schemeClr val="phClr">
+                <a:tint val="98000"/>
+                <a:satMod val="130000"/>
+                <a:shade val="90000"/>
+                <a:lumMod val="103000"/>
+              </a:schemeClr>
+            </a:gs>
+            <a:gs pos="100000">
+              <a:schemeClr val="phClr">
+                <a:shade val="63000"/>
+                <a:satMod val="120000"/>
+              </a:schemeClr>
+            </a:gs>
+          </a:gsLst>
+          <a:lin ang="5400000" scaled="0"/>
+        </a:gradFill>
+      </a:bgFillStyleLst>
+    </a:fmtScheme>
+  </a:themeElements>
+  <a:objectDefaults/>
+  <a:extraClrSchemeLst/>
+  <a:extLst>
+    <a:ext uri="{05A4C25C-085E-4340-85A3-A5531E510DB2}">
+      <thm15:themeFamily xmlns:thm15="http://schemas.microsoft.com/office/thememl/2012/main" name="Office Theme" id="{62F939B6-93AF-4DB8-9C6B-D6C7DFDC589F}" vid="{4A3C46E8-61CC-4603-A589-7422A47A8E4A}"/>
+    </a:ext>
+  </a:extLst>
+</a:theme>
 </file>
--- a/Presentation.pptx
+++ b/Presentation.pptx
@@ -5,7 +5,7 @@
     <p:sldMasterId id="2147483648" r:id="rId1"/>
   </p:sldMasterIdLst>
   <p:notesMasterIdLst>
-    <p:notesMasterId r:id="rId20"/>
+    <p:notesMasterId r:id="rId18"/>
   </p:notesMasterIdLst>
   <p:sldIdLst>
     <p:sldId id="256" r:id="rId2"/>
@@ -24,8 +24,6 @@
     <p:sldId id="270" r:id="rId15"/>
     <p:sldId id="271" r:id="rId16"/>
     <p:sldId id="272" r:id="rId17"/>
-    <p:sldId id="273" r:id="rId18"/>
-    <p:sldId id="259" r:id="rId19"/>
   </p:sldIdLst>
   <p:sldSz cx="12192000" cy="6858000"/>
   <p:notesSz cx="6858000" cy="9144000"/>
@@ -124,6 +122,11 @@
       </a:defRPr>
     </a:lvl9pPr>
   </p:defaultTextStyle>
+  <p:extLst>
+    <p:ext uri="{EFAFB233-063F-42B5-8137-9DF3F51BA10A}">
+      <p15:sldGuideLst xmlns:p15="http://schemas.microsoft.com/office/powerpoint/2012/main"/>
+    </p:ext>
+  </p:extLst>
 </p:presentation>
 </file>
 
@@ -209,7 +212,7 @@
           <a:p>
             <a:fld id="{B0CFBA8D-7A05-8645-AA36-59B01D9BF3EA}" type="datetimeFigureOut">
               <a:rPr lang="en-US" smtClean="0"/>
-              <a:t>6/7/17</a:t>
+              <a:t>6/11/17</a:t>
             </a:fld>
             <a:endParaRPr lang="en-US"/>
           </a:p>
@@ -572,7 +575,7 @@
           <a:effectLst/>
           <a:extLst>
             <a:ext uri="{91240B29-F687-4f45-9708-019B960494DF}">
-              <a14:hiddenLine xmlns:a14="http://schemas.microsoft.com/office/drawing/2010/main" xmlns="" w="9525">
+              <a14:hiddenLine xmlns="" xmlns:a14="http://schemas.microsoft.com/office/drawing/2010/main" w="9525">
                 <a:solidFill>
                   <a:srgbClr val="000000"/>
                 </a:solidFill>
@@ -765,7 +768,7 @@
             <a:fld id="{08B9EBBA-996F-894A-B54A-D6246ED52CEA}" type="datetimeFigureOut">
               <a:rPr lang="en-US" dirty="0"/>
               <a:pPr/>
-              <a:t>6/5/17</a:t>
+              <a:t>6/11/17</a:t>
             </a:fld>
             <a:endParaRPr lang="en-US" dirty="0"/>
           </a:p>
@@ -1080,7 +1083,7 @@
             <a:fld id="{18C79C5D-2A6F-F04D-97DA-BEF2467B64E4}" type="datetimeFigureOut">
               <a:rPr lang="en-US" dirty="0"/>
               <a:pPr/>
-              <a:t>6/5/17</a:t>
+              <a:t>6/11/17</a:t>
             </a:fld>
             <a:endParaRPr lang="en-US" dirty="0"/>
           </a:p>
@@ -1565,7 +1568,7 @@
             <a:fld id="{8DFA1846-DA80-1C48-A609-854EA85C59AD}" type="datetimeFigureOut">
               <a:rPr lang="en-US" dirty="0"/>
               <a:pPr/>
-              <a:t>6/5/17</a:t>
+              <a:t>6/11/17</a:t>
             </a:fld>
             <a:endParaRPr lang="en-US" dirty="0"/>
           </a:p>
@@ -1931,7 +1934,7 @@
             <a:fld id="{FBF54567-0DE4-3F47-BF90-CB84690072F9}" type="datetimeFigureOut">
               <a:rPr lang="en-US" dirty="0"/>
               <a:pPr/>
-              <a:t>6/5/17</a:t>
+              <a:t>6/11/17</a:t>
             </a:fld>
             <a:endParaRPr lang="en-US" dirty="0"/>
           </a:p>
@@ -2082,7 +2085,7 @@
           <a:ln/>
           <a:extLst>
             <a:ext uri="{91240B29-F687-4f45-9708-019B960494DF}">
-              <a14:hiddenLine xmlns:a14="http://schemas.microsoft.com/office/drawing/2010/main" xmlns="" w="9525">
+              <a14:hiddenLine xmlns="" xmlns:a14="http://schemas.microsoft.com/office/drawing/2010/main" w="9525">
                 <a:solidFill>
                   <a:srgbClr val="000000"/>
                 </a:solidFill>
@@ -2201,7 +2204,7 @@
             <a:fld id="{C6C52C72-DE31-F449-A4ED-4C594FD91407}" type="datetimeFigureOut">
               <a:rPr lang="en-US" dirty="0"/>
               <a:pPr/>
-              <a:t>6/5/17</a:t>
+              <a:t>6/11/17</a:t>
             </a:fld>
             <a:endParaRPr lang="en-US" dirty="0"/>
           </a:p>
@@ -2354,7 +2357,7 @@
           <a:ln/>
           <a:extLst>
             <a:ext uri="{91240B29-F687-4f45-9708-019B960494DF}">
-              <a14:hiddenLine xmlns:a14="http://schemas.microsoft.com/office/drawing/2010/main" xmlns="" w="9525">
+              <a14:hiddenLine xmlns="" xmlns:a14="http://schemas.microsoft.com/office/drawing/2010/main" w="9525">
                 <a:solidFill>
                   <a:srgbClr val="000000"/>
                 </a:solidFill>
@@ -2483,7 +2486,7 @@
             <a:fld id="{ED62726E-379B-B349-9EED-81ED093FA806}" type="datetimeFigureOut">
               <a:rPr lang="en-US" dirty="0"/>
               <a:pPr/>
-              <a:t>6/5/17</a:t>
+              <a:t>6/11/17</a:t>
             </a:fld>
             <a:endParaRPr lang="en-US" dirty="0"/>
           </a:p>
@@ -2634,7 +2637,7 @@
           <a:ln/>
           <a:extLst>
             <a:ext uri="{91240B29-F687-4f45-9708-019B960494DF}">
-              <a14:hiddenLine xmlns:a14="http://schemas.microsoft.com/office/drawing/2010/main" xmlns="" w="9525">
+              <a14:hiddenLine xmlns="" xmlns:a14="http://schemas.microsoft.com/office/drawing/2010/main" w="9525">
                 <a:solidFill>
                   <a:srgbClr val="000000"/>
                 </a:solidFill>
@@ -2763,7 +2766,7 @@
             <a:fld id="{9B3A1323-8D79-1946-B0D7-40001CF92E9D}" type="datetimeFigureOut">
               <a:rPr lang="en-US" dirty="0"/>
               <a:pPr/>
-              <a:t>6/5/17</a:t>
+              <a:t>6/11/17</a:t>
             </a:fld>
             <a:endParaRPr lang="en-US" dirty="0"/>
           </a:p>
@@ -3103,7 +3106,7 @@
             <a:fld id="{8DFA1846-DA80-1C48-A609-854EA85C59AD}" type="datetimeFigureOut">
               <a:rPr lang="en-US" dirty="0"/>
               <a:pPr/>
-              <a:t>6/5/17</a:t>
+              <a:t>6/11/17</a:t>
             </a:fld>
             <a:endParaRPr lang="en-US" dirty="0"/>
           </a:p>
@@ -3254,7 +3257,7 @@
           <a:ln/>
           <a:extLst>
             <a:ext uri="{91240B29-F687-4f45-9708-019B960494DF}">
-              <a14:hiddenLine xmlns:a14="http://schemas.microsoft.com/office/drawing/2010/main" xmlns="" w="9525">
+              <a14:hiddenLine xmlns="" xmlns:a14="http://schemas.microsoft.com/office/drawing/2010/main" w="9525">
                 <a:solidFill>
                   <a:srgbClr val="000000"/>
                 </a:solidFill>
@@ -3439,7 +3442,7 @@
             <a:fld id="{57302355-E14B-8545-A8F8-0FE83CC9D524}" type="datetimeFigureOut">
               <a:rPr lang="en-US" dirty="0"/>
               <a:pPr/>
-              <a:t>6/5/17</a:t>
+              <a:t>6/11/17</a:t>
             </a:fld>
             <a:endParaRPr lang="en-US" dirty="0"/>
           </a:p>
@@ -3590,7 +3593,7 @@
           <a:ln/>
           <a:extLst>
             <a:ext uri="{91240B29-F687-4f45-9708-019B960494DF}">
-              <a14:hiddenLine xmlns:a14="http://schemas.microsoft.com/office/drawing/2010/main" xmlns="" w="9525">
+              <a14:hiddenLine xmlns="" xmlns:a14="http://schemas.microsoft.com/office/drawing/2010/main" w="9525">
                 <a:solidFill>
                   <a:srgbClr val="000000"/>
                 </a:solidFill>
@@ -3913,7 +3916,7 @@
             <a:fld id="{02640F58-564D-2B4F-AE67-E407BA4FCF45}" type="datetimeFigureOut">
               <a:rPr lang="en-US" dirty="0"/>
               <a:pPr/>
-              <a:t>6/5/17</a:t>
+              <a:t>6/11/17</a:t>
             </a:fld>
             <a:endParaRPr lang="en-US" dirty="0"/>
           </a:p>
@@ -4064,7 +4067,7 @@
           <a:ln/>
           <a:extLst>
             <a:ext uri="{91240B29-F687-4f45-9708-019B960494DF}">
-              <a14:hiddenLine xmlns:a14="http://schemas.microsoft.com/office/drawing/2010/main" xmlns="" w="9525">
+              <a14:hiddenLine xmlns="" xmlns:a14="http://schemas.microsoft.com/office/drawing/2010/main" w="9525">
                 <a:solidFill>
                   <a:srgbClr val="000000"/>
                 </a:solidFill>
@@ -4131,7 +4134,7 @@
             <a:fld id="{F13A34C8-038E-2045-AF43-DF7DBB8E0E9E}" type="datetimeFigureOut">
               <a:rPr lang="en-US" dirty="0"/>
               <a:pPr/>
-              <a:t>6/5/17</a:t>
+              <a:t>6/11/17</a:t>
             </a:fld>
             <a:endParaRPr lang="en-US" dirty="0"/>
           </a:p>
@@ -4223,7 +4226,7 @@
             <a:fld id="{8818C68F-D26B-8F47-958C-23B49CF8A634}" type="datetimeFigureOut">
               <a:rPr lang="en-US" dirty="0"/>
               <a:pPr/>
-              <a:t>6/5/17</a:t>
+              <a:t>6/11/17</a:t>
             </a:fld>
             <a:endParaRPr lang="en-US" dirty="0"/>
           </a:p>
@@ -4487,7 +4490,7 @@
           <a:ln/>
           <a:extLst>
             <a:ext uri="{91240B29-F687-4f45-9708-019B960494DF}">
-              <a14:hiddenLine xmlns:a14="http://schemas.microsoft.com/office/drawing/2010/main" xmlns="" w="9525">
+              <a14:hiddenLine xmlns="" xmlns:a14="http://schemas.microsoft.com/office/drawing/2010/main" w="9525">
                 <a:solidFill>
                   <a:srgbClr val="000000"/>
                 </a:solidFill>
@@ -4687,7 +4690,7 @@
             <a:fld id="{D0DF5E60-9974-AC48-9591-99C2BB44B7CF}" type="datetimeFigureOut">
               <a:rPr lang="en-US" dirty="0"/>
               <a:pPr/>
-              <a:t>6/5/17</a:t>
+              <a:t>6/11/17</a:t>
             </a:fld>
             <a:endParaRPr lang="en-US" dirty="0"/>
           </a:p>
@@ -4997,7 +5000,7 @@
             <a:fld id="{18C79C5D-2A6F-F04D-97DA-BEF2467B64E4}" type="datetimeFigureOut">
               <a:rPr lang="en-US" dirty="0"/>
               <a:pPr/>
-              <a:t>6/5/17</a:t>
+              <a:t>6/11/17</a:t>
             </a:fld>
             <a:endParaRPr lang="en-US" dirty="0"/>
           </a:p>
@@ -5264,7 +5267,7 @@
             <a:fld id="{09B482E8-6E0E-1B4F-B1FD-C69DB9E858D9}" type="datetimeFigureOut">
               <a:rPr lang="en-US" dirty="0"/>
               <a:pPr/>
-              <a:t>6/5/17</a:t>
+              <a:t>6/11/17</a:t>
             </a:fld>
             <a:endParaRPr lang="en-US" dirty="0"/>
           </a:p>
@@ -5730,12 +5733,12 @@
               <a:t>A </a:t>
             </a:r>
             <a:r>
-              <a:rPr lang="en-US" dirty="0" err="1" smtClean="0"/>
-              <a:t>BlueTooth</a:t>
-            </a:r>
-            <a:r>
-              <a:rPr lang="en-US" dirty="0" smtClean="0"/>
-              <a:t> Chat APP</a:t>
+              <a:rPr lang="en-US" dirty="0" smtClean="0"/>
+              <a:t>Bluetooth </a:t>
+            </a:r>
+            <a:r>
+              <a:rPr lang="en-US" dirty="0" smtClean="0"/>
+              <a:t>Chat APP</a:t>
             </a:r>
             <a:endParaRPr lang="en-US" dirty="0"/>
           </a:p>
@@ -5768,6 +5771,36 @@
           </a:p>
         </p:txBody>
       </p:sp>
+      <p:pic>
+        <p:nvPicPr>
+          <p:cNvPr id="4" name="Picture 3"/>
+          <p:cNvPicPr>
+            <a:picLocks noChangeAspect="1"/>
+          </p:cNvPicPr>
+          <p:nvPr/>
+        </p:nvPicPr>
+        <p:blipFill>
+          <a:blip r:embed="rId2">
+            <a:extLst>
+              <a:ext uri="{28A0092B-C50C-407E-A947-70E740481C1C}">
+                <a14:useLocalDpi xmlns:a14="http://schemas.microsoft.com/office/drawing/2010/main" val="0"/>
+              </a:ext>
+            </a:extLst>
+          </a:blip>
+          <a:stretch>
+            <a:fillRect/>
+          </a:stretch>
+        </p:blipFill>
+        <p:spPr>
+          <a:xfrm flipH="1">
+            <a:off x="10244380" y="4910380"/>
+            <a:ext cx="1947620" cy="1947620"/>
+          </a:xfrm>
+          <a:prstGeom prst="rect">
+            <a:avLst/>
+          </a:prstGeom>
+        </p:spPr>
+      </p:pic>
     </p:spTree>
     <p:extLst>
       <p:ext uri="{BB962C8B-B14F-4D97-AF65-F5344CB8AC3E}">
@@ -5841,41 +5874,78 @@
         </p:nvSpPr>
         <p:spPr/>
         <p:txBody>
-          <a:bodyPr/>
-          <a:lstStyle/>
-          <a:p>
-            <a:r>
-              <a:rPr lang="en-US" dirty="0" smtClean="0"/>
-              <a:t>Public functions:</a:t>
-            </a:r>
-          </a:p>
-          <a:p>
+          <a:bodyPr>
+            <a:normAutofit/>
+          </a:bodyPr>
+          <a:lstStyle/>
+          <a:p>
+            <a:r>
+              <a:rPr lang="en-US" dirty="0" smtClean="0"/>
+              <a:t>Bluetooth API is called in </a:t>
+            </a:r>
             <a:r>
               <a:rPr lang="en-US" dirty="0" err="1" smtClean="0"/>
-              <a:t>startListen</a:t>
-            </a:r>
-            <a:r>
-              <a:rPr lang="en-US" dirty="0" smtClean="0"/>
-              <a:t>() / </a:t>
-            </a:r>
+              <a:t>ConnectionManager</a:t>
+            </a:r>
+            <a:r>
+              <a:rPr lang="en-US" dirty="0" smtClean="0"/>
+              <a:t>.</a:t>
+            </a:r>
+          </a:p>
+          <a:p>
+            <a:endParaRPr lang="en-US" dirty="0"/>
+          </a:p>
+          <a:p>
             <a:r>
               <a:rPr lang="en-US" dirty="0" err="1" smtClean="0"/>
-              <a:t>stopListen</a:t>
-            </a:r>
-            <a:r>
-              <a:rPr lang="en-US" dirty="0" smtClean="0"/>
-              <a:t>()</a:t>
-            </a:r>
-          </a:p>
-          <a:p>
-            <a:r>
-              <a:rPr lang="en-US" dirty="0" smtClean="0"/>
-              <a:t>connect() </a:t>
-            </a:r>
-            <a:r>
-              <a:rPr lang="en-US" smtClean="0"/>
-              <a:t>/ disconnect()</a:t>
-            </a:r>
+              <a:t>ConnectionManager</a:t>
+            </a:r>
+            <a:r>
+              <a:rPr lang="en-US" dirty="0" smtClean="0"/>
+              <a:t> uses two threads to maintain the listening and transmitting respectively.</a:t>
+            </a:r>
+          </a:p>
+          <a:p>
+            <a:pPr lvl="1"/>
+            <a:r>
+              <a:rPr lang="en-US" dirty="0" err="1" smtClean="0"/>
+              <a:t>AcceptThread</a:t>
+            </a:r>
+            <a:r>
+              <a:rPr lang="en-US" dirty="0" smtClean="0"/>
+              <a:t>: Listening to other clients connection requests.</a:t>
+            </a:r>
+          </a:p>
+          <a:p>
+            <a:pPr lvl="1"/>
+            <a:r>
+              <a:rPr lang="en-US" dirty="0" err="1" smtClean="0"/>
+              <a:t>ConnectedThread</a:t>
+            </a:r>
+            <a:r>
+              <a:rPr lang="en-US" dirty="0" smtClean="0"/>
+              <a:t>: Maintaining a socket between two devices and send/get data stream from it.</a:t>
+            </a:r>
+          </a:p>
+          <a:p>
+            <a:pPr lvl="1"/>
+            <a:endParaRPr lang="en-US" dirty="0"/>
+          </a:p>
+          <a:p>
+            <a:r>
+              <a:rPr lang="en-US" dirty="0" smtClean="0"/>
+              <a:t>Exposes methods to </a:t>
+            </a:r>
+            <a:r>
+              <a:rPr lang="en-US" dirty="0" err="1" smtClean="0"/>
+              <a:t>MainActivity</a:t>
+            </a:r>
+            <a:r>
+              <a:rPr lang="en-US" dirty="0" smtClean="0"/>
+              <a:t> to connect or disconnect.</a:t>
+            </a:r>
+          </a:p>
+          <a:p>
             <a:endParaRPr lang="en-US" dirty="0"/>
           </a:p>
         </p:txBody>
@@ -5953,9 +6023,85 @@
         </p:nvSpPr>
         <p:spPr/>
         <p:txBody>
-          <a:bodyPr/>
-          <a:lstStyle/>
-          <a:p>
+          <a:bodyPr>
+            <a:normAutofit fontScale="85000" lnSpcReduction="10000"/>
+          </a:bodyPr>
+          <a:lstStyle/>
+          <a:p>
+            <a:r>
+              <a:rPr lang="en-US" dirty="0" smtClean="0"/>
+              <a:t>The </a:t>
+            </a:r>
+            <a:r>
+              <a:rPr lang="en-US" dirty="0" err="1" smtClean="0"/>
+              <a:t>MainActivity</a:t>
+            </a:r>
+            <a:r>
+              <a:rPr lang="en-US" dirty="0" smtClean="0"/>
+              <a:t> is implemented on the basis of the official navigation drawer template.</a:t>
+            </a:r>
+          </a:p>
+          <a:p>
+            <a:endParaRPr lang="en-US" dirty="0"/>
+          </a:p>
+          <a:p>
+            <a:r>
+              <a:rPr lang="en-US" dirty="0" smtClean="0"/>
+              <a:t>Basic functions are displayed in the drawer.</a:t>
+            </a:r>
+          </a:p>
+          <a:p>
+            <a:endParaRPr lang="en-US" dirty="0"/>
+          </a:p>
+          <a:p>
+            <a:r>
+              <a:rPr lang="en-US" dirty="0" smtClean="0"/>
+              <a:t>A handler to handle message from the </a:t>
+            </a:r>
+            <a:r>
+              <a:rPr lang="en-US" dirty="0" err="1" smtClean="0"/>
+              <a:t>ConnectedThread</a:t>
+            </a:r>
+            <a:r>
+              <a:rPr lang="en-US" dirty="0" smtClean="0"/>
+              <a:t>, sending and receiving</a:t>
+            </a:r>
+            <a:endParaRPr lang="en-US" dirty="0" smtClean="0"/>
+          </a:p>
+          <a:p>
+            <a:endParaRPr lang="en-US" dirty="0"/>
+          </a:p>
+          <a:p>
+            <a:r>
+              <a:rPr lang="en-US" dirty="0" smtClean="0"/>
+              <a:t>Using an adapter to print messages on the screen.</a:t>
+            </a:r>
+          </a:p>
+          <a:p>
+            <a:endParaRPr lang="en-US" dirty="0"/>
+          </a:p>
+          <a:p>
+            <a:r>
+              <a:rPr lang="en-US" dirty="0" smtClean="0"/>
+              <a:t>Calls methods in </a:t>
+            </a:r>
+            <a:r>
+              <a:rPr lang="en-US" dirty="0" err="1" smtClean="0"/>
+              <a:t>ConnectionManager</a:t>
+            </a:r>
+            <a:r>
+              <a:rPr lang="en-US" dirty="0" smtClean="0"/>
+              <a:t> to connect or disconnect.</a:t>
+            </a:r>
+          </a:p>
+          <a:p>
+            <a:endParaRPr lang="en-US" dirty="0"/>
+          </a:p>
+          <a:p>
+            <a:r>
+              <a:rPr lang="en-US" dirty="0" smtClean="0"/>
+              <a:t>Implements file-related operation, like user image file and chat history file.</a:t>
+            </a:r>
             <a:endParaRPr lang="en-US" dirty="0"/>
           </a:p>
         </p:txBody>
@@ -6036,7 +6182,61 @@
           <a:bodyPr/>
           <a:lstStyle/>
           <a:p>
-            <a:endParaRPr lang="en-US" dirty="0"/>
+            <a:r>
+              <a:rPr lang="en-US" altLang="zh-CN" dirty="0" err="1" smtClean="0"/>
+              <a:t>DeviceListActivity</a:t>
+            </a:r>
+            <a:r>
+              <a:rPr lang="en-US" altLang="zh-CN" dirty="0" smtClean="0"/>
+              <a:t> shows the Bluetooth devices found.</a:t>
+            </a:r>
+          </a:p>
+          <a:p>
+            <a:endParaRPr lang="en-US" altLang="zh-CN" dirty="0"/>
+          </a:p>
+          <a:p>
+            <a:r>
+              <a:rPr lang="en-US" altLang="zh-CN" dirty="0" smtClean="0"/>
+              <a:t>Gets device names and addresses from </a:t>
+            </a:r>
+            <a:r>
+              <a:rPr lang="en-US" altLang="zh-CN" dirty="0" err="1" smtClean="0"/>
+              <a:t>ConnectionManager</a:t>
+            </a:r>
+            <a:r>
+              <a:rPr lang="en-US" altLang="zh-CN" dirty="0" smtClean="0"/>
+              <a:t>.</a:t>
+            </a:r>
+          </a:p>
+          <a:p>
+            <a:endParaRPr lang="en-US" dirty="0"/>
+          </a:p>
+          <a:p>
+            <a:r>
+              <a:rPr lang="en-US" dirty="0" smtClean="0"/>
+              <a:t>Uses an adapter to print devices on the screen.</a:t>
+            </a:r>
+          </a:p>
+          <a:p>
+            <a:pPr lvl="1"/>
+            <a:r>
+              <a:rPr lang="en-US" dirty="0" smtClean="0"/>
+              <a:t>When an item is selected, return to the </a:t>
+            </a:r>
+            <a:r>
+              <a:rPr lang="en-US" dirty="0" err="1" smtClean="0"/>
+              <a:t>MainActivity</a:t>
+            </a:r>
+            <a:r>
+              <a:rPr lang="en-US" dirty="0" smtClean="0"/>
+              <a:t> and start connecting.</a:t>
+            </a:r>
+          </a:p>
+          <a:p>
+            <a:endParaRPr lang="en-US" dirty="0"/>
+          </a:p>
+          <a:p>
+            <a:endParaRPr lang="en-US" dirty="0" smtClean="0"/>
           </a:p>
         </p:txBody>
       </p:sp>
@@ -6095,7 +6295,11 @@
             </a:r>
             <a:r>
               <a:rPr lang="en-US" dirty="0" smtClean="0"/>
-              <a:t> Logic Design</a:t>
+              <a:t> </a:t>
+            </a:r>
+            <a:r>
+              <a:rPr lang="en-US" dirty="0" smtClean="0"/>
+              <a:t>from the class to the project</a:t>
             </a:r>
             <a:endParaRPr lang="en-US" dirty="0"/>
           </a:p>
@@ -6116,6 +6320,76 @@
           <a:bodyPr/>
           <a:lstStyle/>
           <a:p>
+            <a:r>
+              <a:rPr lang="en-US" dirty="0" smtClean="0"/>
+              <a:t>Activity life cycle management</a:t>
+            </a:r>
+          </a:p>
+          <a:p>
+            <a:r>
+              <a:rPr lang="en-US" dirty="0" smtClean="0"/>
+              <a:t>Bluetooth API</a:t>
+            </a:r>
+            <a:endParaRPr lang="en-US" dirty="0"/>
+          </a:p>
+          <a:p>
+            <a:r>
+              <a:rPr lang="en-US" dirty="0" err="1" smtClean="0"/>
+              <a:t>Asynchronized</a:t>
+            </a:r>
+            <a:r>
+              <a:rPr lang="en-US" dirty="0" smtClean="0"/>
+              <a:t> tasks</a:t>
+            </a:r>
+          </a:p>
+          <a:p>
+            <a:r>
+              <a:rPr lang="en-US" dirty="0" smtClean="0"/>
+              <a:t>File manipulation</a:t>
+            </a:r>
+          </a:p>
+          <a:p>
+            <a:r>
+              <a:rPr lang="en-US" dirty="0" smtClean="0"/>
+              <a:t>UI </a:t>
+            </a:r>
+            <a:r>
+              <a:rPr lang="mr-IN" dirty="0" smtClean="0"/>
+              <a:t>–</a:t>
+            </a:r>
+            <a:r>
+              <a:rPr lang="en-US" dirty="0" smtClean="0"/>
+              <a:t> drawer, adapter</a:t>
+            </a:r>
+          </a:p>
+          <a:p>
+            <a:r>
+              <a:rPr lang="en-US" dirty="0" smtClean="0"/>
+              <a:t>Button, </a:t>
+            </a:r>
+            <a:r>
+              <a:rPr lang="en-US" dirty="0" err="1" smtClean="0"/>
+              <a:t>EditText</a:t>
+            </a:r>
+            <a:r>
+              <a:rPr lang="en-US" dirty="0" smtClean="0"/>
+              <a:t>, </a:t>
+            </a:r>
+            <a:r>
+              <a:rPr lang="en-US" dirty="0" err="1" smtClean="0"/>
+              <a:t>ImageView</a:t>
+            </a:r>
+            <a:r>
+              <a:rPr lang="mr-IN" dirty="0" smtClean="0"/>
+              <a:t>…</a:t>
+            </a:r>
+            <a:endParaRPr lang="en-US" dirty="0" smtClean="0"/>
+          </a:p>
+          <a:p>
+            <a:r>
+              <a:rPr lang="mr-IN" dirty="0" smtClean="0"/>
+              <a:t>…</a:t>
+            </a:r>
             <a:endParaRPr lang="en-US" dirty="0"/>
           </a:p>
         </p:txBody>
@@ -6175,7 +6449,11 @@
             </a:r>
             <a:r>
               <a:rPr lang="en-US" dirty="0" smtClean="0"/>
-              <a:t> Logic Design</a:t>
+              <a:t> </a:t>
+            </a:r>
+            <a:r>
+              <a:rPr lang="en-US" dirty="0" smtClean="0"/>
+              <a:t>Future Design</a:t>
             </a:r>
             <a:endParaRPr lang="en-US" dirty="0"/>
           </a:p>
@@ -6196,6 +6474,46 @@
           <a:bodyPr/>
           <a:lstStyle/>
           <a:p>
+            <a:r>
+              <a:rPr lang="en-US" dirty="0" smtClean="0"/>
+              <a:t>Multimedia message types: audio, video, meme</a:t>
+            </a:r>
+          </a:p>
+          <a:p>
+            <a:endParaRPr lang="en-US" dirty="0"/>
+          </a:p>
+          <a:p>
+            <a:r>
+              <a:rPr lang="en-US" dirty="0" smtClean="0"/>
+              <a:t>Customized UI other than android default UI</a:t>
+            </a:r>
+          </a:p>
+          <a:p>
+            <a:endParaRPr lang="en-US" dirty="0"/>
+          </a:p>
+          <a:p>
+            <a:r>
+              <a:rPr lang="en-US" dirty="0" smtClean="0"/>
+              <a:t>Support for group chat</a:t>
+            </a:r>
+          </a:p>
+          <a:p>
+            <a:endParaRPr lang="en-US" dirty="0"/>
+          </a:p>
+          <a:p>
+            <a:r>
+              <a:rPr lang="en-US" dirty="0" smtClean="0"/>
+              <a:t>Ad-hoc communication</a:t>
+            </a:r>
+          </a:p>
+          <a:p>
+            <a:endParaRPr lang="en-US" dirty="0"/>
+          </a:p>
+          <a:p>
+            <a:r>
+              <a:rPr lang="mr-IN" dirty="0" smtClean="0"/>
+              <a:t>…</a:t>
+            </a:r>
             <a:endParaRPr lang="en-US" dirty="0"/>
           </a:p>
         </p:txBody>
@@ -6247,15 +6565,7 @@
           <a:p>
             <a:r>
               <a:rPr lang="en-US" dirty="0" smtClean="0"/>
-              <a:t>Design </a:t>
-            </a:r>
-            <a:r>
-              <a:rPr lang="mr-IN" dirty="0" smtClean="0"/>
-              <a:t>–</a:t>
-            </a:r>
-            <a:r>
-              <a:rPr lang="en-US" dirty="0" smtClean="0"/>
-              <a:t> Logic Design</a:t>
+              <a:t>Demo</a:t>
             </a:r>
             <a:endParaRPr lang="en-US" dirty="0"/>
           </a:p>
@@ -6327,15 +6637,7 @@
           <a:p>
             <a:r>
               <a:rPr lang="en-US" dirty="0" smtClean="0"/>
-              <a:t>Design </a:t>
-            </a:r>
-            <a:r>
-              <a:rPr lang="mr-IN" dirty="0" smtClean="0"/>
-              <a:t>–</a:t>
-            </a:r>
-            <a:r>
-              <a:rPr lang="en-US" dirty="0" smtClean="0"/>
-              <a:t> Logic Design</a:t>
+              <a:t>Thank you</a:t>
             </a:r>
             <a:endParaRPr lang="en-US" dirty="0"/>
           </a:p>
@@ -6364,217 +6666,6 @@
     <p:extLst>
       <p:ext uri="{BB962C8B-B14F-4D97-AF65-F5344CB8AC3E}">
         <p14:creationId xmlns:p14="http://schemas.microsoft.com/office/powerpoint/2010/main" val="430729490"/>
-      </p:ext>
-    </p:extLst>
-  </p:cSld>
-  <p:clrMapOvr>
-    <a:masterClrMapping/>
-  </p:clrMapOvr>
-</p:sld>
-</file>
-
-<file path=ppt/slides/slide17.xml><?xml version="1.0" encoding="utf-8"?>
-<p:sld xmlns:a="http://schemas.openxmlformats.org/drawingml/2006/main" xmlns:r="http://schemas.openxmlformats.org/officeDocument/2006/relationships" xmlns:p="http://schemas.openxmlformats.org/presentationml/2006/main">
-  <p:cSld>
-    <p:spTree>
-      <p:nvGrpSpPr>
-        <p:cNvPr id="1" name=""/>
-        <p:cNvGrpSpPr/>
-        <p:nvPr/>
-      </p:nvGrpSpPr>
-      <p:grpSpPr>
-        <a:xfrm>
-          <a:off x="0" y="0"/>
-          <a:ext cx="0" cy="0"/>
-          <a:chOff x="0" y="0"/>
-          <a:chExt cx="0" cy="0"/>
-        </a:xfrm>
-      </p:grpSpPr>
-      <p:sp>
-        <p:nvSpPr>
-          <p:cNvPr id="2" name="Title 1"/>
-          <p:cNvSpPr>
-            <a:spLocks noGrp="1"/>
-          </p:cNvSpPr>
-          <p:nvPr>
-            <p:ph type="title"/>
-          </p:nvPr>
-        </p:nvSpPr>
-        <p:spPr/>
-        <p:txBody>
-          <a:bodyPr/>
-          <a:lstStyle/>
-          <a:p>
-            <a:r>
-              <a:rPr lang="en-US" dirty="0" smtClean="0"/>
-              <a:t>Design </a:t>
-            </a:r>
-            <a:r>
-              <a:rPr lang="mr-IN" dirty="0" smtClean="0"/>
-              <a:t>–</a:t>
-            </a:r>
-            <a:r>
-              <a:rPr lang="en-US" dirty="0" smtClean="0"/>
-              <a:t> Logic Design</a:t>
-            </a:r>
-            <a:endParaRPr lang="en-US" dirty="0"/>
-          </a:p>
-        </p:txBody>
-      </p:sp>
-      <p:sp>
-        <p:nvSpPr>
-          <p:cNvPr id="3" name="Content Placeholder 2"/>
-          <p:cNvSpPr>
-            <a:spLocks noGrp="1"/>
-          </p:cNvSpPr>
-          <p:nvPr>
-            <p:ph idx="1"/>
-          </p:nvPr>
-        </p:nvSpPr>
-        <p:spPr/>
-        <p:txBody>
-          <a:bodyPr/>
-          <a:lstStyle/>
-          <a:p>
-            <a:endParaRPr lang="en-US" dirty="0"/>
-          </a:p>
-        </p:txBody>
-      </p:sp>
-    </p:spTree>
-    <p:extLst>
-      <p:ext uri="{BB962C8B-B14F-4D97-AF65-F5344CB8AC3E}">
-        <p14:creationId xmlns:p14="http://schemas.microsoft.com/office/powerpoint/2010/main" val="103164393"/>
-      </p:ext>
-    </p:extLst>
-  </p:cSld>
-  <p:clrMapOvr>
-    <a:masterClrMapping/>
-  </p:clrMapOvr>
-</p:sld>
-</file>
-
-<file path=ppt/slides/slide18.xml><?xml version="1.0" encoding="utf-8"?>
-<p:sld xmlns:a="http://schemas.openxmlformats.org/drawingml/2006/main" xmlns:r="http://schemas.openxmlformats.org/officeDocument/2006/relationships" xmlns:p="http://schemas.openxmlformats.org/presentationml/2006/main">
-  <p:cSld>
-    <p:spTree>
-      <p:nvGrpSpPr>
-        <p:cNvPr id="1" name=""/>
-        <p:cNvGrpSpPr/>
-        <p:nvPr/>
-      </p:nvGrpSpPr>
-      <p:grpSpPr>
-        <a:xfrm>
-          <a:off x="0" y="0"/>
-          <a:ext cx="0" cy="0"/>
-          <a:chOff x="0" y="0"/>
-          <a:chExt cx="0" cy="0"/>
-        </a:xfrm>
-      </p:grpSpPr>
-      <p:sp>
-        <p:nvSpPr>
-          <p:cNvPr id="2" name="Title 1"/>
-          <p:cNvSpPr>
-            <a:spLocks noGrp="1"/>
-          </p:cNvSpPr>
-          <p:nvPr>
-            <p:ph type="title"/>
-          </p:nvPr>
-        </p:nvSpPr>
-        <p:spPr/>
-        <p:txBody>
-          <a:bodyPr/>
-          <a:lstStyle/>
-          <a:p>
-            <a:r>
-              <a:rPr lang="en-US" altLang="zh-CN" dirty="0" smtClean="0"/>
-              <a:t>To-dos</a:t>
-            </a:r>
-            <a:endParaRPr lang="en-US" dirty="0"/>
-          </a:p>
-        </p:txBody>
-      </p:sp>
-      <p:sp>
-        <p:nvSpPr>
-          <p:cNvPr id="3" name="Content Placeholder 2"/>
-          <p:cNvSpPr>
-            <a:spLocks noGrp="1"/>
-          </p:cNvSpPr>
-          <p:nvPr>
-            <p:ph idx="1"/>
-          </p:nvPr>
-        </p:nvSpPr>
-        <p:spPr/>
-        <p:txBody>
-          <a:bodyPr/>
-          <a:lstStyle/>
-          <a:p>
-            <a:r>
-              <a:rPr lang="en-US" altLang="zh-CN" dirty="0" smtClean="0"/>
-              <a:t>Add</a:t>
-            </a:r>
-            <a:r>
-              <a:rPr lang="zh-CN" altLang="en-US" dirty="0" smtClean="0"/>
-              <a:t> </a:t>
-            </a:r>
-            <a:r>
-              <a:rPr lang="en-US" altLang="zh-CN" dirty="0" smtClean="0"/>
-              <a:t>support</a:t>
-            </a:r>
-            <a:r>
-              <a:rPr lang="zh-CN" altLang="en-US" dirty="0" smtClean="0"/>
-              <a:t> </a:t>
-            </a:r>
-            <a:r>
-              <a:rPr lang="en-US" altLang="zh-CN" dirty="0" smtClean="0"/>
-              <a:t>for</a:t>
-            </a:r>
-            <a:r>
-              <a:rPr lang="zh-CN" altLang="en-US" dirty="0" smtClean="0"/>
-              <a:t>  </a:t>
-            </a:r>
-            <a:r>
-              <a:rPr lang="en-US" altLang="zh-CN" dirty="0" smtClean="0"/>
-              <a:t>multimedia</a:t>
-            </a:r>
-            <a:r>
-              <a:rPr lang="zh-CN" altLang="en-US" dirty="0" smtClean="0"/>
-              <a:t> </a:t>
-            </a:r>
-            <a:r>
-              <a:rPr lang="en-US" altLang="zh-CN" dirty="0" smtClean="0"/>
-              <a:t>transmission;</a:t>
-            </a:r>
-          </a:p>
-          <a:p>
-            <a:endParaRPr lang="en-US" altLang="zh-CN" dirty="0"/>
-          </a:p>
-          <a:p>
-            <a:r>
-              <a:rPr lang="en-US" altLang="zh-CN" dirty="0" smtClean="0"/>
-              <a:t>Add support for Google Photos;</a:t>
-            </a:r>
-          </a:p>
-          <a:p>
-            <a:endParaRPr lang="en-US" altLang="zh-CN" dirty="0"/>
-          </a:p>
-          <a:p>
-            <a:r>
-              <a:rPr lang="en-US" altLang="zh-CN" dirty="0" smtClean="0"/>
-              <a:t>Add support for group chat.</a:t>
-            </a:r>
-          </a:p>
-          <a:p>
-            <a:endParaRPr lang="en-US" altLang="zh-CN" dirty="0"/>
-          </a:p>
-          <a:p>
-            <a:endParaRPr lang="en-US" altLang="zh-CN" dirty="0" smtClean="0"/>
-          </a:p>
-        </p:txBody>
-      </p:sp>
-    </p:spTree>
-    <p:extLst>
-      <p:ext uri="{BB962C8B-B14F-4D97-AF65-F5344CB8AC3E}">
-        <p14:creationId xmlns:p14="http://schemas.microsoft.com/office/powerpoint/2010/main" val="1523410385"/>
       </p:ext>
     </p:extLst>
   </p:cSld>
@@ -6740,7 +6831,7 @@
         <p:spPr/>
         <p:txBody>
           <a:bodyPr>
-            <a:normAutofit lnSpcReduction="10000"/>
+            <a:normAutofit fontScale="92500" lnSpcReduction="10000"/>
           </a:bodyPr>
           <a:lstStyle/>
           <a:p>
@@ -6766,12 +6857,8 @@
               <a:t> (As a way to differentiate between multiple devices, since picture transmission is not </a:t>
             </a:r>
             <a:r>
-              <a:rPr lang="en-US" altLang="zh-CN" dirty="0" err="1" smtClean="0"/>
-              <a:t>implenmented</a:t>
-            </a:r>
-            <a:r>
               <a:rPr lang="en-US" altLang="zh-CN" dirty="0" smtClean="0"/>
-              <a:t>).</a:t>
+              <a:t>implemented).</a:t>
             </a:r>
             <a:endParaRPr lang="en-US" dirty="0" smtClean="0"/>
           </a:p>
@@ -6799,8 +6886,14 @@
           <a:p>
             <a:r>
               <a:rPr lang="en-US" dirty="0" smtClean="0"/>
-              <a:t>Localization for English, Simplified Chinese and Traditional Chinese.</a:t>
-            </a:r>
+              <a:t>Localization for English, Simplified Chinese and Traditional Chinese</a:t>
+            </a:r>
+            <a:r>
+              <a:rPr lang="en-US" dirty="0" smtClean="0"/>
+              <a:t>.</a:t>
+            </a:r>
+          </a:p>
+          <a:p>
             <a:endParaRPr lang="en-US" dirty="0"/>
           </a:p>
         </p:txBody>
@@ -6886,25 +6979,29 @@
               <a:t>Activities: </a:t>
             </a:r>
             <a:r>
+              <a:rPr lang="en-US" altLang="zh-CN" dirty="0" err="1" smtClean="0"/>
+              <a:t>Main</a:t>
+            </a:r>
+            <a:r>
+              <a:rPr lang="en-US" dirty="0" err="1" smtClean="0"/>
+              <a:t>Activity</a:t>
+            </a:r>
+            <a:r>
+              <a:rPr lang="en-US" dirty="0" smtClean="0"/>
+              <a:t>, </a:t>
+            </a:r>
+            <a:r>
+              <a:rPr lang="en-US" dirty="0" err="1" smtClean="0"/>
+              <a:t>DeviceItemListActivity</a:t>
+            </a:r>
+            <a:r>
+              <a:rPr lang="en-US" dirty="0" smtClean="0"/>
+              <a:t>, </a:t>
+            </a:r>
+            <a:r>
               <a:rPr lang="en-US" dirty="0" err="1" smtClean="0"/>
               <a:t>AboutActivity</a:t>
             </a:r>
-            <a:r>
-              <a:rPr lang="en-US" dirty="0" smtClean="0"/>
-              <a:t>, </a:t>
-            </a:r>
-            <a:r>
-              <a:rPr lang="en-US" dirty="0" err="1" smtClean="0"/>
-              <a:t>DeviceItemListActivity</a:t>
-            </a:r>
-            <a:r>
-              <a:rPr lang="en-US" dirty="0" smtClean="0"/>
-              <a:t>, </a:t>
-            </a:r>
-            <a:r>
-              <a:rPr lang="en-US" dirty="0" err="1" smtClean="0"/>
-              <a:t>AboutActivity</a:t>
-            </a:r>
             <a:endParaRPr lang="en-US" dirty="0" smtClean="0"/>
           </a:p>
           <a:p>
@@ -6952,7 +7049,7 @@
       </p:sp>
       <p:pic>
         <p:nvPicPr>
-          <p:cNvPr id="4" name="Picture 3"/>
+          <p:cNvPr id="5" name="Picture 4"/>
           <p:cNvPicPr>
             <a:picLocks noChangeAspect="1"/>
           </p:cNvPicPr>
@@ -6972,8 +7069,8 @@
         </p:blipFill>
         <p:spPr>
           <a:xfrm>
-            <a:off x="8146081" y="2973742"/>
-            <a:ext cx="3390900" cy="2133600"/>
+            <a:off x="8273082" y="2941992"/>
+            <a:ext cx="3289300" cy="2197100"/>
           </a:xfrm>
           <a:prstGeom prst="rect">
             <a:avLst/>
@@ -7088,7 +7185,7 @@
       </p:sp>
       <p:pic>
         <p:nvPicPr>
-          <p:cNvPr id="5" name="Picture 4"/>
+          <p:cNvPr id="4" name="Picture 3"/>
           <p:cNvPicPr>
             <a:picLocks noChangeAspect="1"/>
           </p:cNvPicPr>
@@ -7213,16 +7310,29 @@
             </a:r>
             <a:r>
               <a:rPr lang="en-US" dirty="0" smtClean="0"/>
-              <a:t>ustomized icon will be reflected)</a:t>
-            </a:r>
-          </a:p>
-          <a:p>
-            <a:endParaRPr lang="en-US" dirty="0"/>
-          </a:p>
-          <a:p>
-            <a:r>
-              <a:rPr lang="en-US" dirty="0" smtClean="0"/>
-              <a:t>Bluetooth address on the right.</a:t>
+              <a:t>ustomized icon will be </a:t>
+            </a:r>
+            <a:r>
+              <a:rPr lang="en-US" dirty="0" smtClean="0"/>
+              <a:t>reflected here.</a:t>
+            </a:r>
+            <a:endParaRPr lang="en-US" dirty="0" smtClean="0"/>
+          </a:p>
+          <a:p>
+            <a:endParaRPr lang="en-US" dirty="0"/>
+          </a:p>
+          <a:p>
+            <a:r>
+              <a:rPr lang="en-US" dirty="0" smtClean="0"/>
+              <a:t>Bluetooth </a:t>
+            </a:r>
+            <a:r>
+              <a:rPr lang="en-US" dirty="0" smtClean="0"/>
+              <a:t>addresses </a:t>
+            </a:r>
+            <a:r>
+              <a:rPr lang="en-US" dirty="0" smtClean="0"/>
+              <a:t>on the right.</a:t>
             </a:r>
           </a:p>
           <a:p>
@@ -7341,7 +7451,15 @@
           <a:p>
             <a:r>
               <a:rPr lang="en-US" dirty="0" smtClean="0"/>
-              <a:t>Connected device name is on the left.</a:t>
+              <a:t>Connected device name is on the </a:t>
+            </a:r>
+            <a:r>
+              <a:rPr lang="en-US" dirty="0" smtClean="0"/>
+              <a:t>top-left</a:t>
+            </a:r>
+            <a:r>
+              <a:rPr lang="en-US" dirty="0" smtClean="0"/>
+              <a:t>.</a:t>
             </a:r>
           </a:p>
           <a:p>
@@ -7358,7 +7476,7 @@
       </p:sp>
       <p:pic>
         <p:nvPicPr>
-          <p:cNvPr id="5" name="Picture 4"/>
+          <p:cNvPr id="4" name="Picture 3"/>
           <p:cNvPicPr>
             <a:picLocks noChangeAspect="1"/>
           </p:cNvPicPr>
@@ -7447,35 +7565,6 @@
           </a:p>
         </p:txBody>
       </p:sp>
-      <p:pic>
-        <p:nvPicPr>
-          <p:cNvPr id="4" name="Content Placeholder 3"/>
-          <p:cNvPicPr>
-            <a:picLocks noGrp="1" noChangeAspect="1"/>
-          </p:cNvPicPr>
-          <p:nvPr>
-            <p:ph idx="1"/>
-          </p:nvPr>
-        </p:nvPicPr>
-        <p:blipFill>
-          <a:blip r:embed="rId2">
-            <a:extLst>
-              <a:ext uri="{28A0092B-C50C-407E-A947-70E740481C1C}">
-                <a14:useLocalDpi xmlns:a14="http://schemas.microsoft.com/office/drawing/2010/main" val="0"/>
-              </a:ext>
-            </a:extLst>
-          </a:blip>
-          <a:stretch>
-            <a:fillRect/>
-          </a:stretch>
-        </p:blipFill>
-        <p:spPr>
-          <a:xfrm>
-            <a:off x="8334377" y="0"/>
-            <a:ext cx="3857624" cy="6858000"/>
-          </a:xfrm>
-        </p:spPr>
-      </p:pic>
       <p:sp>
         <p:nvSpPr>
           <p:cNvPr id="5" name="Content Placeholder 2"/>
@@ -7698,41 +7787,50 @@
           <a:p>
             <a:r>
               <a:rPr lang="en-US" dirty="0" smtClean="0"/>
-              <a:t>All functions currently supported is here.</a:t>
-            </a:r>
-          </a:p>
-          <a:p>
-            <a:endParaRPr lang="en-US" dirty="0"/>
-          </a:p>
-          <a:p>
-            <a:r>
-              <a:rPr lang="en-US" dirty="0" smtClean="0"/>
-              <a:t>Chat record will be stored, also can be deleted.</a:t>
-            </a:r>
-          </a:p>
-          <a:p>
-            <a:r>
-              <a:rPr lang="en-US" dirty="0" smtClean="0"/>
-              <a:t>Upload customized icon for you or your friend.</a:t>
-            </a:r>
-          </a:p>
-          <a:p>
-            <a:r>
-              <a:rPr lang="en-US" dirty="0" smtClean="0"/>
-              <a:t>Restore the default icon for you and your friend.</a:t>
-            </a:r>
-          </a:p>
-          <a:p>
-            <a:endParaRPr lang="en-US" dirty="0"/>
-          </a:p>
-          <a:p>
-            <a:r>
-              <a:rPr lang="en-US" dirty="0" smtClean="0"/>
-              <a:t>Check author information in About section.</a:t>
-            </a:r>
-          </a:p>
-        </p:txBody>
-      </p:sp>
+              <a:t>All supported functions are shown in the drawer.</a:t>
+            </a:r>
+          </a:p>
+          <a:p>
+            <a:endParaRPr lang="en-US" dirty="0"/>
+          </a:p>
+          <a:p>
+            <a:r>
+              <a:rPr lang="en-US" dirty="0" smtClean="0"/>
+              <a:t>Your customized picture is on the top.</a:t>
+            </a:r>
+            <a:endParaRPr lang="en-US" dirty="0" smtClean="0"/>
+          </a:p>
+        </p:txBody>
+      </p:sp>
+      <p:pic>
+        <p:nvPicPr>
+          <p:cNvPr id="6" name="Content Placeholder 5"/>
+          <p:cNvPicPr>
+            <a:picLocks noGrp="1" noChangeAspect="1"/>
+          </p:cNvPicPr>
+          <p:nvPr>
+            <p:ph idx="1"/>
+          </p:nvPr>
+        </p:nvPicPr>
+        <p:blipFill>
+          <a:blip r:embed="rId2">
+            <a:extLst>
+              <a:ext uri="{28A0092B-C50C-407E-A947-70E740481C1C}">
+                <a14:useLocalDpi xmlns:a14="http://schemas.microsoft.com/office/drawing/2010/main" val="0"/>
+              </a:ext>
+            </a:extLst>
+          </a:blip>
+          <a:stretch>
+            <a:fillRect/>
+          </a:stretch>
+        </p:blipFill>
+        <p:spPr>
+          <a:xfrm>
+            <a:off x="8335209" y="1481"/>
+            <a:ext cx="3856791" cy="6856519"/>
+          </a:xfrm>
+        </p:spPr>
+      </p:pic>
     </p:spTree>
     <p:extLst>
       <p:ext uri="{BB962C8B-B14F-4D97-AF65-F5344CB8AC3E}">
@@ -7794,65 +7892,36 @@
           </a:p>
         </p:txBody>
       </p:sp>
-      <p:sp>
-        <p:nvSpPr>
-          <p:cNvPr id="3" name="Content Placeholder 2"/>
-          <p:cNvSpPr>
-            <a:spLocks noGrp="1"/>
-          </p:cNvSpPr>
-          <p:nvPr>
-            <p:ph idx="1"/>
-          </p:nvPr>
-        </p:nvSpPr>
-        <p:spPr/>
-        <p:txBody>
-          <a:bodyPr/>
-          <a:lstStyle/>
-          <a:p>
-            <a:r>
-              <a:rPr lang="en-US" dirty="0" smtClean="0"/>
-              <a:t>Core Component: Connection Manager.</a:t>
-            </a:r>
-          </a:p>
-          <a:p>
-            <a:endParaRPr lang="en-US" dirty="0"/>
-          </a:p>
-          <a:p>
-            <a:r>
-              <a:rPr lang="en-US" dirty="0" err="1" smtClean="0"/>
-              <a:t>AcceptThread</a:t>
-            </a:r>
-            <a:r>
-              <a:rPr lang="en-US" dirty="0" smtClean="0"/>
-              <a:t>: Listening to other devices’ connection requests.</a:t>
-            </a:r>
-          </a:p>
-          <a:p>
-            <a:r>
-              <a:rPr lang="en-US" dirty="0" err="1" smtClean="0"/>
-              <a:t>ConnectedThread</a:t>
-            </a:r>
-            <a:r>
-              <a:rPr lang="en-US" dirty="0" smtClean="0"/>
-              <a:t>: Manage input stream and output stream from Bluetooth socket.</a:t>
-            </a:r>
-          </a:p>
-          <a:p>
-            <a:endParaRPr lang="en-US" dirty="0"/>
-          </a:p>
-          <a:p>
-            <a:r>
-              <a:rPr lang="en-US" dirty="0" err="1" smtClean="0"/>
-              <a:t>ConnectionListener</a:t>
-            </a:r>
-            <a:r>
-              <a:rPr lang="en-US" dirty="0" smtClean="0"/>
-              <a:t>: An interface, for listening to the change of status and messages.</a:t>
-            </a:r>
-            <a:endParaRPr lang="en-US" dirty="0"/>
-          </a:p>
-        </p:txBody>
-      </p:sp>
+      <p:pic>
+        <p:nvPicPr>
+          <p:cNvPr id="7" name="Picture 6"/>
+          <p:cNvPicPr>
+            <a:picLocks noChangeAspect="1"/>
+          </p:cNvPicPr>
+          <p:nvPr/>
+        </p:nvPicPr>
+        <p:blipFill>
+          <a:blip r:embed="rId2">
+            <a:extLst>
+              <a:ext uri="{28A0092B-C50C-407E-A947-70E740481C1C}">
+                <a14:useLocalDpi xmlns:a14="http://schemas.microsoft.com/office/drawing/2010/main" val="0"/>
+              </a:ext>
+            </a:extLst>
+          </a:blip>
+          <a:stretch>
+            <a:fillRect/>
+          </a:stretch>
+        </p:blipFill>
+        <p:spPr>
+          <a:xfrm>
+            <a:off x="6696344" y="0"/>
+            <a:ext cx="5299364" cy="6858000"/>
+          </a:xfrm>
+          <a:prstGeom prst="rect">
+            <a:avLst/>
+          </a:prstGeom>
+        </p:spPr>
+      </p:pic>
     </p:spTree>
     <p:extLst>
       <p:ext uri="{BB962C8B-B14F-4D97-AF65-F5344CB8AC3E}">

--- a/Presentation.pptx
+++ b/Presentation.pptx
@@ -21,8 +21,8 @@
     <p:sldId id="267" r:id="rId12"/>
     <p:sldId id="268" r:id="rId13"/>
     <p:sldId id="269" r:id="rId14"/>
-    <p:sldId id="270" r:id="rId15"/>
-    <p:sldId id="271" r:id="rId16"/>
+    <p:sldId id="271" r:id="rId15"/>
+    <p:sldId id="270" r:id="rId16"/>
     <p:sldId id="272" r:id="rId17"/>
   </p:sldIdLst>
   <p:sldSz cx="12192000" cy="6858000"/>
@@ -212,7 +212,7 @@
           <a:p>
             <a:fld id="{B0CFBA8D-7A05-8645-AA36-59B01D9BF3EA}" type="datetimeFigureOut">
               <a:rPr lang="en-US" smtClean="0"/>
-              <a:t>6/11/17</a:t>
+              <a:t>6/13/17</a:t>
             </a:fld>
             <a:endParaRPr lang="en-US"/>
           </a:p>
@@ -480,6 +480,106 @@
 </p:notesMaster>
 </file>
 
+<file path=ppt/notesSlides/notesSlide1.xml><?xml version="1.0" encoding="utf-8"?>
+<p:notes xmlns:a="http://schemas.openxmlformats.org/drawingml/2006/main" xmlns:r="http://schemas.openxmlformats.org/officeDocument/2006/relationships" xmlns:p="http://schemas.openxmlformats.org/presentationml/2006/main">
+  <p:cSld>
+    <p:spTree>
+      <p:nvGrpSpPr>
+        <p:cNvPr id="1" name=""/>
+        <p:cNvGrpSpPr/>
+        <p:nvPr/>
+      </p:nvGrpSpPr>
+      <p:grpSpPr>
+        <a:xfrm>
+          <a:off x="0" y="0"/>
+          <a:ext cx="0" cy="0"/>
+          <a:chOff x="0" y="0"/>
+          <a:chExt cx="0" cy="0"/>
+        </a:xfrm>
+      </p:grpSpPr>
+      <p:sp>
+        <p:nvSpPr>
+          <p:cNvPr id="2" name="Slide Image Placeholder 1"/>
+          <p:cNvSpPr>
+            <a:spLocks noGrp="1" noRot="1" noChangeAspect="1"/>
+          </p:cNvSpPr>
+          <p:nvPr>
+            <p:ph type="sldImg"/>
+          </p:nvPr>
+        </p:nvSpPr>
+        <p:spPr/>
+      </p:sp>
+      <p:sp>
+        <p:nvSpPr>
+          <p:cNvPr id="3" name="Notes Placeholder 2"/>
+          <p:cNvSpPr>
+            <a:spLocks noGrp="1"/>
+          </p:cNvSpPr>
+          <p:nvPr>
+            <p:ph type="body" idx="1"/>
+          </p:nvPr>
+        </p:nvSpPr>
+        <p:spPr/>
+        <p:txBody>
+          <a:bodyPr/>
+          <a:lstStyle/>
+          <a:p>
+            <a:r>
+              <a:rPr lang="en-US" dirty="0" smtClean="0"/>
+              <a:t>Open</a:t>
+            </a:r>
+            <a:r>
+              <a:rPr lang="en-US" baseline="0" dirty="0" smtClean="0"/>
+              <a:t> a new app; connect to moto; chat; disconnect; connect to mi (chat history is still there); connect back to moto; change self pic; restore; change other pic; </a:t>
+            </a:r>
+            <a:r>
+              <a:rPr lang="en-US" baseline="0" dirty="0" err="1" smtClean="0"/>
+              <a:t>devicelist</a:t>
+            </a:r>
+            <a:r>
+              <a:rPr lang="en-US" baseline="0" dirty="0" smtClean="0"/>
+              <a:t>; restore other pic; delete history.</a:t>
+            </a:r>
+            <a:endParaRPr lang="en-US" dirty="0"/>
+          </a:p>
+        </p:txBody>
+      </p:sp>
+      <p:sp>
+        <p:nvSpPr>
+          <p:cNvPr id="4" name="Slide Number Placeholder 3"/>
+          <p:cNvSpPr>
+            <a:spLocks noGrp="1"/>
+          </p:cNvSpPr>
+          <p:nvPr>
+            <p:ph type="sldNum" sz="quarter" idx="10"/>
+          </p:nvPr>
+        </p:nvSpPr>
+        <p:spPr/>
+        <p:txBody>
+          <a:bodyPr/>
+          <a:lstStyle/>
+          <a:p>
+            <a:fld id="{DD1C8BD1-DF55-6149-982E-BBA2F698108F}" type="slidenum">
+              <a:rPr lang="en-US" smtClean="0"/>
+              <a:t>14</a:t>
+            </a:fld>
+            <a:endParaRPr lang="en-US"/>
+          </a:p>
+        </p:txBody>
+      </p:sp>
+    </p:spTree>
+    <p:extLst>
+      <p:ext uri="{BB962C8B-B14F-4D97-AF65-F5344CB8AC3E}">
+        <p14:creationId xmlns:p14="http://schemas.microsoft.com/office/powerpoint/2010/main" val="1458424272"/>
+      </p:ext>
+    </p:extLst>
+  </p:cSld>
+  <p:clrMapOvr>
+    <a:masterClrMapping/>
+  </p:clrMapOvr>
+</p:notes>
+</file>
+
 <file path=ppt/slideLayouts/slideLayout1.xml><?xml version="1.0" encoding="utf-8"?>
 <p:sldLayout xmlns:a="http://schemas.openxmlformats.org/drawingml/2006/main" xmlns:r="http://schemas.openxmlformats.org/officeDocument/2006/relationships" xmlns:p="http://schemas.openxmlformats.org/presentationml/2006/main" type="title" preserve="1">
   <p:cSld name="Title Slide">
@@ -575,7 +675,7 @@
           <a:effectLst/>
           <a:extLst>
             <a:ext uri="{91240B29-F687-4f45-9708-019B960494DF}">
-              <a14:hiddenLine xmlns="" xmlns:a14="http://schemas.microsoft.com/office/drawing/2010/main" w="9525">
+              <a14:hiddenLine xmlns:a14="http://schemas.microsoft.com/office/drawing/2010/main" xmlns="" w="9525">
                 <a:solidFill>
                   <a:srgbClr val="000000"/>
                 </a:solidFill>
@@ -768,7 +868,7 @@
             <a:fld id="{08B9EBBA-996F-894A-B54A-D6246ED52CEA}" type="datetimeFigureOut">
               <a:rPr lang="en-US" dirty="0"/>
               <a:pPr/>
-              <a:t>6/11/17</a:t>
+              <a:t>6/13/17</a:t>
             </a:fld>
             <a:endParaRPr lang="en-US" dirty="0"/>
           </a:p>
@@ -1083,7 +1183,7 @@
             <a:fld id="{18C79C5D-2A6F-F04D-97DA-BEF2467B64E4}" type="datetimeFigureOut">
               <a:rPr lang="en-US" dirty="0"/>
               <a:pPr/>
-              <a:t>6/11/17</a:t>
+              <a:t>6/13/17</a:t>
             </a:fld>
             <a:endParaRPr lang="en-US" dirty="0"/>
           </a:p>
@@ -1568,7 +1668,7 @@
             <a:fld id="{8DFA1846-DA80-1C48-A609-854EA85C59AD}" type="datetimeFigureOut">
               <a:rPr lang="en-US" dirty="0"/>
               <a:pPr/>
-              <a:t>6/11/17</a:t>
+              <a:t>6/13/17</a:t>
             </a:fld>
             <a:endParaRPr lang="en-US" dirty="0"/>
           </a:p>
@@ -1934,7 +2034,7 @@
             <a:fld id="{FBF54567-0DE4-3F47-BF90-CB84690072F9}" type="datetimeFigureOut">
               <a:rPr lang="en-US" dirty="0"/>
               <a:pPr/>
-              <a:t>6/11/17</a:t>
+              <a:t>6/13/17</a:t>
             </a:fld>
             <a:endParaRPr lang="en-US" dirty="0"/>
           </a:p>
@@ -2085,7 +2185,7 @@
           <a:ln/>
           <a:extLst>
             <a:ext uri="{91240B29-F687-4f45-9708-019B960494DF}">
-              <a14:hiddenLine xmlns="" xmlns:a14="http://schemas.microsoft.com/office/drawing/2010/main" w="9525">
+              <a14:hiddenLine xmlns:a14="http://schemas.microsoft.com/office/drawing/2010/main" xmlns="" w="9525">
                 <a:solidFill>
                   <a:srgbClr val="000000"/>
                 </a:solidFill>
@@ -2204,7 +2304,7 @@
             <a:fld id="{C6C52C72-DE31-F449-A4ED-4C594FD91407}" type="datetimeFigureOut">
               <a:rPr lang="en-US" dirty="0"/>
               <a:pPr/>
-              <a:t>6/11/17</a:t>
+              <a:t>6/13/17</a:t>
             </a:fld>
             <a:endParaRPr lang="en-US" dirty="0"/>
           </a:p>
@@ -2357,7 +2457,7 @@
           <a:ln/>
           <a:extLst>
             <a:ext uri="{91240B29-F687-4f45-9708-019B960494DF}">
-              <a14:hiddenLine xmlns="" xmlns:a14="http://schemas.microsoft.com/office/drawing/2010/main" w="9525">
+              <a14:hiddenLine xmlns:a14="http://schemas.microsoft.com/office/drawing/2010/main" xmlns="" w="9525">
                 <a:solidFill>
                   <a:srgbClr val="000000"/>
                 </a:solidFill>
@@ -2486,7 +2586,7 @@
             <a:fld id="{ED62726E-379B-B349-9EED-81ED093FA806}" type="datetimeFigureOut">
               <a:rPr lang="en-US" dirty="0"/>
               <a:pPr/>
-              <a:t>6/11/17</a:t>
+              <a:t>6/13/17</a:t>
             </a:fld>
             <a:endParaRPr lang="en-US" dirty="0"/>
           </a:p>
@@ -2637,7 +2737,7 @@
           <a:ln/>
           <a:extLst>
             <a:ext uri="{91240B29-F687-4f45-9708-019B960494DF}">
-              <a14:hiddenLine xmlns="" xmlns:a14="http://schemas.microsoft.com/office/drawing/2010/main" w="9525">
+              <a14:hiddenLine xmlns:a14="http://schemas.microsoft.com/office/drawing/2010/main" xmlns="" w="9525">
                 <a:solidFill>
                   <a:srgbClr val="000000"/>
                 </a:solidFill>
@@ -2766,7 +2866,7 @@
             <a:fld id="{9B3A1323-8D79-1946-B0D7-40001CF92E9D}" type="datetimeFigureOut">
               <a:rPr lang="en-US" dirty="0"/>
               <a:pPr/>
-              <a:t>6/11/17</a:t>
+              <a:t>6/13/17</a:t>
             </a:fld>
             <a:endParaRPr lang="en-US" dirty="0"/>
           </a:p>
@@ -3106,7 +3206,7 @@
             <a:fld id="{8DFA1846-DA80-1C48-A609-854EA85C59AD}" type="datetimeFigureOut">
               <a:rPr lang="en-US" dirty="0"/>
               <a:pPr/>
-              <a:t>6/11/17</a:t>
+              <a:t>6/13/17</a:t>
             </a:fld>
             <a:endParaRPr lang="en-US" dirty="0"/>
           </a:p>
@@ -3257,7 +3357,7 @@
           <a:ln/>
           <a:extLst>
             <a:ext uri="{91240B29-F687-4f45-9708-019B960494DF}">
-              <a14:hiddenLine xmlns="" xmlns:a14="http://schemas.microsoft.com/office/drawing/2010/main" w="9525">
+              <a14:hiddenLine xmlns:a14="http://schemas.microsoft.com/office/drawing/2010/main" xmlns="" w="9525">
                 <a:solidFill>
                   <a:srgbClr val="000000"/>
                 </a:solidFill>
@@ -3442,7 +3542,7 @@
             <a:fld id="{57302355-E14B-8545-A8F8-0FE83CC9D524}" type="datetimeFigureOut">
               <a:rPr lang="en-US" dirty="0"/>
               <a:pPr/>
-              <a:t>6/11/17</a:t>
+              <a:t>6/13/17</a:t>
             </a:fld>
             <a:endParaRPr lang="en-US" dirty="0"/>
           </a:p>
@@ -3593,7 +3693,7 @@
           <a:ln/>
           <a:extLst>
             <a:ext uri="{91240B29-F687-4f45-9708-019B960494DF}">
-              <a14:hiddenLine xmlns="" xmlns:a14="http://schemas.microsoft.com/office/drawing/2010/main" w="9525">
+              <a14:hiddenLine xmlns:a14="http://schemas.microsoft.com/office/drawing/2010/main" xmlns="" w="9525">
                 <a:solidFill>
                   <a:srgbClr val="000000"/>
                 </a:solidFill>
@@ -3916,7 +4016,7 @@
             <a:fld id="{02640F58-564D-2B4F-AE67-E407BA4FCF45}" type="datetimeFigureOut">
               <a:rPr lang="en-US" dirty="0"/>
               <a:pPr/>
-              <a:t>6/11/17</a:t>
+              <a:t>6/13/17</a:t>
             </a:fld>
             <a:endParaRPr lang="en-US" dirty="0"/>
           </a:p>
@@ -4067,7 +4167,7 @@
           <a:ln/>
           <a:extLst>
             <a:ext uri="{91240B29-F687-4f45-9708-019B960494DF}">
-              <a14:hiddenLine xmlns="" xmlns:a14="http://schemas.microsoft.com/office/drawing/2010/main" w="9525">
+              <a14:hiddenLine xmlns:a14="http://schemas.microsoft.com/office/drawing/2010/main" xmlns="" w="9525">
                 <a:solidFill>
                   <a:srgbClr val="000000"/>
                 </a:solidFill>
@@ -4134,7 +4234,7 @@
             <a:fld id="{F13A34C8-038E-2045-AF43-DF7DBB8E0E9E}" type="datetimeFigureOut">
               <a:rPr lang="en-US" dirty="0"/>
               <a:pPr/>
-              <a:t>6/11/17</a:t>
+              <a:t>6/13/17</a:t>
             </a:fld>
             <a:endParaRPr lang="en-US" dirty="0"/>
           </a:p>
@@ -4226,7 +4326,7 @@
             <a:fld id="{8818C68F-D26B-8F47-958C-23B49CF8A634}" type="datetimeFigureOut">
               <a:rPr lang="en-US" dirty="0"/>
               <a:pPr/>
-              <a:t>6/11/17</a:t>
+              <a:t>6/13/17</a:t>
             </a:fld>
             <a:endParaRPr lang="en-US" dirty="0"/>
           </a:p>
@@ -4490,7 +4590,7 @@
           <a:ln/>
           <a:extLst>
             <a:ext uri="{91240B29-F687-4f45-9708-019B960494DF}">
-              <a14:hiddenLine xmlns="" xmlns:a14="http://schemas.microsoft.com/office/drawing/2010/main" w="9525">
+              <a14:hiddenLine xmlns:a14="http://schemas.microsoft.com/office/drawing/2010/main" xmlns="" w="9525">
                 <a:solidFill>
                   <a:srgbClr val="000000"/>
                 </a:solidFill>
@@ -4690,7 +4790,7 @@
             <a:fld id="{D0DF5E60-9974-AC48-9591-99C2BB44B7CF}" type="datetimeFigureOut">
               <a:rPr lang="en-US" dirty="0"/>
               <a:pPr/>
-              <a:t>6/11/17</a:t>
+              <a:t>6/13/17</a:t>
             </a:fld>
             <a:endParaRPr lang="en-US" dirty="0"/>
           </a:p>
@@ -5000,7 +5100,7 @@
             <a:fld id="{18C79C5D-2A6F-F04D-97DA-BEF2467B64E4}" type="datetimeFigureOut">
               <a:rPr lang="en-US" dirty="0"/>
               <a:pPr/>
-              <a:t>6/11/17</a:t>
+              <a:t>6/13/17</a:t>
             </a:fld>
             <a:endParaRPr lang="en-US" dirty="0"/>
           </a:p>
@@ -5267,7 +5367,7 @@
             <a:fld id="{09B482E8-6E0E-1B4F-B1FD-C69DB9E858D9}" type="datetimeFigureOut">
               <a:rPr lang="en-US" dirty="0"/>
               <a:pPr/>
-              <a:t>6/11/17</a:t>
+              <a:t>6/13/17</a:t>
             </a:fld>
             <a:endParaRPr lang="en-US" dirty="0"/>
           </a:p>
@@ -5730,15 +5830,7 @@
           <a:p>
             <a:r>
               <a:rPr lang="en-US" dirty="0" smtClean="0"/>
-              <a:t>A </a:t>
-            </a:r>
-            <a:r>
-              <a:rPr lang="en-US" dirty="0" smtClean="0"/>
-              <a:t>Bluetooth </a:t>
-            </a:r>
-            <a:r>
-              <a:rPr lang="en-US" dirty="0" smtClean="0"/>
-              <a:t>Chat APP</a:t>
+              <a:t>A Bluetooth Chat APP</a:t>
             </a:r>
             <a:endParaRPr lang="en-US" dirty="0"/>
           </a:p>
@@ -5811,6 +5903,13 @@
   <p:clrMapOvr>
     <a:masterClrMapping/>
   </p:clrMapOvr>
+  <p:timing>
+    <p:tnLst>
+      <p:par>
+        <p:cTn id="1" dur="indefinite" restart="never" nodeType="tmRoot"/>
+      </p:par>
+    </p:tnLst>
+  </p:timing>
 </p:sld>
 </file>
 
@@ -5960,6 +6059,341 @@
   <p:clrMapOvr>
     <a:masterClrMapping/>
   </p:clrMapOvr>
+  <p:timing>
+    <p:tnLst>
+      <p:par>
+        <p:cTn id="1" dur="indefinite" restart="never" nodeType="tmRoot">
+          <p:childTnLst>
+            <p:seq concurrent="1" nextAc="seek">
+              <p:cTn id="2" dur="indefinite" nodeType="mainSeq">
+                <p:childTnLst>
+                  <p:par>
+                    <p:cTn id="3" fill="hold">
+                      <p:stCondLst>
+                        <p:cond delay="indefinite"/>
+                      </p:stCondLst>
+                      <p:childTnLst>
+                        <p:par>
+                          <p:cTn id="4" fill="hold">
+                            <p:stCondLst>
+                              <p:cond delay="0"/>
+                            </p:stCondLst>
+                            <p:childTnLst>
+                              <p:par>
+                                <p:cTn id="5" presetID="3" presetClass="entr" presetSubtype="10" fill="hold" nodeType="clickEffect">
+                                  <p:stCondLst>
+                                    <p:cond delay="0"/>
+                                  </p:stCondLst>
+                                  <p:childTnLst>
+                                    <p:set>
+                                      <p:cBhvr>
+                                        <p:cTn id="6" dur="1" fill="hold">
+                                          <p:stCondLst>
+                                            <p:cond delay="0"/>
+                                          </p:stCondLst>
+                                        </p:cTn>
+                                        <p:tgtEl>
+                                          <p:spTgt spid="3">
+                                            <p:txEl>
+                                              <p:pRg st="0" end="0"/>
+                                            </p:txEl>
+                                          </p:spTgt>
+                                        </p:tgtEl>
+                                        <p:attrNameLst>
+                                          <p:attrName>style.visibility</p:attrName>
+                                        </p:attrNameLst>
+                                      </p:cBhvr>
+                                      <p:to>
+                                        <p:strVal val="visible"/>
+                                      </p:to>
+                                    </p:set>
+                                    <p:animEffect transition="in" filter="blinds(horizontal)">
+                                      <p:cBhvr>
+                                        <p:cTn id="7" dur="500"/>
+                                        <p:tgtEl>
+                                          <p:spTgt spid="3">
+                                            <p:txEl>
+                                              <p:pRg st="0" end="0"/>
+                                            </p:txEl>
+                                          </p:spTgt>
+                                        </p:tgtEl>
+                                      </p:cBhvr>
+                                    </p:animEffect>
+                                  </p:childTnLst>
+                                </p:cTn>
+                              </p:par>
+                            </p:childTnLst>
+                          </p:cTn>
+                        </p:par>
+                      </p:childTnLst>
+                    </p:cTn>
+                  </p:par>
+                  <p:par>
+                    <p:cTn id="8" fill="hold">
+                      <p:stCondLst>
+                        <p:cond delay="indefinite"/>
+                      </p:stCondLst>
+                      <p:childTnLst>
+                        <p:par>
+                          <p:cTn id="9" fill="hold">
+                            <p:stCondLst>
+                              <p:cond delay="0"/>
+                            </p:stCondLst>
+                            <p:childTnLst>
+                              <p:par>
+                                <p:cTn id="10" presetID="3" presetClass="entr" presetSubtype="10" fill="hold" nodeType="clickEffect">
+                                  <p:stCondLst>
+                                    <p:cond delay="0"/>
+                                  </p:stCondLst>
+                                  <p:childTnLst>
+                                    <p:set>
+                                      <p:cBhvr>
+                                        <p:cTn id="11" dur="1" fill="hold">
+                                          <p:stCondLst>
+                                            <p:cond delay="0"/>
+                                          </p:stCondLst>
+                                        </p:cTn>
+                                        <p:tgtEl>
+                                          <p:spTgt spid="3">
+                                            <p:txEl>
+                                              <p:pRg st="2" end="2"/>
+                                            </p:txEl>
+                                          </p:spTgt>
+                                        </p:tgtEl>
+                                        <p:attrNameLst>
+                                          <p:attrName>style.visibility</p:attrName>
+                                        </p:attrNameLst>
+                                      </p:cBhvr>
+                                      <p:to>
+                                        <p:strVal val="visible"/>
+                                      </p:to>
+                                    </p:set>
+                                    <p:animEffect transition="in" filter="blinds(horizontal)">
+                                      <p:cBhvr>
+                                        <p:cTn id="12" dur="500"/>
+                                        <p:tgtEl>
+                                          <p:spTgt spid="3">
+                                            <p:txEl>
+                                              <p:pRg st="2" end="2"/>
+                                            </p:txEl>
+                                          </p:spTgt>
+                                        </p:tgtEl>
+                                      </p:cBhvr>
+                                    </p:animEffect>
+                                  </p:childTnLst>
+                                </p:cTn>
+                              </p:par>
+                            </p:childTnLst>
+                          </p:cTn>
+                        </p:par>
+                      </p:childTnLst>
+                    </p:cTn>
+                  </p:par>
+                  <p:par>
+                    <p:cTn id="13" fill="hold">
+                      <p:stCondLst>
+                        <p:cond delay="indefinite"/>
+                      </p:stCondLst>
+                      <p:childTnLst>
+                        <p:par>
+                          <p:cTn id="14" fill="hold">
+                            <p:stCondLst>
+                              <p:cond delay="0"/>
+                            </p:stCondLst>
+                            <p:childTnLst>
+                              <p:par>
+                                <p:cTn id="15" presetID="3" presetClass="entr" presetSubtype="10" fill="hold" nodeType="clickEffect">
+                                  <p:stCondLst>
+                                    <p:cond delay="0"/>
+                                  </p:stCondLst>
+                                  <p:childTnLst>
+                                    <p:set>
+                                      <p:cBhvr>
+                                        <p:cTn id="16" dur="1" fill="hold">
+                                          <p:stCondLst>
+                                            <p:cond delay="0"/>
+                                          </p:stCondLst>
+                                        </p:cTn>
+                                        <p:tgtEl>
+                                          <p:spTgt spid="3">
+                                            <p:txEl>
+                                              <p:pRg st="3" end="3"/>
+                                            </p:txEl>
+                                          </p:spTgt>
+                                        </p:tgtEl>
+                                        <p:attrNameLst>
+                                          <p:attrName>style.visibility</p:attrName>
+                                        </p:attrNameLst>
+                                      </p:cBhvr>
+                                      <p:to>
+                                        <p:strVal val="visible"/>
+                                      </p:to>
+                                    </p:set>
+                                    <p:animEffect transition="in" filter="blinds(horizontal)">
+                                      <p:cBhvr>
+                                        <p:cTn id="17" dur="500"/>
+                                        <p:tgtEl>
+                                          <p:spTgt spid="3">
+                                            <p:txEl>
+                                              <p:pRg st="3" end="3"/>
+                                            </p:txEl>
+                                          </p:spTgt>
+                                        </p:tgtEl>
+                                      </p:cBhvr>
+                                    </p:animEffect>
+                                  </p:childTnLst>
+                                </p:cTn>
+                              </p:par>
+                            </p:childTnLst>
+                          </p:cTn>
+                        </p:par>
+                      </p:childTnLst>
+                    </p:cTn>
+                  </p:par>
+                  <p:par>
+                    <p:cTn id="18" fill="hold">
+                      <p:stCondLst>
+                        <p:cond delay="indefinite"/>
+                      </p:stCondLst>
+                      <p:childTnLst>
+                        <p:par>
+                          <p:cTn id="19" fill="hold">
+                            <p:stCondLst>
+                              <p:cond delay="0"/>
+                            </p:stCondLst>
+                            <p:childTnLst>
+                              <p:par>
+                                <p:cTn id="20" presetID="3" presetClass="entr" presetSubtype="10" fill="hold" nodeType="clickEffect">
+                                  <p:stCondLst>
+                                    <p:cond delay="0"/>
+                                  </p:stCondLst>
+                                  <p:childTnLst>
+                                    <p:set>
+                                      <p:cBhvr>
+                                        <p:cTn id="21" dur="1" fill="hold">
+                                          <p:stCondLst>
+                                            <p:cond delay="0"/>
+                                          </p:stCondLst>
+                                        </p:cTn>
+                                        <p:tgtEl>
+                                          <p:spTgt spid="3">
+                                            <p:txEl>
+                                              <p:pRg st="4" end="4"/>
+                                            </p:txEl>
+                                          </p:spTgt>
+                                        </p:tgtEl>
+                                        <p:attrNameLst>
+                                          <p:attrName>style.visibility</p:attrName>
+                                        </p:attrNameLst>
+                                      </p:cBhvr>
+                                      <p:to>
+                                        <p:strVal val="visible"/>
+                                      </p:to>
+                                    </p:set>
+                                    <p:animEffect transition="in" filter="blinds(horizontal)">
+                                      <p:cBhvr>
+                                        <p:cTn id="22" dur="500"/>
+                                        <p:tgtEl>
+                                          <p:spTgt spid="3">
+                                            <p:txEl>
+                                              <p:pRg st="4" end="4"/>
+                                            </p:txEl>
+                                          </p:spTgt>
+                                        </p:tgtEl>
+                                      </p:cBhvr>
+                                    </p:animEffect>
+                                  </p:childTnLst>
+                                </p:cTn>
+                              </p:par>
+                            </p:childTnLst>
+                          </p:cTn>
+                        </p:par>
+                      </p:childTnLst>
+                    </p:cTn>
+                  </p:par>
+                  <p:par>
+                    <p:cTn id="23" fill="hold">
+                      <p:stCondLst>
+                        <p:cond delay="indefinite"/>
+                      </p:stCondLst>
+                      <p:childTnLst>
+                        <p:par>
+                          <p:cTn id="24" fill="hold">
+                            <p:stCondLst>
+                              <p:cond delay="0"/>
+                            </p:stCondLst>
+                            <p:childTnLst>
+                              <p:par>
+                                <p:cTn id="25" presetID="3" presetClass="entr" presetSubtype="10" fill="hold" nodeType="clickEffect">
+                                  <p:stCondLst>
+                                    <p:cond delay="0"/>
+                                  </p:stCondLst>
+                                  <p:childTnLst>
+                                    <p:set>
+                                      <p:cBhvr>
+                                        <p:cTn id="26" dur="1" fill="hold">
+                                          <p:stCondLst>
+                                            <p:cond delay="0"/>
+                                          </p:stCondLst>
+                                        </p:cTn>
+                                        <p:tgtEl>
+                                          <p:spTgt spid="3">
+                                            <p:txEl>
+                                              <p:pRg st="6" end="6"/>
+                                            </p:txEl>
+                                          </p:spTgt>
+                                        </p:tgtEl>
+                                        <p:attrNameLst>
+                                          <p:attrName>style.visibility</p:attrName>
+                                        </p:attrNameLst>
+                                      </p:cBhvr>
+                                      <p:to>
+                                        <p:strVal val="visible"/>
+                                      </p:to>
+                                    </p:set>
+                                    <p:animEffect transition="in" filter="blinds(horizontal)">
+                                      <p:cBhvr>
+                                        <p:cTn id="27" dur="500"/>
+                                        <p:tgtEl>
+                                          <p:spTgt spid="3">
+                                            <p:txEl>
+                                              <p:pRg st="6" end="6"/>
+                                            </p:txEl>
+                                          </p:spTgt>
+                                        </p:tgtEl>
+                                      </p:cBhvr>
+                                    </p:animEffect>
+                                  </p:childTnLst>
+                                </p:cTn>
+                              </p:par>
+                            </p:childTnLst>
+                          </p:cTn>
+                        </p:par>
+                      </p:childTnLst>
+                    </p:cTn>
+                  </p:par>
+                </p:childTnLst>
+              </p:cTn>
+              <p:prevCondLst>
+                <p:cond evt="onPrev" delay="0">
+                  <p:tgtEl>
+                    <p:sldTgt/>
+                  </p:tgtEl>
+                </p:cond>
+              </p:prevCondLst>
+              <p:nextCondLst>
+                <p:cond evt="onNext" delay="0">
+                  <p:tgtEl>
+                    <p:sldTgt/>
+                  </p:tgtEl>
+                </p:cond>
+              </p:nextCondLst>
+            </p:seq>
+          </p:childTnLst>
+        </p:cTn>
+      </p:par>
+    </p:tnLst>
+  </p:timing>
 </p:sld>
 </file>
 
@@ -6066,7 +6500,6 @@
               <a:rPr lang="en-US" dirty="0" smtClean="0"/>
               <a:t>, sending and receiving</a:t>
             </a:r>
-            <a:endParaRPr lang="en-US" dirty="0" smtClean="0"/>
           </a:p>
           <a:p>
             <a:endParaRPr lang="en-US" dirty="0"/>
@@ -6116,6 +6549,402 @@
   <p:clrMapOvr>
     <a:masterClrMapping/>
   </p:clrMapOvr>
+  <p:timing>
+    <p:tnLst>
+      <p:par>
+        <p:cTn id="1" dur="indefinite" restart="never" nodeType="tmRoot">
+          <p:childTnLst>
+            <p:seq concurrent="1" nextAc="seek">
+              <p:cTn id="2" dur="indefinite" nodeType="mainSeq">
+                <p:childTnLst>
+                  <p:par>
+                    <p:cTn id="3" fill="hold">
+                      <p:stCondLst>
+                        <p:cond delay="indefinite"/>
+                      </p:stCondLst>
+                      <p:childTnLst>
+                        <p:par>
+                          <p:cTn id="4" fill="hold">
+                            <p:stCondLst>
+                              <p:cond delay="0"/>
+                            </p:stCondLst>
+                            <p:childTnLst>
+                              <p:par>
+                                <p:cTn id="5" presetID="3" presetClass="entr" presetSubtype="10" fill="hold" nodeType="clickEffect">
+                                  <p:stCondLst>
+                                    <p:cond delay="0"/>
+                                  </p:stCondLst>
+                                  <p:childTnLst>
+                                    <p:set>
+                                      <p:cBhvr>
+                                        <p:cTn id="6" dur="1" fill="hold">
+                                          <p:stCondLst>
+                                            <p:cond delay="0"/>
+                                          </p:stCondLst>
+                                        </p:cTn>
+                                        <p:tgtEl>
+                                          <p:spTgt spid="3">
+                                            <p:txEl>
+                                              <p:pRg st="0" end="0"/>
+                                            </p:txEl>
+                                          </p:spTgt>
+                                        </p:tgtEl>
+                                        <p:attrNameLst>
+                                          <p:attrName>style.visibility</p:attrName>
+                                        </p:attrNameLst>
+                                      </p:cBhvr>
+                                      <p:to>
+                                        <p:strVal val="visible"/>
+                                      </p:to>
+                                    </p:set>
+                                    <p:animEffect transition="in" filter="blinds(horizontal)">
+                                      <p:cBhvr>
+                                        <p:cTn id="7" dur="500"/>
+                                        <p:tgtEl>
+                                          <p:spTgt spid="3">
+                                            <p:txEl>
+                                              <p:pRg st="0" end="0"/>
+                                            </p:txEl>
+                                          </p:spTgt>
+                                        </p:tgtEl>
+                                      </p:cBhvr>
+                                    </p:animEffect>
+                                  </p:childTnLst>
+                                </p:cTn>
+                              </p:par>
+                            </p:childTnLst>
+                          </p:cTn>
+                        </p:par>
+                      </p:childTnLst>
+                    </p:cTn>
+                  </p:par>
+                  <p:par>
+                    <p:cTn id="8" fill="hold">
+                      <p:stCondLst>
+                        <p:cond delay="indefinite"/>
+                      </p:stCondLst>
+                      <p:childTnLst>
+                        <p:par>
+                          <p:cTn id="9" fill="hold">
+                            <p:stCondLst>
+                              <p:cond delay="0"/>
+                            </p:stCondLst>
+                            <p:childTnLst>
+                              <p:par>
+                                <p:cTn id="10" presetID="3" presetClass="entr" presetSubtype="10" fill="hold" nodeType="clickEffect">
+                                  <p:stCondLst>
+                                    <p:cond delay="0"/>
+                                  </p:stCondLst>
+                                  <p:childTnLst>
+                                    <p:set>
+                                      <p:cBhvr>
+                                        <p:cTn id="11" dur="1" fill="hold">
+                                          <p:stCondLst>
+                                            <p:cond delay="0"/>
+                                          </p:stCondLst>
+                                        </p:cTn>
+                                        <p:tgtEl>
+                                          <p:spTgt spid="3">
+                                            <p:txEl>
+                                              <p:pRg st="2" end="2"/>
+                                            </p:txEl>
+                                          </p:spTgt>
+                                        </p:tgtEl>
+                                        <p:attrNameLst>
+                                          <p:attrName>style.visibility</p:attrName>
+                                        </p:attrNameLst>
+                                      </p:cBhvr>
+                                      <p:to>
+                                        <p:strVal val="visible"/>
+                                      </p:to>
+                                    </p:set>
+                                    <p:animEffect transition="in" filter="blinds(horizontal)">
+                                      <p:cBhvr>
+                                        <p:cTn id="12" dur="500"/>
+                                        <p:tgtEl>
+                                          <p:spTgt spid="3">
+                                            <p:txEl>
+                                              <p:pRg st="2" end="2"/>
+                                            </p:txEl>
+                                          </p:spTgt>
+                                        </p:tgtEl>
+                                      </p:cBhvr>
+                                    </p:animEffect>
+                                  </p:childTnLst>
+                                </p:cTn>
+                              </p:par>
+                            </p:childTnLst>
+                          </p:cTn>
+                        </p:par>
+                      </p:childTnLst>
+                    </p:cTn>
+                  </p:par>
+                  <p:par>
+                    <p:cTn id="13" fill="hold">
+                      <p:stCondLst>
+                        <p:cond delay="indefinite"/>
+                      </p:stCondLst>
+                      <p:childTnLst>
+                        <p:par>
+                          <p:cTn id="14" fill="hold">
+                            <p:stCondLst>
+                              <p:cond delay="0"/>
+                            </p:stCondLst>
+                            <p:childTnLst>
+                              <p:par>
+                                <p:cTn id="15" presetID="3" presetClass="entr" presetSubtype="10" fill="hold" nodeType="clickEffect">
+                                  <p:stCondLst>
+                                    <p:cond delay="0"/>
+                                  </p:stCondLst>
+                                  <p:childTnLst>
+                                    <p:set>
+                                      <p:cBhvr>
+                                        <p:cTn id="16" dur="1" fill="hold">
+                                          <p:stCondLst>
+                                            <p:cond delay="0"/>
+                                          </p:stCondLst>
+                                        </p:cTn>
+                                        <p:tgtEl>
+                                          <p:spTgt spid="3">
+                                            <p:txEl>
+                                              <p:pRg st="4" end="4"/>
+                                            </p:txEl>
+                                          </p:spTgt>
+                                        </p:tgtEl>
+                                        <p:attrNameLst>
+                                          <p:attrName>style.visibility</p:attrName>
+                                        </p:attrNameLst>
+                                      </p:cBhvr>
+                                      <p:to>
+                                        <p:strVal val="visible"/>
+                                      </p:to>
+                                    </p:set>
+                                    <p:animEffect transition="in" filter="blinds(horizontal)">
+                                      <p:cBhvr>
+                                        <p:cTn id="17" dur="500"/>
+                                        <p:tgtEl>
+                                          <p:spTgt spid="3">
+                                            <p:txEl>
+                                              <p:pRg st="4" end="4"/>
+                                            </p:txEl>
+                                          </p:spTgt>
+                                        </p:tgtEl>
+                                      </p:cBhvr>
+                                    </p:animEffect>
+                                  </p:childTnLst>
+                                </p:cTn>
+                              </p:par>
+                            </p:childTnLst>
+                          </p:cTn>
+                        </p:par>
+                      </p:childTnLst>
+                    </p:cTn>
+                  </p:par>
+                  <p:par>
+                    <p:cTn id="18" fill="hold">
+                      <p:stCondLst>
+                        <p:cond delay="indefinite"/>
+                      </p:stCondLst>
+                      <p:childTnLst>
+                        <p:par>
+                          <p:cTn id="19" fill="hold">
+                            <p:stCondLst>
+                              <p:cond delay="0"/>
+                            </p:stCondLst>
+                            <p:childTnLst>
+                              <p:par>
+                                <p:cTn id="20" presetID="3" presetClass="entr" presetSubtype="10" fill="hold" nodeType="clickEffect">
+                                  <p:stCondLst>
+                                    <p:cond delay="0"/>
+                                  </p:stCondLst>
+                                  <p:childTnLst>
+                                    <p:set>
+                                      <p:cBhvr>
+                                        <p:cTn id="21" dur="1" fill="hold">
+                                          <p:stCondLst>
+                                            <p:cond delay="0"/>
+                                          </p:stCondLst>
+                                        </p:cTn>
+                                        <p:tgtEl>
+                                          <p:spTgt spid="3">
+                                            <p:txEl>
+                                              <p:pRg st="6" end="6"/>
+                                            </p:txEl>
+                                          </p:spTgt>
+                                        </p:tgtEl>
+                                        <p:attrNameLst>
+                                          <p:attrName>style.visibility</p:attrName>
+                                        </p:attrNameLst>
+                                      </p:cBhvr>
+                                      <p:to>
+                                        <p:strVal val="visible"/>
+                                      </p:to>
+                                    </p:set>
+                                    <p:animEffect transition="in" filter="blinds(horizontal)">
+                                      <p:cBhvr>
+                                        <p:cTn id="22" dur="500"/>
+                                        <p:tgtEl>
+                                          <p:spTgt spid="3">
+                                            <p:txEl>
+                                              <p:pRg st="6" end="6"/>
+                                            </p:txEl>
+                                          </p:spTgt>
+                                        </p:tgtEl>
+                                      </p:cBhvr>
+                                    </p:animEffect>
+                                  </p:childTnLst>
+                                </p:cTn>
+                              </p:par>
+                            </p:childTnLst>
+                          </p:cTn>
+                        </p:par>
+                      </p:childTnLst>
+                    </p:cTn>
+                  </p:par>
+                  <p:par>
+                    <p:cTn id="23" fill="hold">
+                      <p:stCondLst>
+                        <p:cond delay="indefinite"/>
+                      </p:stCondLst>
+                      <p:childTnLst>
+                        <p:par>
+                          <p:cTn id="24" fill="hold">
+                            <p:stCondLst>
+                              <p:cond delay="0"/>
+                            </p:stCondLst>
+                            <p:childTnLst>
+                              <p:par>
+                                <p:cTn id="25" presetID="3" presetClass="entr" presetSubtype="10" fill="hold" nodeType="clickEffect">
+                                  <p:stCondLst>
+                                    <p:cond delay="0"/>
+                                  </p:stCondLst>
+                                  <p:childTnLst>
+                                    <p:set>
+                                      <p:cBhvr>
+                                        <p:cTn id="26" dur="1" fill="hold">
+                                          <p:stCondLst>
+                                            <p:cond delay="0"/>
+                                          </p:stCondLst>
+                                        </p:cTn>
+                                        <p:tgtEl>
+                                          <p:spTgt spid="3">
+                                            <p:txEl>
+                                              <p:pRg st="8" end="8"/>
+                                            </p:txEl>
+                                          </p:spTgt>
+                                        </p:tgtEl>
+                                        <p:attrNameLst>
+                                          <p:attrName>style.visibility</p:attrName>
+                                        </p:attrNameLst>
+                                      </p:cBhvr>
+                                      <p:to>
+                                        <p:strVal val="visible"/>
+                                      </p:to>
+                                    </p:set>
+                                    <p:animEffect transition="in" filter="blinds(horizontal)">
+                                      <p:cBhvr>
+                                        <p:cTn id="27" dur="500"/>
+                                        <p:tgtEl>
+                                          <p:spTgt spid="3">
+                                            <p:txEl>
+                                              <p:pRg st="8" end="8"/>
+                                            </p:txEl>
+                                          </p:spTgt>
+                                        </p:tgtEl>
+                                      </p:cBhvr>
+                                    </p:animEffect>
+                                  </p:childTnLst>
+                                </p:cTn>
+                              </p:par>
+                            </p:childTnLst>
+                          </p:cTn>
+                        </p:par>
+                      </p:childTnLst>
+                    </p:cTn>
+                  </p:par>
+                  <p:par>
+                    <p:cTn id="28" fill="hold">
+                      <p:stCondLst>
+                        <p:cond delay="indefinite"/>
+                      </p:stCondLst>
+                      <p:childTnLst>
+                        <p:par>
+                          <p:cTn id="29" fill="hold">
+                            <p:stCondLst>
+                              <p:cond delay="0"/>
+                            </p:stCondLst>
+                            <p:childTnLst>
+                              <p:par>
+                                <p:cTn id="30" presetID="3" presetClass="entr" presetSubtype="10" fill="hold" nodeType="clickEffect">
+                                  <p:stCondLst>
+                                    <p:cond delay="0"/>
+                                  </p:stCondLst>
+                                  <p:childTnLst>
+                                    <p:set>
+                                      <p:cBhvr>
+                                        <p:cTn id="31" dur="1" fill="hold">
+                                          <p:stCondLst>
+                                            <p:cond delay="0"/>
+                                          </p:stCondLst>
+                                        </p:cTn>
+                                        <p:tgtEl>
+                                          <p:spTgt spid="3">
+                                            <p:txEl>
+                                              <p:pRg st="10" end="10"/>
+                                            </p:txEl>
+                                          </p:spTgt>
+                                        </p:tgtEl>
+                                        <p:attrNameLst>
+                                          <p:attrName>style.visibility</p:attrName>
+                                        </p:attrNameLst>
+                                      </p:cBhvr>
+                                      <p:to>
+                                        <p:strVal val="visible"/>
+                                      </p:to>
+                                    </p:set>
+                                    <p:animEffect transition="in" filter="blinds(horizontal)">
+                                      <p:cBhvr>
+                                        <p:cTn id="32" dur="500"/>
+                                        <p:tgtEl>
+                                          <p:spTgt spid="3">
+                                            <p:txEl>
+                                              <p:pRg st="10" end="10"/>
+                                            </p:txEl>
+                                          </p:spTgt>
+                                        </p:tgtEl>
+                                      </p:cBhvr>
+                                    </p:animEffect>
+                                  </p:childTnLst>
+                                </p:cTn>
+                              </p:par>
+                            </p:childTnLst>
+                          </p:cTn>
+                        </p:par>
+                      </p:childTnLst>
+                    </p:cTn>
+                  </p:par>
+                </p:childTnLst>
+              </p:cTn>
+              <p:prevCondLst>
+                <p:cond evt="onPrev" delay="0">
+                  <p:tgtEl>
+                    <p:sldTgt/>
+                  </p:tgtEl>
+                </p:cond>
+              </p:prevCondLst>
+              <p:nextCondLst>
+                <p:cond evt="onNext" delay="0">
+                  <p:tgtEl>
+                    <p:sldTgt/>
+                  </p:tgtEl>
+                </p:cond>
+              </p:nextCondLst>
+            </p:seq>
+          </p:childTnLst>
+        </p:cTn>
+      </p:par>
+    </p:tnLst>
+  </p:timing>
 </p:sld>
 </file>
 
@@ -6250,6 +7079,262 @@
   <p:clrMapOvr>
     <a:masterClrMapping/>
   </p:clrMapOvr>
+  <p:timing>
+    <p:tnLst>
+      <p:par>
+        <p:cTn id="1" dur="indefinite" restart="never" nodeType="tmRoot">
+          <p:childTnLst>
+            <p:seq concurrent="1" nextAc="seek">
+              <p:cTn id="2" dur="indefinite" nodeType="mainSeq">
+                <p:childTnLst>
+                  <p:par>
+                    <p:cTn id="3" fill="hold">
+                      <p:stCondLst>
+                        <p:cond delay="indefinite"/>
+                      </p:stCondLst>
+                      <p:childTnLst>
+                        <p:par>
+                          <p:cTn id="4" fill="hold">
+                            <p:stCondLst>
+                              <p:cond delay="0"/>
+                            </p:stCondLst>
+                            <p:childTnLst>
+                              <p:par>
+                                <p:cTn id="5" presetID="3" presetClass="entr" presetSubtype="10" fill="hold" nodeType="clickEffect">
+                                  <p:stCondLst>
+                                    <p:cond delay="0"/>
+                                  </p:stCondLst>
+                                  <p:childTnLst>
+                                    <p:set>
+                                      <p:cBhvr>
+                                        <p:cTn id="6" dur="1" fill="hold">
+                                          <p:stCondLst>
+                                            <p:cond delay="0"/>
+                                          </p:stCondLst>
+                                        </p:cTn>
+                                        <p:tgtEl>
+                                          <p:spTgt spid="3">
+                                            <p:txEl>
+                                              <p:pRg st="0" end="0"/>
+                                            </p:txEl>
+                                          </p:spTgt>
+                                        </p:tgtEl>
+                                        <p:attrNameLst>
+                                          <p:attrName>style.visibility</p:attrName>
+                                        </p:attrNameLst>
+                                      </p:cBhvr>
+                                      <p:to>
+                                        <p:strVal val="visible"/>
+                                      </p:to>
+                                    </p:set>
+                                    <p:animEffect transition="in" filter="blinds(horizontal)">
+                                      <p:cBhvr>
+                                        <p:cTn id="7" dur="500"/>
+                                        <p:tgtEl>
+                                          <p:spTgt spid="3">
+                                            <p:txEl>
+                                              <p:pRg st="0" end="0"/>
+                                            </p:txEl>
+                                          </p:spTgt>
+                                        </p:tgtEl>
+                                      </p:cBhvr>
+                                    </p:animEffect>
+                                  </p:childTnLst>
+                                </p:cTn>
+                              </p:par>
+                            </p:childTnLst>
+                          </p:cTn>
+                        </p:par>
+                      </p:childTnLst>
+                    </p:cTn>
+                  </p:par>
+                  <p:par>
+                    <p:cTn id="8" fill="hold">
+                      <p:stCondLst>
+                        <p:cond delay="indefinite"/>
+                      </p:stCondLst>
+                      <p:childTnLst>
+                        <p:par>
+                          <p:cTn id="9" fill="hold">
+                            <p:stCondLst>
+                              <p:cond delay="0"/>
+                            </p:stCondLst>
+                            <p:childTnLst>
+                              <p:par>
+                                <p:cTn id="10" presetID="3" presetClass="entr" presetSubtype="10" fill="hold" nodeType="clickEffect">
+                                  <p:stCondLst>
+                                    <p:cond delay="0"/>
+                                  </p:stCondLst>
+                                  <p:childTnLst>
+                                    <p:set>
+                                      <p:cBhvr>
+                                        <p:cTn id="11" dur="1" fill="hold">
+                                          <p:stCondLst>
+                                            <p:cond delay="0"/>
+                                          </p:stCondLst>
+                                        </p:cTn>
+                                        <p:tgtEl>
+                                          <p:spTgt spid="3">
+                                            <p:txEl>
+                                              <p:pRg st="2" end="2"/>
+                                            </p:txEl>
+                                          </p:spTgt>
+                                        </p:tgtEl>
+                                        <p:attrNameLst>
+                                          <p:attrName>style.visibility</p:attrName>
+                                        </p:attrNameLst>
+                                      </p:cBhvr>
+                                      <p:to>
+                                        <p:strVal val="visible"/>
+                                      </p:to>
+                                    </p:set>
+                                    <p:animEffect transition="in" filter="blinds(horizontal)">
+                                      <p:cBhvr>
+                                        <p:cTn id="12" dur="500"/>
+                                        <p:tgtEl>
+                                          <p:spTgt spid="3">
+                                            <p:txEl>
+                                              <p:pRg st="2" end="2"/>
+                                            </p:txEl>
+                                          </p:spTgt>
+                                        </p:tgtEl>
+                                      </p:cBhvr>
+                                    </p:animEffect>
+                                  </p:childTnLst>
+                                </p:cTn>
+                              </p:par>
+                            </p:childTnLst>
+                          </p:cTn>
+                        </p:par>
+                      </p:childTnLst>
+                    </p:cTn>
+                  </p:par>
+                  <p:par>
+                    <p:cTn id="13" fill="hold">
+                      <p:stCondLst>
+                        <p:cond delay="indefinite"/>
+                      </p:stCondLst>
+                      <p:childTnLst>
+                        <p:par>
+                          <p:cTn id="14" fill="hold">
+                            <p:stCondLst>
+                              <p:cond delay="0"/>
+                            </p:stCondLst>
+                            <p:childTnLst>
+                              <p:par>
+                                <p:cTn id="15" presetID="3" presetClass="entr" presetSubtype="10" fill="hold" nodeType="clickEffect">
+                                  <p:stCondLst>
+                                    <p:cond delay="0"/>
+                                  </p:stCondLst>
+                                  <p:childTnLst>
+                                    <p:set>
+                                      <p:cBhvr>
+                                        <p:cTn id="16" dur="1" fill="hold">
+                                          <p:stCondLst>
+                                            <p:cond delay="0"/>
+                                          </p:stCondLst>
+                                        </p:cTn>
+                                        <p:tgtEl>
+                                          <p:spTgt spid="3">
+                                            <p:txEl>
+                                              <p:pRg st="4" end="4"/>
+                                            </p:txEl>
+                                          </p:spTgt>
+                                        </p:tgtEl>
+                                        <p:attrNameLst>
+                                          <p:attrName>style.visibility</p:attrName>
+                                        </p:attrNameLst>
+                                      </p:cBhvr>
+                                      <p:to>
+                                        <p:strVal val="visible"/>
+                                      </p:to>
+                                    </p:set>
+                                    <p:animEffect transition="in" filter="blinds(horizontal)">
+                                      <p:cBhvr>
+                                        <p:cTn id="17" dur="500"/>
+                                        <p:tgtEl>
+                                          <p:spTgt spid="3">
+                                            <p:txEl>
+                                              <p:pRg st="4" end="4"/>
+                                            </p:txEl>
+                                          </p:spTgt>
+                                        </p:tgtEl>
+                                      </p:cBhvr>
+                                    </p:animEffect>
+                                  </p:childTnLst>
+                                </p:cTn>
+                              </p:par>
+                              <p:par>
+                                <p:cTn id="18" presetID="3" presetClass="entr" presetSubtype="10" fill="hold" nodeType="withEffect">
+                                  <p:stCondLst>
+                                    <p:cond delay="0"/>
+                                  </p:stCondLst>
+                                  <p:childTnLst>
+                                    <p:set>
+                                      <p:cBhvr>
+                                        <p:cTn id="19" dur="1" fill="hold">
+                                          <p:stCondLst>
+                                            <p:cond delay="0"/>
+                                          </p:stCondLst>
+                                        </p:cTn>
+                                        <p:tgtEl>
+                                          <p:spTgt spid="3">
+                                            <p:txEl>
+                                              <p:pRg st="5" end="5"/>
+                                            </p:txEl>
+                                          </p:spTgt>
+                                        </p:tgtEl>
+                                        <p:attrNameLst>
+                                          <p:attrName>style.visibility</p:attrName>
+                                        </p:attrNameLst>
+                                      </p:cBhvr>
+                                      <p:to>
+                                        <p:strVal val="visible"/>
+                                      </p:to>
+                                    </p:set>
+                                    <p:animEffect transition="in" filter="blinds(horizontal)">
+                                      <p:cBhvr>
+                                        <p:cTn id="20" dur="500"/>
+                                        <p:tgtEl>
+                                          <p:spTgt spid="3">
+                                            <p:txEl>
+                                              <p:pRg st="5" end="5"/>
+                                            </p:txEl>
+                                          </p:spTgt>
+                                        </p:tgtEl>
+                                      </p:cBhvr>
+                                    </p:animEffect>
+                                  </p:childTnLst>
+                                </p:cTn>
+                              </p:par>
+                            </p:childTnLst>
+                          </p:cTn>
+                        </p:par>
+                      </p:childTnLst>
+                    </p:cTn>
+                  </p:par>
+                </p:childTnLst>
+              </p:cTn>
+              <p:prevCondLst>
+                <p:cond evt="onPrev" delay="0">
+                  <p:tgtEl>
+                    <p:sldTgt/>
+                  </p:tgtEl>
+                </p:cond>
+              </p:prevCondLst>
+              <p:nextCondLst>
+                <p:cond evt="onNext" delay="0">
+                  <p:tgtEl>
+                    <p:sldTgt/>
+                  </p:tgtEl>
+                </p:cond>
+              </p:nextCondLst>
+            </p:seq>
+          </p:childTnLst>
+        </p:cTn>
+      </p:par>
+    </p:tnLst>
+  </p:timing>
 </p:sld>
 </file>
 
@@ -6295,11 +7380,7 @@
             </a:r>
             <a:r>
               <a:rPr lang="en-US" dirty="0" smtClean="0"/>
-              <a:t> </a:t>
-            </a:r>
-            <a:r>
-              <a:rPr lang="en-US" dirty="0" smtClean="0"/>
-              <a:t>from the class to the project</a:t>
+              <a:t> from the class to the project</a:t>
             </a:r>
             <a:endParaRPr lang="en-US" dirty="0"/>
           </a:p>
@@ -6339,8 +7420,13 @@
             </a:r>
             <a:r>
               <a:rPr lang="en-US" dirty="0" smtClean="0"/>
-              <a:t> tasks</a:t>
-            </a:r>
+              <a:t> </a:t>
+            </a:r>
+            <a:r>
+              <a:rPr lang="en-US" dirty="0" smtClean="0"/>
+              <a:t>tasks &amp; Multithreading</a:t>
+            </a:r>
+            <a:endParaRPr lang="en-US" dirty="0" smtClean="0"/>
           </a:p>
           <a:p>
             <a:r>
@@ -6404,6 +7490,13 @@
   <p:clrMapOvr>
     <a:masterClrMapping/>
   </p:clrMapOvr>
+  <p:timing>
+    <p:tnLst>
+      <p:par>
+        <p:cTn id="1" dur="indefinite" restart="never" nodeType="tmRoot"/>
+      </p:par>
+    </p:tnLst>
+  </p:timing>
 </p:sld>
 </file>
 
@@ -6441,19 +7534,7 @@
           <a:p>
             <a:r>
               <a:rPr lang="en-US" dirty="0" smtClean="0"/>
-              <a:t>Design </a:t>
-            </a:r>
-            <a:r>
-              <a:rPr lang="mr-IN" dirty="0" smtClean="0"/>
-              <a:t>–</a:t>
-            </a:r>
-            <a:r>
-              <a:rPr lang="en-US" dirty="0" smtClean="0"/>
-              <a:t> </a:t>
-            </a:r>
-            <a:r>
-              <a:rPr lang="en-US" dirty="0" smtClean="0"/>
-              <a:t>Future Design</a:t>
+              <a:t>Demo</a:t>
             </a:r>
             <a:endParaRPr lang="en-US" dirty="0"/>
           </a:p>
@@ -6474,46 +7555,6 @@
           <a:bodyPr/>
           <a:lstStyle/>
           <a:p>
-            <a:r>
-              <a:rPr lang="en-US" dirty="0" smtClean="0"/>
-              <a:t>Multimedia message types: audio, video, meme</a:t>
-            </a:r>
-          </a:p>
-          <a:p>
-            <a:endParaRPr lang="en-US" dirty="0"/>
-          </a:p>
-          <a:p>
-            <a:r>
-              <a:rPr lang="en-US" dirty="0" smtClean="0"/>
-              <a:t>Customized UI other than android default UI</a:t>
-            </a:r>
-          </a:p>
-          <a:p>
-            <a:endParaRPr lang="en-US" dirty="0"/>
-          </a:p>
-          <a:p>
-            <a:r>
-              <a:rPr lang="en-US" dirty="0" smtClean="0"/>
-              <a:t>Support for group chat</a:t>
-            </a:r>
-          </a:p>
-          <a:p>
-            <a:endParaRPr lang="en-US" dirty="0"/>
-          </a:p>
-          <a:p>
-            <a:r>
-              <a:rPr lang="en-US" dirty="0" smtClean="0"/>
-              <a:t>Ad-hoc communication</a:t>
-            </a:r>
-          </a:p>
-          <a:p>
-            <a:endParaRPr lang="en-US" dirty="0"/>
-          </a:p>
-          <a:p>
-            <a:r>
-              <a:rPr lang="mr-IN" dirty="0" smtClean="0"/>
-              <a:t>…</a:t>
-            </a:r>
             <a:endParaRPr lang="en-US" dirty="0"/>
           </a:p>
         </p:txBody>
@@ -6521,13 +7562,20 @@
     </p:spTree>
     <p:extLst>
       <p:ext uri="{BB962C8B-B14F-4D97-AF65-F5344CB8AC3E}">
-        <p14:creationId xmlns:p14="http://schemas.microsoft.com/office/powerpoint/2010/main" val="1951277316"/>
+        <p14:creationId xmlns:p14="http://schemas.microsoft.com/office/powerpoint/2010/main" val="895076675"/>
       </p:ext>
     </p:extLst>
   </p:cSld>
   <p:clrMapOvr>
     <a:masterClrMapping/>
   </p:clrMapOvr>
+  <p:timing>
+    <p:tnLst>
+      <p:par>
+        <p:cTn id="1" dur="indefinite" restart="never" nodeType="tmRoot"/>
+      </p:par>
+    </p:tnLst>
+  </p:timing>
 </p:sld>
 </file>
 
@@ -6565,7 +7613,15 @@
           <a:p>
             <a:r>
               <a:rPr lang="en-US" dirty="0" smtClean="0"/>
-              <a:t>Demo</a:t>
+              <a:t>Design </a:t>
+            </a:r>
+            <a:r>
+              <a:rPr lang="mr-IN" dirty="0" smtClean="0"/>
+              <a:t>–</a:t>
+            </a:r>
+            <a:r>
+              <a:rPr lang="en-US" dirty="0" smtClean="0"/>
+              <a:t> Future Design</a:t>
             </a:r>
             <a:endParaRPr lang="en-US" dirty="0"/>
           </a:p>
@@ -6586,6 +7642,46 @@
           <a:bodyPr/>
           <a:lstStyle/>
           <a:p>
+            <a:r>
+              <a:rPr lang="en-US" dirty="0" smtClean="0"/>
+              <a:t>Multimedia message types: audio, video, meme</a:t>
+            </a:r>
+          </a:p>
+          <a:p>
+            <a:endParaRPr lang="en-US" dirty="0"/>
+          </a:p>
+          <a:p>
+            <a:r>
+              <a:rPr lang="en-US" dirty="0" smtClean="0"/>
+              <a:t>Customized UI other than android default UI</a:t>
+            </a:r>
+          </a:p>
+          <a:p>
+            <a:endParaRPr lang="en-US" dirty="0"/>
+          </a:p>
+          <a:p>
+            <a:r>
+              <a:rPr lang="en-US" dirty="0" smtClean="0"/>
+              <a:t>Support for group chat</a:t>
+            </a:r>
+          </a:p>
+          <a:p>
+            <a:endParaRPr lang="en-US" dirty="0"/>
+          </a:p>
+          <a:p>
+            <a:r>
+              <a:rPr lang="en-US" dirty="0" smtClean="0"/>
+              <a:t>Ad-hoc communication</a:t>
+            </a:r>
+          </a:p>
+          <a:p>
+            <a:endParaRPr lang="en-US" dirty="0"/>
+          </a:p>
+          <a:p>
+            <a:r>
+              <a:rPr lang="mr-IN" dirty="0" smtClean="0"/>
+              <a:t>…</a:t>
+            </a:r>
             <a:endParaRPr lang="en-US" dirty="0"/>
           </a:p>
         </p:txBody>
@@ -6593,13 +7689,20 @@
     </p:spTree>
     <p:extLst>
       <p:ext uri="{BB962C8B-B14F-4D97-AF65-F5344CB8AC3E}">
-        <p14:creationId xmlns:p14="http://schemas.microsoft.com/office/powerpoint/2010/main" val="895076675"/>
+        <p14:creationId xmlns:p14="http://schemas.microsoft.com/office/powerpoint/2010/main" val="1951277316"/>
       </p:ext>
     </p:extLst>
   </p:cSld>
   <p:clrMapOvr>
     <a:masterClrMapping/>
   </p:clrMapOvr>
+  <p:timing>
+    <p:tnLst>
+      <p:par>
+        <p:cTn id="1" dur="indefinite" restart="never" nodeType="tmRoot"/>
+      </p:par>
+    </p:tnLst>
+  </p:timing>
 </p:sld>
 </file>
 
@@ -6672,6 +7775,13 @@
   <p:clrMapOvr>
     <a:masterClrMapping/>
   </p:clrMapOvr>
+  <p:timing>
+    <p:tnLst>
+      <p:par>
+        <p:cTn id="1" dur="indefinite" restart="never" nodeType="tmRoot"/>
+      </p:par>
+    </p:tnLst>
+  </p:timing>
 </p:sld>
 </file>
 
@@ -6759,7 +7869,15 @@
           <a:p>
             <a:r>
               <a:rPr lang="en-US" altLang="zh-CN" dirty="0" smtClean="0"/>
-              <a:t>To-dos</a:t>
+              <a:t>Future</a:t>
+            </a:r>
+            <a:r>
+              <a:rPr lang="zh-CN" altLang="en-US" dirty="0" smtClean="0"/>
+              <a:t> </a:t>
+            </a:r>
+            <a:r>
+              <a:rPr lang="en-US" altLang="zh-CN" dirty="0" smtClean="0"/>
+              <a:t>Design</a:t>
             </a:r>
             <a:endParaRPr lang="en-US" dirty="0"/>
           </a:p>
@@ -6775,6 +7893,13 @@
   <p:clrMapOvr>
     <a:masterClrMapping/>
   </p:clrMapOvr>
+  <p:timing>
+    <p:tnLst>
+      <p:par>
+        <p:cTn id="1" dur="indefinite" restart="never" nodeType="tmRoot"/>
+      </p:par>
+    </p:tnLst>
+  </p:timing>
 </p:sld>
 </file>
 
@@ -6846,7 +7971,15 @@
           <a:p>
             <a:r>
               <a:rPr lang="en-US" dirty="0" smtClean="0"/>
-              <a:t>Choose customized icon for your or your friend.</a:t>
+              <a:t>Choose customized icon for </a:t>
+            </a:r>
+            <a:r>
+              <a:rPr lang="en-US" dirty="0" smtClean="0"/>
+              <a:t>yourself </a:t>
+            </a:r>
+            <a:r>
+              <a:rPr lang="en-US" dirty="0" smtClean="0"/>
+              <a:t>or your friend.</a:t>
             </a:r>
             <a:r>
               <a:rPr lang="zh-CN" altLang="en-US" dirty="0" smtClean="0"/>
@@ -6854,11 +7987,7 @@
             </a:r>
             <a:r>
               <a:rPr lang="en-US" altLang="zh-CN" dirty="0" smtClean="0"/>
-              <a:t> (As a way to differentiate between multiple devices, since picture transmission is not </a:t>
-            </a:r>
-            <a:r>
-              <a:rPr lang="en-US" altLang="zh-CN" dirty="0" smtClean="0"/>
-              <a:t>implemented).</a:t>
+              <a:t> (As a way to differentiate between multiple devices, since picture transmission is not implemented).</a:t>
             </a:r>
             <a:endParaRPr lang="en-US" dirty="0" smtClean="0"/>
           </a:p>
@@ -6877,20 +8006,21 @@
           <a:p>
             <a:r>
               <a:rPr lang="en-US" dirty="0" smtClean="0"/>
-              <a:t>History will never lost after restart.</a:t>
-            </a:r>
-          </a:p>
-          <a:p>
-            <a:endParaRPr lang="en-US" dirty="0"/>
-          </a:p>
-          <a:p>
+              <a:t>History will never lost after restart</a:t>
+            </a:r>
             <a:r>
               <a:rPr lang="en-US" dirty="0" smtClean="0"/>
-              <a:t>Localization for English, Simplified Chinese and Traditional Chinese</a:t>
-            </a:r>
+              <a:t>. Unless you delete it.</a:t>
+            </a:r>
+            <a:endParaRPr lang="en-US" dirty="0" smtClean="0"/>
+          </a:p>
+          <a:p>
+            <a:endParaRPr lang="en-US" dirty="0"/>
+          </a:p>
+          <a:p>
             <a:r>
               <a:rPr lang="en-US" dirty="0" smtClean="0"/>
-              <a:t>.</a:t>
+              <a:t>Localization for English, Simplified Chinese and Traditional Chinese.</a:t>
             </a:r>
           </a:p>
           <a:p>
@@ -6908,6 +8038,13 @@
   <p:clrMapOvr>
     <a:masterClrMapping/>
   </p:clrMapOvr>
+  <p:timing>
+    <p:tnLst>
+      <p:par>
+        <p:cTn id="1" dur="indefinite" restart="never" nodeType="tmRoot"/>
+      </p:par>
+    </p:tnLst>
+  </p:timing>
 </p:sld>
 </file>
 
@@ -7087,6 +8224,13 @@
   <p:clrMapOvr>
     <a:masterClrMapping/>
   </p:clrMapOvr>
+  <p:timing>
+    <p:tnLst>
+      <p:par>
+        <p:cTn id="1" dur="indefinite" restart="never" nodeType="tmRoot"/>
+      </p:par>
+    </p:tnLst>
+  </p:timing>
 </p:sld>
 </file>
 
@@ -7223,6 +8367,13 @@
   <p:clrMapOvr>
     <a:masterClrMapping/>
   </p:clrMapOvr>
+  <p:timing>
+    <p:tnLst>
+      <p:par>
+        <p:cTn id="1" dur="indefinite" restart="never" nodeType="tmRoot"/>
+      </p:par>
+    </p:tnLst>
+  </p:timing>
 </p:sld>
 </file>
 
@@ -7310,29 +8461,16 @@
             </a:r>
             <a:r>
               <a:rPr lang="en-US" dirty="0" smtClean="0"/>
-              <a:t>ustomized icon will be </a:t>
-            </a:r>
+              <a:t>ustomized icon will be reflected here.</a:t>
+            </a:r>
+          </a:p>
+          <a:p>
+            <a:endParaRPr lang="en-US" dirty="0"/>
+          </a:p>
+          <a:p>
             <a:r>
               <a:rPr lang="en-US" dirty="0" smtClean="0"/>
-              <a:t>reflected here.</a:t>
-            </a:r>
-            <a:endParaRPr lang="en-US" dirty="0" smtClean="0"/>
-          </a:p>
-          <a:p>
-            <a:endParaRPr lang="en-US" dirty="0"/>
-          </a:p>
-          <a:p>
-            <a:r>
-              <a:rPr lang="en-US" dirty="0" smtClean="0"/>
-              <a:t>Bluetooth </a:t>
-            </a:r>
-            <a:r>
-              <a:rPr lang="en-US" dirty="0" smtClean="0"/>
-              <a:t>addresses </a:t>
-            </a:r>
-            <a:r>
-              <a:rPr lang="en-US" dirty="0" smtClean="0"/>
-              <a:t>on the right.</a:t>
+              <a:t>Bluetooth addresses on the right.</a:t>
             </a:r>
           </a:p>
           <a:p>
@@ -7383,6 +8521,13 @@
   <p:clrMapOvr>
     <a:masterClrMapping/>
   </p:clrMapOvr>
+  <p:timing>
+    <p:tnLst>
+      <p:par>
+        <p:cTn id="1" dur="indefinite" restart="never" nodeType="tmRoot"/>
+      </p:par>
+    </p:tnLst>
+  </p:timing>
 </p:sld>
 </file>
 
@@ -7451,15 +8596,7 @@
           <a:p>
             <a:r>
               <a:rPr lang="en-US" dirty="0" smtClean="0"/>
-              <a:t>Connected device name is on the </a:t>
-            </a:r>
-            <a:r>
-              <a:rPr lang="en-US" dirty="0" smtClean="0"/>
-              <a:t>top-left</a:t>
-            </a:r>
-            <a:r>
-              <a:rPr lang="en-US" dirty="0" smtClean="0"/>
-              <a:t>.</a:t>
+              <a:t>Connected device name is on the top-left.</a:t>
             </a:r>
           </a:p>
           <a:p>
@@ -7476,7 +8613,7 @@
       </p:sp>
       <p:pic>
         <p:nvPicPr>
-          <p:cNvPr id="4" name="Picture 3"/>
+          <p:cNvPr id="5" name="Picture 4"/>
           <p:cNvPicPr>
             <a:picLocks noChangeAspect="1"/>
           </p:cNvPicPr>
@@ -7514,6 +8651,13 @@
   <p:clrMapOvr>
     <a:masterClrMapping/>
   </p:clrMapOvr>
+  <p:timing>
+    <p:tnLst>
+      <p:par>
+        <p:cTn id="1" dur="indefinite" restart="never" nodeType="tmRoot"/>
+      </p:par>
+    </p:tnLst>
+  </p:timing>
 </p:sld>
 </file>
 
@@ -7798,7 +8942,6 @@
               <a:rPr lang="en-US" dirty="0" smtClean="0"/>
               <a:t>Your customized picture is on the top.</a:t>
             </a:r>
-            <a:endParaRPr lang="en-US" dirty="0" smtClean="0"/>
           </a:p>
         </p:txBody>
       </p:sp>
@@ -7841,6 +8984,13 @@
   <p:clrMapOvr>
     <a:masterClrMapping/>
   </p:clrMapOvr>
+  <p:timing>
+    <p:tnLst>
+      <p:par>
+        <p:cTn id="1" dur="indefinite" restart="never" nodeType="tmRoot"/>
+      </p:par>
+    </p:tnLst>
+  </p:timing>
 </p:sld>
 </file>
 
@@ -7894,7 +9044,7 @@
       </p:sp>
       <p:pic>
         <p:nvPicPr>
-          <p:cNvPr id="7" name="Picture 6"/>
+          <p:cNvPr id="3" name="Picture 2"/>
           <p:cNvPicPr>
             <a:picLocks noChangeAspect="1"/>
           </p:cNvPicPr>
@@ -7914,8 +9064,8 @@
         </p:blipFill>
         <p:spPr>
           <a:xfrm>
-            <a:off x="6696344" y="0"/>
-            <a:ext cx="5299364" cy="6858000"/>
+            <a:off x="5006534" y="1859797"/>
+            <a:ext cx="7185466" cy="4998203"/>
           </a:xfrm>
           <a:prstGeom prst="rect">
             <a:avLst/>
@@ -7932,6 +9082,13 @@
   <p:clrMapOvr>
     <a:masterClrMapping/>
   </p:clrMapOvr>
+  <p:timing>
+    <p:tnLst>
+      <p:par>
+        <p:cTn id="1" dur="indefinite" restart="never" nodeType="tmRoot"/>
+      </p:par>
+    </p:tnLst>
+  </p:timing>
 </p:sld>
 </file>
 
